--- a/Training-material/day 2/07b_A4-print-out-part2.pptx
+++ b/Training-material/day 2/07b_A4-print-out-part2.pptx
@@ -1,20 +1,20 @@
 
 <file path=ppt/presentation.xml><?xml version="1.0" encoding="utf-8"?>
-<p:presentation xmlns:a="http://schemas.openxmlformats.org/drawingml/2006/main" xmlns:r="http://schemas.openxmlformats.org/officeDocument/2006/relationships" xmlns:mc="http://schemas.openxmlformats.org/markup-compatibility/2006" xmlns:mv="urn:schemas-microsoft-com:mac:vml" xmlns:p="http://schemas.openxmlformats.org/presentationml/2006/main" xmlns:c="http://schemas.openxmlformats.org/drawingml/2006/chart" xmlns:dgm="http://schemas.openxmlformats.org/drawingml/2006/diagram" xmlns:o="urn:schemas-microsoft-com:office:office" xmlns:v="urn:schemas-microsoft-com:vml" xmlns:pvml="urn:schemas-microsoft-com:office:powerpoint" xmlns:com="http://schemas.openxmlformats.org/drawingml/2006/compatibility" xmlns:p14="http://schemas.microsoft.com/office/powerpoint/2010/main" xmlns:p15="http://schemas.microsoft.com/office/powerpoint/2012/main" xmlns:ahyp="http://schemas.microsoft.com/office/drawing/2018/hyperlinkcolor" autoCompressPictures="0" strictFirstAndLastChars="0" saveSubsetFonts="1">
+<p:presentation xmlns:a="http://schemas.openxmlformats.org/drawingml/2006/main" xmlns:r="http://schemas.openxmlformats.org/officeDocument/2006/relationships" xmlns:p="http://schemas.openxmlformats.org/presentationml/2006/main" strictFirstAndLastChars="0" saveSubsetFonts="1" autoCompressPictures="0">
   <p:sldMasterIdLst>
-    <p:sldMasterId id="2147483648" r:id="rId3"/>
+    <p:sldMasterId id="2147483648" r:id="rId1"/>
   </p:sldMasterIdLst>
   <p:notesMasterIdLst>
     <p:notesMasterId r:id="rId4"/>
   </p:notesMasterIdLst>
   <p:sldIdLst>
-    <p:sldId id="256" r:id="rId5"/>
-    <p:sldId id="257" r:id="rId6"/>
+    <p:sldId id="256" r:id="rId2"/>
+    <p:sldId id="257" r:id="rId3"/>
   </p:sldIdLst>
-  <p:sldSz cy="6858000" cx="9906000"/>
+  <p:sldSz cx="9906000" cy="6858000" type="A4"/>
   <p:notesSz cx="6858000" cy="9144000"/>
   <p:defaultTextStyle>
-    <a:defPPr lvl="0" marR="0" rtl="0" algn="l">
+    <a:defPPr marR="0" lvl="0" algn="l" rtl="0">
       <a:lnSpc>
         <a:spcPct val="100000"/>
       </a:lnSpc>
@@ -25,7 +25,7 @@
         <a:spcPts val="0"/>
       </a:spcAft>
     </a:defPPr>
-    <a:lvl1pPr lvl="0" marR="0" rtl="0" algn="l">
+    <a:lvl1pPr marR="0" lvl="0" algn="l" rtl="0">
       <a:lnSpc>
         <a:spcPct val="100000"/>
       </a:lnSpc>
@@ -39,7 +39,7 @@
         <a:srgbClr val="000000"/>
       </a:buClr>
       <a:buFont typeface="Arial"/>
-      <a:defRPr b="0" i="0" sz="1400" u="none" cap="none" strike="noStrike">
+      <a:defRPr sz="1400" b="0" i="0" u="none" strike="noStrike" cap="none">
         <a:solidFill>
           <a:srgbClr val="000000"/>
         </a:solidFill>
@@ -49,7 +49,7 @@
         <a:sym typeface="Arial"/>
       </a:defRPr>
     </a:lvl1pPr>
-    <a:lvl2pPr lvl="1" marR="0" rtl="0" algn="l">
+    <a:lvl2pPr marR="0" lvl="1" algn="l" rtl="0">
       <a:lnSpc>
         <a:spcPct val="100000"/>
       </a:lnSpc>
@@ -63,7 +63,7 @@
         <a:srgbClr val="000000"/>
       </a:buClr>
       <a:buFont typeface="Arial"/>
-      <a:defRPr b="0" i="0" sz="1400" u="none" cap="none" strike="noStrike">
+      <a:defRPr sz="1400" b="0" i="0" u="none" strike="noStrike" cap="none">
         <a:solidFill>
           <a:srgbClr val="000000"/>
         </a:solidFill>
@@ -73,7 +73,7 @@
         <a:sym typeface="Arial"/>
       </a:defRPr>
     </a:lvl2pPr>
-    <a:lvl3pPr lvl="2" marR="0" rtl="0" algn="l">
+    <a:lvl3pPr marR="0" lvl="2" algn="l" rtl="0">
       <a:lnSpc>
         <a:spcPct val="100000"/>
       </a:lnSpc>
@@ -87,7 +87,7 @@
         <a:srgbClr val="000000"/>
       </a:buClr>
       <a:buFont typeface="Arial"/>
-      <a:defRPr b="0" i="0" sz="1400" u="none" cap="none" strike="noStrike">
+      <a:defRPr sz="1400" b="0" i="0" u="none" strike="noStrike" cap="none">
         <a:solidFill>
           <a:srgbClr val="000000"/>
         </a:solidFill>
@@ -97,7 +97,7 @@
         <a:sym typeface="Arial"/>
       </a:defRPr>
     </a:lvl3pPr>
-    <a:lvl4pPr lvl="3" marR="0" rtl="0" algn="l">
+    <a:lvl4pPr marR="0" lvl="3" algn="l" rtl="0">
       <a:lnSpc>
         <a:spcPct val="100000"/>
       </a:lnSpc>
@@ -111,7 +111,7 @@
         <a:srgbClr val="000000"/>
       </a:buClr>
       <a:buFont typeface="Arial"/>
-      <a:defRPr b="0" i="0" sz="1400" u="none" cap="none" strike="noStrike">
+      <a:defRPr sz="1400" b="0" i="0" u="none" strike="noStrike" cap="none">
         <a:solidFill>
           <a:srgbClr val="000000"/>
         </a:solidFill>
@@ -121,7 +121,7 @@
         <a:sym typeface="Arial"/>
       </a:defRPr>
     </a:lvl4pPr>
-    <a:lvl5pPr lvl="4" marR="0" rtl="0" algn="l">
+    <a:lvl5pPr marR="0" lvl="4" algn="l" rtl="0">
       <a:lnSpc>
         <a:spcPct val="100000"/>
       </a:lnSpc>
@@ -135,7 +135,7 @@
         <a:srgbClr val="000000"/>
       </a:buClr>
       <a:buFont typeface="Arial"/>
-      <a:defRPr b="0" i="0" sz="1400" u="none" cap="none" strike="noStrike">
+      <a:defRPr sz="1400" b="0" i="0" u="none" strike="noStrike" cap="none">
         <a:solidFill>
           <a:srgbClr val="000000"/>
         </a:solidFill>
@@ -145,7 +145,7 @@
         <a:sym typeface="Arial"/>
       </a:defRPr>
     </a:lvl5pPr>
-    <a:lvl6pPr lvl="5" marR="0" rtl="0" algn="l">
+    <a:lvl6pPr marR="0" lvl="5" algn="l" rtl="0">
       <a:lnSpc>
         <a:spcPct val="100000"/>
       </a:lnSpc>
@@ -159,7 +159,7 @@
         <a:srgbClr val="000000"/>
       </a:buClr>
       <a:buFont typeface="Arial"/>
-      <a:defRPr b="0" i="0" sz="1400" u="none" cap="none" strike="noStrike">
+      <a:defRPr sz="1400" b="0" i="0" u="none" strike="noStrike" cap="none">
         <a:solidFill>
           <a:srgbClr val="000000"/>
         </a:solidFill>
@@ -169,7 +169,7 @@
         <a:sym typeface="Arial"/>
       </a:defRPr>
     </a:lvl6pPr>
-    <a:lvl7pPr lvl="6" marR="0" rtl="0" algn="l">
+    <a:lvl7pPr marR="0" lvl="6" algn="l" rtl="0">
       <a:lnSpc>
         <a:spcPct val="100000"/>
       </a:lnSpc>
@@ -183,7 +183,7 @@
         <a:srgbClr val="000000"/>
       </a:buClr>
       <a:buFont typeface="Arial"/>
-      <a:defRPr b="0" i="0" sz="1400" u="none" cap="none" strike="noStrike">
+      <a:defRPr sz="1400" b="0" i="0" u="none" strike="noStrike" cap="none">
         <a:solidFill>
           <a:srgbClr val="000000"/>
         </a:solidFill>
@@ -193,7 +193,7 @@
         <a:sym typeface="Arial"/>
       </a:defRPr>
     </a:lvl7pPr>
-    <a:lvl8pPr lvl="7" marR="0" rtl="0" algn="l">
+    <a:lvl8pPr marR="0" lvl="7" algn="l" rtl="0">
       <a:lnSpc>
         <a:spcPct val="100000"/>
       </a:lnSpc>
@@ -207,7 +207,7 @@
         <a:srgbClr val="000000"/>
       </a:buClr>
       <a:buFont typeface="Arial"/>
-      <a:defRPr b="0" i="0" sz="1400" u="none" cap="none" strike="noStrike">
+      <a:defRPr sz="1400" b="0" i="0" u="none" strike="noStrike" cap="none">
         <a:solidFill>
           <a:srgbClr val="000000"/>
         </a:solidFill>
@@ -217,7 +217,7 @@
         <a:sym typeface="Arial"/>
       </a:defRPr>
     </a:lvl8pPr>
-    <a:lvl9pPr lvl="8" marR="0" rtl="0" algn="l">
+    <a:lvl9pPr marR="0" lvl="8" algn="l" rtl="0">
       <a:lnSpc>
         <a:spcPct val="100000"/>
       </a:lnSpc>
@@ -231,7 +231,7 @@
         <a:srgbClr val="000000"/>
       </a:buClr>
       <a:buFont typeface="Arial"/>
-      <a:defRPr b="0" i="0" sz="1400" u="none" cap="none" strike="noStrike">
+      <a:defRPr sz="1400" b="0" i="0" u="none" strike="noStrike" cap="none">
         <a:solidFill>
           <a:srgbClr val="000000"/>
         </a:solidFill>
@@ -244,18 +244,23 @@
   </p:defaultTextStyle>
   <p:extLst>
     <p:ext uri="http://customooxmlschemas.google.com/">
-      <go:slidesCustomData xmlns:go="http://customooxmlschemas.google.com/" r:id="rId7" roundtripDataSignature="AMtx7mi4YNmG4Bdbc3en89TyaPqVFNYhgQ=="/>
+      <go:slidesCustomData xmlns:go="http://customooxmlschemas.google.com/" xmlns:ahyp="http://schemas.microsoft.com/office/drawing/2018/hyperlinkcolor" xmlns:p15="http://schemas.microsoft.com/office/powerpoint/2012/main" xmlns:p14="http://schemas.microsoft.com/office/powerpoint/2010/main" xmlns:com="http://schemas.openxmlformats.org/drawingml/2006/compatibility" xmlns:pvml="urn:schemas-microsoft-com:office:powerpoint" xmlns:v="urn:schemas-microsoft-com:vml" xmlns:o="urn:schemas-microsoft-com:office:office" xmlns:dgm="http://schemas.openxmlformats.org/drawingml/2006/diagram" xmlns:c="http://schemas.openxmlformats.org/drawingml/2006/chart" xmlns:mv="urn:schemas-microsoft-com:mac:vml" xmlns:mc="http://schemas.openxmlformats.org/markup-compatibility/2006" xmlns="" r:id="rId7" roundtripDataSignature="AMtx7mi4YNmG4Bdbc3en89TyaPqVFNYhgQ=="/>
     </p:ext>
   </p:extLst>
 </p:presentation>
 </file>
 
 <file path=ppt/notesMasters/notesMaster1.xml><?xml version="1.0" encoding="utf-8"?>
-<p:notesMaster xmlns:a="http://schemas.openxmlformats.org/drawingml/2006/main" xmlns:r="http://schemas.openxmlformats.org/officeDocument/2006/relationships" xmlns:mc="http://schemas.openxmlformats.org/markup-compatibility/2006" xmlns:mv="urn:schemas-microsoft-com:mac:vml" xmlns:p="http://schemas.openxmlformats.org/presentationml/2006/main" xmlns:c="http://schemas.openxmlformats.org/drawingml/2006/chart" xmlns:dgm="http://schemas.openxmlformats.org/drawingml/2006/diagram" xmlns:o="urn:schemas-microsoft-com:office:office" xmlns:v="urn:schemas-microsoft-com:vml" xmlns:pvml="urn:schemas-microsoft-com:office:powerpoint" xmlns:com="http://schemas.openxmlformats.org/drawingml/2006/compatibility" xmlns:p14="http://schemas.microsoft.com/office/powerpoint/2010/main" xmlns:p15="http://schemas.microsoft.com/office/powerpoint/2012/main" xmlns:ahyp="http://schemas.microsoft.com/office/drawing/2018/hyperlinkcolor">
+<p:notesMaster xmlns:a="http://schemas.openxmlformats.org/drawingml/2006/main" xmlns:r="http://schemas.openxmlformats.org/officeDocument/2006/relationships" xmlns:p="http://schemas.openxmlformats.org/presentationml/2006/main">
   <p:cSld>
+    <p:bg>
+      <p:bgRef idx="1001">
+        <a:schemeClr val="bg1"/>
+      </p:bgRef>
+    </p:bg>
     <p:spTree>
       <p:nvGrpSpPr>
-        <p:cNvPr id="2" name="Shape 2"/>
+        <p:cNvPr id="1" name="Shape 2"/>
         <p:cNvGrpSpPr/>
         <p:nvPr/>
       </p:nvGrpSpPr>
@@ -270,9 +275,11 @@
       <p:sp>
         <p:nvSpPr>
           <p:cNvPr id="3" name="Google Shape;3;n"/>
-          <p:cNvSpPr/>
+          <p:cNvSpPr>
+            <a:spLocks noGrp="1" noRot="1" noChangeAspect="1"/>
+          </p:cNvSpPr>
           <p:nvPr>
-            <p:ph idx="2" type="sldImg"/>
+            <p:ph type="sldImg" idx="2"/>
           </p:nvPr>
         </p:nvSpPr>
         <p:spPr>
@@ -281,9 +288,13 @@
             <a:ext cx="4572225" cy="3429000"/>
           </a:xfrm>
           <a:custGeom>
-            <a:rect b="b" l="l" r="r" t="t"/>
+            <a:avLst/>
+            <a:gdLst/>
+            <a:ahLst/>
+            <a:cxnLst/>
+            <a:rect l="l" t="t" r="r" b="b"/>
             <a:pathLst>
-              <a:path extrusionOk="0" h="120000" w="120000">
+              <a:path w="120000" h="120000" extrusionOk="0">
                 <a:moveTo>
                   <a:pt x="0" y="0"/>
                 </a:moveTo>
@@ -301,23 +312,25 @@
             </a:pathLst>
           </a:custGeom>
           <a:noFill/>
-          <a:ln cap="flat" cmpd="sng" w="9525">
+          <a:ln w="9525" cap="flat" cmpd="sng">
             <a:solidFill>
               <a:srgbClr val="000000"/>
             </a:solidFill>
             <a:prstDash val="solid"/>
             <a:round/>
-            <a:headEnd len="sm" w="sm" type="none"/>
-            <a:tailEnd len="sm" w="sm" type="none"/>
+            <a:headEnd type="none" w="sm" len="sm"/>
+            <a:tailEnd type="none" w="sm" len="sm"/>
           </a:ln>
         </p:spPr>
       </p:sp>
       <p:sp>
         <p:nvSpPr>
           <p:cNvPr id="4" name="Google Shape;4;n"/>
-          <p:cNvSpPr txBox="1"/>
+          <p:cNvSpPr txBox="1">
+            <a:spLocks noGrp="1"/>
+          </p:cNvSpPr>
           <p:nvPr>
-            <p:ph idx="1" type="body"/>
+            <p:ph type="body" idx="1"/>
           </p:nvPr>
         </p:nvSpPr>
         <p:spPr>
@@ -334,11 +347,11 @@
           </a:ln>
         </p:spPr>
         <p:txBody>
-          <a:bodyPr anchorCtr="0" anchor="t" bIns="91425" lIns="91425" spcFirstLastPara="1" rIns="91425" wrap="square" tIns="91425">
+          <a:bodyPr spcFirstLastPara="1" wrap="square" lIns="91425" tIns="91425" rIns="91425" bIns="91425" anchor="t" anchorCtr="0">
             <a:noAutofit/>
           </a:bodyPr>
           <a:lstStyle>
-            <a:lvl1pPr indent="-298450" lvl="0" marL="457200">
+            <a:lvl1pPr marL="457200" lvl="0" indent="-298450">
               <a:spcBef>
                 <a:spcPts val="0"/>
               </a:spcBef>
@@ -349,7 +362,7 @@
               <a:buChar char="●"/>
               <a:defRPr sz="1100"/>
             </a:lvl1pPr>
-            <a:lvl2pPr indent="-298450" lvl="1" marL="914400">
+            <a:lvl2pPr marL="914400" lvl="1" indent="-298450">
               <a:spcBef>
                 <a:spcPts val="0"/>
               </a:spcBef>
@@ -360,7 +373,7 @@
               <a:buChar char="○"/>
               <a:defRPr sz="1100"/>
             </a:lvl2pPr>
-            <a:lvl3pPr indent="-298450" lvl="2" marL="1371600">
+            <a:lvl3pPr marL="1371600" lvl="2" indent="-298450">
               <a:spcBef>
                 <a:spcPts val="0"/>
               </a:spcBef>
@@ -371,7 +384,7 @@
               <a:buChar char="■"/>
               <a:defRPr sz="1100"/>
             </a:lvl3pPr>
-            <a:lvl4pPr indent="-298450" lvl="3" marL="1828800">
+            <a:lvl4pPr marL="1828800" lvl="3" indent="-298450">
               <a:spcBef>
                 <a:spcPts val="0"/>
               </a:spcBef>
@@ -382,7 +395,7 @@
               <a:buChar char="●"/>
               <a:defRPr sz="1100"/>
             </a:lvl4pPr>
-            <a:lvl5pPr indent="-298450" lvl="4" marL="2286000">
+            <a:lvl5pPr marL="2286000" lvl="4" indent="-298450">
               <a:spcBef>
                 <a:spcPts val="0"/>
               </a:spcBef>
@@ -393,7 +406,7 @@
               <a:buChar char="○"/>
               <a:defRPr sz="1100"/>
             </a:lvl5pPr>
-            <a:lvl6pPr indent="-298450" lvl="5" marL="2743200">
+            <a:lvl6pPr marL="2743200" lvl="5" indent="-298450">
               <a:spcBef>
                 <a:spcPts val="0"/>
               </a:spcBef>
@@ -404,7 +417,7 @@
               <a:buChar char="■"/>
               <a:defRPr sz="1100"/>
             </a:lvl6pPr>
-            <a:lvl7pPr indent="-298450" lvl="6" marL="3200400">
+            <a:lvl7pPr marL="3200400" lvl="6" indent="-298450">
               <a:spcBef>
                 <a:spcPts val="0"/>
               </a:spcBef>
@@ -415,7 +428,7 @@
               <a:buChar char="●"/>
               <a:defRPr sz="1100"/>
             </a:lvl7pPr>
-            <a:lvl8pPr indent="-298450" lvl="7" marL="3657600">
+            <a:lvl8pPr marL="3657600" lvl="7" indent="-298450">
               <a:spcBef>
                 <a:spcPts val="0"/>
               </a:spcBef>
@@ -426,7 +439,7 @@
               <a:buChar char="○"/>
               <a:defRPr sz="1100"/>
             </a:lvl8pPr>
-            <a:lvl9pPr indent="-298450" lvl="8" marL="4114800">
+            <a:lvl9pPr marL="4114800" lvl="8" indent="-298450">
               <a:spcBef>
                 <a:spcPts val="0"/>
               </a:spcBef>
@@ -438,14 +451,16 @@
               <a:defRPr sz="1100"/>
             </a:lvl9pPr>
           </a:lstStyle>
-          <a:p/>
+          <a:p>
+            <a:endParaRPr/>
+          </a:p>
         </p:txBody>
       </p:sp>
     </p:spTree>
   </p:cSld>
-  <p:clrMap accent1="accent1" accent2="accent2" accent3="accent3" accent4="accent4" accent5="accent5" accent6="accent6" bg1="lt1" bg2="dk2" tx1="dk1" tx2="lt2" folHlink="folHlink" hlink="hlink"/>
+  <p:clrMap bg1="lt1" tx1="dk1" bg2="dk2" tx2="lt2" accent1="accent1" accent2="accent2" accent3="accent3" accent4="accent4" accent5="accent5" accent6="accent6" hlink="hlink" folHlink="folHlink"/>
   <p:notesStyle>
-    <a:defPPr lvl="0" marR="0" rtl="0" algn="l">
+    <a:defPPr marR="0" lvl="0" algn="l" rtl="0">
       <a:lnSpc>
         <a:spcPct val="100000"/>
       </a:lnSpc>
@@ -456,7 +471,7 @@
         <a:spcPts val="0"/>
       </a:spcAft>
     </a:defPPr>
-    <a:lvl1pPr lvl="0" marR="0" rtl="0" algn="l">
+    <a:lvl1pPr marR="0" lvl="0" algn="l" rtl="0">
       <a:lnSpc>
         <a:spcPct val="100000"/>
       </a:lnSpc>
@@ -470,7 +485,7 @@
         <a:srgbClr val="000000"/>
       </a:buClr>
       <a:buFont typeface="Arial"/>
-      <a:defRPr b="0" i="0" sz="1400" u="none" cap="none" strike="noStrike">
+      <a:defRPr sz="1400" b="0" i="0" u="none" strike="noStrike" cap="none">
         <a:solidFill>
           <a:srgbClr val="000000"/>
         </a:solidFill>
@@ -480,7 +495,7 @@
         <a:sym typeface="Arial"/>
       </a:defRPr>
     </a:lvl1pPr>
-    <a:lvl2pPr lvl="1" marR="0" rtl="0" algn="l">
+    <a:lvl2pPr marR="0" lvl="1" algn="l" rtl="0">
       <a:lnSpc>
         <a:spcPct val="100000"/>
       </a:lnSpc>
@@ -494,7 +509,7 @@
         <a:srgbClr val="000000"/>
       </a:buClr>
       <a:buFont typeface="Arial"/>
-      <a:defRPr b="0" i="0" sz="1400" u="none" cap="none" strike="noStrike">
+      <a:defRPr sz="1400" b="0" i="0" u="none" strike="noStrike" cap="none">
         <a:solidFill>
           <a:srgbClr val="000000"/>
         </a:solidFill>
@@ -504,7 +519,7 @@
         <a:sym typeface="Arial"/>
       </a:defRPr>
     </a:lvl2pPr>
-    <a:lvl3pPr lvl="2" marR="0" rtl="0" algn="l">
+    <a:lvl3pPr marR="0" lvl="2" algn="l" rtl="0">
       <a:lnSpc>
         <a:spcPct val="100000"/>
       </a:lnSpc>
@@ -518,7 +533,7 @@
         <a:srgbClr val="000000"/>
       </a:buClr>
       <a:buFont typeface="Arial"/>
-      <a:defRPr b="0" i="0" sz="1400" u="none" cap="none" strike="noStrike">
+      <a:defRPr sz="1400" b="0" i="0" u="none" strike="noStrike" cap="none">
         <a:solidFill>
           <a:srgbClr val="000000"/>
         </a:solidFill>
@@ -528,7 +543,7 @@
         <a:sym typeface="Arial"/>
       </a:defRPr>
     </a:lvl3pPr>
-    <a:lvl4pPr lvl="3" marR="0" rtl="0" algn="l">
+    <a:lvl4pPr marR="0" lvl="3" algn="l" rtl="0">
       <a:lnSpc>
         <a:spcPct val="100000"/>
       </a:lnSpc>
@@ -542,7 +557,7 @@
         <a:srgbClr val="000000"/>
       </a:buClr>
       <a:buFont typeface="Arial"/>
-      <a:defRPr b="0" i="0" sz="1400" u="none" cap="none" strike="noStrike">
+      <a:defRPr sz="1400" b="0" i="0" u="none" strike="noStrike" cap="none">
         <a:solidFill>
           <a:srgbClr val="000000"/>
         </a:solidFill>
@@ -552,7 +567,7 @@
         <a:sym typeface="Arial"/>
       </a:defRPr>
     </a:lvl4pPr>
-    <a:lvl5pPr lvl="4" marR="0" rtl="0" algn="l">
+    <a:lvl5pPr marR="0" lvl="4" algn="l" rtl="0">
       <a:lnSpc>
         <a:spcPct val="100000"/>
       </a:lnSpc>
@@ -566,7 +581,7 @@
         <a:srgbClr val="000000"/>
       </a:buClr>
       <a:buFont typeface="Arial"/>
-      <a:defRPr b="0" i="0" sz="1400" u="none" cap="none" strike="noStrike">
+      <a:defRPr sz="1400" b="0" i="0" u="none" strike="noStrike" cap="none">
         <a:solidFill>
           <a:srgbClr val="000000"/>
         </a:solidFill>
@@ -576,7 +591,7 @@
         <a:sym typeface="Arial"/>
       </a:defRPr>
     </a:lvl5pPr>
-    <a:lvl6pPr lvl="5" marR="0" rtl="0" algn="l">
+    <a:lvl6pPr marR="0" lvl="5" algn="l" rtl="0">
       <a:lnSpc>
         <a:spcPct val="100000"/>
       </a:lnSpc>
@@ -590,7 +605,7 @@
         <a:srgbClr val="000000"/>
       </a:buClr>
       <a:buFont typeface="Arial"/>
-      <a:defRPr b="0" i="0" sz="1400" u="none" cap="none" strike="noStrike">
+      <a:defRPr sz="1400" b="0" i="0" u="none" strike="noStrike" cap="none">
         <a:solidFill>
           <a:srgbClr val="000000"/>
         </a:solidFill>
@@ -600,7 +615,7 @@
         <a:sym typeface="Arial"/>
       </a:defRPr>
     </a:lvl6pPr>
-    <a:lvl7pPr lvl="6" marR="0" rtl="0" algn="l">
+    <a:lvl7pPr marR="0" lvl="6" algn="l" rtl="0">
       <a:lnSpc>
         <a:spcPct val="100000"/>
       </a:lnSpc>
@@ -614,7 +629,7 @@
         <a:srgbClr val="000000"/>
       </a:buClr>
       <a:buFont typeface="Arial"/>
-      <a:defRPr b="0" i="0" sz="1400" u="none" cap="none" strike="noStrike">
+      <a:defRPr sz="1400" b="0" i="0" u="none" strike="noStrike" cap="none">
         <a:solidFill>
           <a:srgbClr val="000000"/>
         </a:solidFill>
@@ -624,7 +639,7 @@
         <a:sym typeface="Arial"/>
       </a:defRPr>
     </a:lvl7pPr>
-    <a:lvl8pPr lvl="7" marR="0" rtl="0" algn="l">
+    <a:lvl8pPr marR="0" lvl="7" algn="l" rtl="0">
       <a:lnSpc>
         <a:spcPct val="100000"/>
       </a:lnSpc>
@@ -638,7 +653,7 @@
         <a:srgbClr val="000000"/>
       </a:buClr>
       <a:buFont typeface="Arial"/>
-      <a:defRPr b="0" i="0" sz="1400" u="none" cap="none" strike="noStrike">
+      <a:defRPr sz="1400" b="0" i="0" u="none" strike="noStrike" cap="none">
         <a:solidFill>
           <a:srgbClr val="000000"/>
         </a:solidFill>
@@ -648,7 +663,7 @@
         <a:sym typeface="Arial"/>
       </a:defRPr>
     </a:lvl8pPr>
-    <a:lvl9pPr lvl="8" marR="0" rtl="0" algn="l">
+    <a:lvl9pPr marR="0" lvl="8" algn="l" rtl="0">
       <a:lnSpc>
         <a:spcPct val="100000"/>
       </a:lnSpc>
@@ -662,7 +677,7 @@
         <a:srgbClr val="000000"/>
       </a:buClr>
       <a:buFont typeface="Arial"/>
-      <a:defRPr b="0" i="0" sz="1400" u="none" cap="none" strike="noStrike">
+      <a:defRPr sz="1400" b="0" i="0" u="none" strike="noStrike" cap="none">
         <a:solidFill>
           <a:srgbClr val="000000"/>
         </a:solidFill>
@@ -677,11 +692,11 @@
 </file>
 
 <file path=ppt/notesSlides/notesSlide1.xml><?xml version="1.0" encoding="utf-8"?>
-<p:notes xmlns:a="http://schemas.openxmlformats.org/drawingml/2006/main" xmlns:r="http://schemas.openxmlformats.org/officeDocument/2006/relationships" xmlns:mc="http://schemas.openxmlformats.org/markup-compatibility/2006" xmlns:mv="urn:schemas-microsoft-com:mac:vml" xmlns:p="http://schemas.openxmlformats.org/presentationml/2006/main" xmlns:c="http://schemas.openxmlformats.org/drawingml/2006/chart" xmlns:dgm="http://schemas.openxmlformats.org/drawingml/2006/diagram" xmlns:o="urn:schemas-microsoft-com:office:office" xmlns:v="urn:schemas-microsoft-com:vml" xmlns:pvml="urn:schemas-microsoft-com:office:powerpoint" xmlns:com="http://schemas.openxmlformats.org/drawingml/2006/compatibility" xmlns:p14="http://schemas.microsoft.com/office/powerpoint/2010/main" xmlns:p15="http://schemas.microsoft.com/office/powerpoint/2012/main" xmlns:ahyp="http://schemas.microsoft.com/office/drawing/2018/hyperlinkcolor" showMasterPhAnim="0" showMasterSp="0">
+<p:notes xmlns:a="http://schemas.openxmlformats.org/drawingml/2006/main" xmlns:r="http://schemas.openxmlformats.org/officeDocument/2006/relationships" xmlns:p="http://schemas.openxmlformats.org/presentationml/2006/main" showMasterSp="0" showMasterPhAnim="0">
   <p:cSld>
     <p:spTree>
       <p:nvGrpSpPr>
-        <p:cNvPr id="80" name="Shape 80"/>
+        <p:cNvPr id="1" name="Shape 80"/>
         <p:cNvGrpSpPr/>
         <p:nvPr/>
       </p:nvGrpSpPr>
@@ -696,9 +711,11 @@
       <p:sp>
         <p:nvSpPr>
           <p:cNvPr id="81" name="Google Shape;81;p1:notes"/>
-          <p:cNvSpPr txBox="1"/>
+          <p:cNvSpPr txBox="1">
+            <a:spLocks noGrp="1"/>
+          </p:cNvSpPr>
           <p:nvPr>
-            <p:ph idx="1" type="body"/>
+            <p:ph type="body" idx="1"/>
           </p:nvPr>
         </p:nvSpPr>
         <p:spPr>
@@ -711,12 +728,12 @@
           </a:prstGeom>
         </p:spPr>
         <p:txBody>
-          <a:bodyPr anchorCtr="0" anchor="t" bIns="91425" lIns="91425" spcFirstLastPara="1" rIns="91425" wrap="square" tIns="91425">
+          <a:bodyPr spcFirstLastPara="1" wrap="square" lIns="91425" tIns="91425" rIns="91425" bIns="91425" anchor="t" anchorCtr="0">
             <a:noAutofit/>
           </a:bodyPr>
           <a:lstStyle/>
           <a:p>
-            <a:pPr indent="0" lvl="0" marL="0" rtl="0" algn="l">
+            <a:pPr marL="0" lvl="0" indent="0" algn="l" rtl="0">
               <a:spcBef>
                 <a:spcPts val="0"/>
               </a:spcBef>
@@ -725,9 +742,6 @@
               </a:spcAft>
               <a:buNone/>
             </a:pPr>
-            <a:r>
-              <a:t/>
-            </a:r>
             <a:endParaRPr/>
           </a:p>
         </p:txBody>
@@ -735,9 +749,11 @@
       <p:sp>
         <p:nvSpPr>
           <p:cNvPr id="82" name="Google Shape;82;p1:notes"/>
-          <p:cNvSpPr/>
+          <p:cNvSpPr>
+            <a:spLocks noGrp="1" noRot="1" noChangeAspect="1"/>
+          </p:cNvSpPr>
           <p:nvPr>
-            <p:ph idx="2" type="sldImg"/>
+            <p:ph type="sldImg" idx="2"/>
           </p:nvPr>
         </p:nvSpPr>
         <p:spPr>
@@ -746,9 +762,13 @@
             <a:ext cx="4572225" cy="3429000"/>
           </a:xfrm>
           <a:custGeom>
-            <a:rect b="b" l="l" r="r" t="t"/>
+            <a:avLst/>
+            <a:gdLst/>
+            <a:ahLst/>
+            <a:cxnLst/>
+            <a:rect l="l" t="t" r="r" b="b"/>
             <a:pathLst>
-              <a:path extrusionOk="0" h="120000" w="120000">
+              <a:path w="120000" h="120000" extrusionOk="0">
                 <a:moveTo>
                   <a:pt x="0" y="0"/>
                 </a:moveTo>
@@ -776,11 +796,11 @@
 </file>
 
 <file path=ppt/notesSlides/notesSlide2.xml><?xml version="1.0" encoding="utf-8"?>
-<p:notes xmlns:a="http://schemas.openxmlformats.org/drawingml/2006/main" xmlns:r="http://schemas.openxmlformats.org/officeDocument/2006/relationships" xmlns:mc="http://schemas.openxmlformats.org/markup-compatibility/2006" xmlns:mv="urn:schemas-microsoft-com:mac:vml" xmlns:p="http://schemas.openxmlformats.org/presentationml/2006/main" xmlns:c="http://schemas.openxmlformats.org/drawingml/2006/chart" xmlns:dgm="http://schemas.openxmlformats.org/drawingml/2006/diagram" xmlns:o="urn:schemas-microsoft-com:office:office" xmlns:v="urn:schemas-microsoft-com:vml" xmlns:pvml="urn:schemas-microsoft-com:office:powerpoint" xmlns:com="http://schemas.openxmlformats.org/drawingml/2006/compatibility" xmlns:p14="http://schemas.microsoft.com/office/powerpoint/2010/main" xmlns:p15="http://schemas.microsoft.com/office/powerpoint/2012/main" xmlns:ahyp="http://schemas.microsoft.com/office/drawing/2018/hyperlinkcolor" showMasterPhAnim="0" showMasterSp="0">
+<p:notes xmlns:a="http://schemas.openxmlformats.org/drawingml/2006/main" xmlns:r="http://schemas.openxmlformats.org/officeDocument/2006/relationships" xmlns:p="http://schemas.openxmlformats.org/presentationml/2006/main" showMasterSp="0" showMasterPhAnim="0">
   <p:cSld>
     <p:spTree>
       <p:nvGrpSpPr>
-        <p:cNvPr id="116" name="Shape 116"/>
+        <p:cNvPr id="1" name="Shape 116"/>
         <p:cNvGrpSpPr/>
         <p:nvPr/>
       </p:nvGrpSpPr>
@@ -795,9 +815,11 @@
       <p:sp>
         <p:nvSpPr>
           <p:cNvPr id="117" name="Google Shape;117;p2:notes"/>
-          <p:cNvSpPr txBox="1"/>
+          <p:cNvSpPr txBox="1">
+            <a:spLocks noGrp="1"/>
+          </p:cNvSpPr>
           <p:nvPr>
-            <p:ph idx="1" type="body"/>
+            <p:ph type="body" idx="1"/>
           </p:nvPr>
         </p:nvSpPr>
         <p:spPr>
@@ -810,12 +832,12 @@
           </a:prstGeom>
         </p:spPr>
         <p:txBody>
-          <a:bodyPr anchorCtr="0" anchor="t" bIns="91425" lIns="91425" spcFirstLastPara="1" rIns="91425" wrap="square" tIns="91425">
+          <a:bodyPr spcFirstLastPara="1" wrap="square" lIns="91425" tIns="91425" rIns="91425" bIns="91425" anchor="t" anchorCtr="0">
             <a:noAutofit/>
           </a:bodyPr>
           <a:lstStyle/>
           <a:p>
-            <a:pPr indent="0" lvl="0" marL="0" rtl="0" algn="l">
+            <a:pPr marL="0" lvl="0" indent="0" algn="l" rtl="0">
               <a:spcBef>
                 <a:spcPts val="0"/>
               </a:spcBef>
@@ -824,9 +846,6 @@
               </a:spcAft>
               <a:buNone/>
             </a:pPr>
-            <a:r>
-              <a:t/>
-            </a:r>
             <a:endParaRPr/>
           </a:p>
         </p:txBody>
@@ -834,20 +853,26 @@
       <p:sp>
         <p:nvSpPr>
           <p:cNvPr id="118" name="Google Shape;118;p2:notes"/>
-          <p:cNvSpPr/>
+          <p:cNvSpPr>
+            <a:spLocks noGrp="1" noRot="1" noChangeAspect="1"/>
+          </p:cNvSpPr>
           <p:nvPr>
-            <p:ph idx="2" type="sldImg"/>
+            <p:ph type="sldImg" idx="2"/>
           </p:nvPr>
         </p:nvSpPr>
         <p:spPr>
           <a:xfrm>
-            <a:off x="1143225" y="685800"/>
-            <a:ext cx="4572225" cy="3429000"/>
+            <a:off x="952500" y="685800"/>
+            <a:ext cx="4953000" cy="3429000"/>
           </a:xfrm>
           <a:custGeom>
-            <a:rect b="b" l="l" r="r" t="t"/>
+            <a:avLst/>
+            <a:gdLst/>
+            <a:ahLst/>
+            <a:cxnLst/>
+            <a:rect l="l" t="t" r="r" b="b"/>
             <a:pathLst>
-              <a:path extrusionOk="0" h="120000" w="120000">
+              <a:path w="120000" h="120000" extrusionOk="0">
                 <a:moveTo>
                   <a:pt x="0" y="0"/>
                 </a:moveTo>
@@ -875,11 +900,11 @@
 </file>
 
 <file path=ppt/slideLayouts/slideLayout1.xml><?xml version="1.0" encoding="utf-8"?>
-<p:sldLayout xmlns:a="http://schemas.openxmlformats.org/drawingml/2006/main" xmlns:r="http://schemas.openxmlformats.org/officeDocument/2006/relationships" xmlns:mc="http://schemas.openxmlformats.org/markup-compatibility/2006" xmlns:mv="urn:schemas-microsoft-com:mac:vml" xmlns:p="http://schemas.openxmlformats.org/presentationml/2006/main" xmlns:c="http://schemas.openxmlformats.org/drawingml/2006/chart" xmlns:dgm="http://schemas.openxmlformats.org/drawingml/2006/diagram" xmlns:o="urn:schemas-microsoft-com:office:office" xmlns:v="urn:schemas-microsoft-com:vml" xmlns:pvml="urn:schemas-microsoft-com:office:powerpoint" xmlns:com="http://schemas.openxmlformats.org/drawingml/2006/compatibility" xmlns:p14="http://schemas.microsoft.com/office/powerpoint/2010/main" xmlns:p15="http://schemas.microsoft.com/office/powerpoint/2012/main" xmlns:ahyp="http://schemas.microsoft.com/office/drawing/2018/hyperlinkcolor" matchingName="Blank" type="blank">
+<p:sldLayout xmlns:a="http://schemas.openxmlformats.org/drawingml/2006/main" xmlns:r="http://schemas.openxmlformats.org/officeDocument/2006/relationships" xmlns:p="http://schemas.openxmlformats.org/presentationml/2006/main" matchingName="Blank" type="blank">
   <p:cSld name="BLANK">
     <p:spTree>
       <p:nvGrpSpPr>
-        <p:cNvPr id="11" name="Shape 11"/>
+        <p:cNvPr id="1" name="Shape 11"/>
         <p:cNvGrpSpPr/>
         <p:nvPr/>
       </p:nvGrpSpPr>
@@ -894,9 +919,11 @@
       <p:sp>
         <p:nvSpPr>
           <p:cNvPr id="12" name="Google Shape;12;p4"/>
-          <p:cNvSpPr txBox="1"/>
+          <p:cNvSpPr txBox="1">
+            <a:spLocks noGrp="1"/>
+          </p:cNvSpPr>
           <p:nvPr>
-            <p:ph idx="10" type="dt"/>
+            <p:ph type="dt" idx="10"/>
           </p:nvPr>
         </p:nvSpPr>
         <p:spPr>
@@ -913,7 +940,7 @@
           </a:ln>
         </p:spPr>
         <p:txBody>
-          <a:bodyPr anchorCtr="0" anchor="ctr" bIns="45700" lIns="91425" spcFirstLastPara="1" rIns="91425" wrap="square" tIns="45700">
+          <a:bodyPr spcFirstLastPara="1" wrap="square" lIns="91425" tIns="45700" rIns="91425" bIns="45700" anchor="ctr" anchorCtr="0">
             <a:noAutofit/>
           </a:bodyPr>
           <a:lstStyle>
@@ -1017,15 +1044,19 @@
               <a:defRPr/>
             </a:lvl9pPr>
           </a:lstStyle>
-          <a:p/>
+          <a:p>
+            <a:endParaRPr/>
+          </a:p>
         </p:txBody>
       </p:sp>
       <p:sp>
         <p:nvSpPr>
           <p:cNvPr id="13" name="Google Shape;13;p4"/>
-          <p:cNvSpPr txBox="1"/>
+          <p:cNvSpPr txBox="1">
+            <a:spLocks noGrp="1"/>
+          </p:cNvSpPr>
           <p:nvPr>
-            <p:ph idx="11" type="ftr"/>
+            <p:ph type="ftr" idx="11"/>
           </p:nvPr>
         </p:nvSpPr>
         <p:spPr>
@@ -1042,7 +1073,7 @@
           </a:ln>
         </p:spPr>
         <p:txBody>
-          <a:bodyPr anchorCtr="0" anchor="ctr" bIns="45700" lIns="91425" spcFirstLastPara="1" rIns="91425" wrap="square" tIns="45700">
+          <a:bodyPr spcFirstLastPara="1" wrap="square" lIns="91425" tIns="45700" rIns="91425" bIns="45700" anchor="ctr" anchorCtr="0">
             <a:noAutofit/>
           </a:bodyPr>
           <a:lstStyle>
@@ -1146,15 +1177,19 @@
               <a:defRPr/>
             </a:lvl9pPr>
           </a:lstStyle>
-          <a:p/>
+          <a:p>
+            <a:endParaRPr/>
+          </a:p>
         </p:txBody>
       </p:sp>
       <p:sp>
         <p:nvSpPr>
           <p:cNvPr id="14" name="Google Shape;14;p4"/>
-          <p:cNvSpPr txBox="1"/>
+          <p:cNvSpPr txBox="1">
+            <a:spLocks noGrp="1"/>
+          </p:cNvSpPr>
           <p:nvPr>
-            <p:ph idx="12" type="sldNum"/>
+            <p:ph type="sldNum" idx="12"/>
           </p:nvPr>
         </p:nvSpPr>
         <p:spPr>
@@ -1171,67 +1206,67 @@
           </a:ln>
         </p:spPr>
         <p:txBody>
-          <a:bodyPr anchorCtr="0" anchor="ctr" bIns="45700" lIns="91425" spcFirstLastPara="1" rIns="91425" wrap="square" tIns="45700">
+          <a:bodyPr spcFirstLastPara="1" wrap="square" lIns="91425" tIns="45700" rIns="91425" bIns="45700" anchor="ctr" anchorCtr="0">
             <a:noAutofit/>
           </a:bodyPr>
           <a:lstStyle>
-            <a:lvl1pPr indent="0" lvl="0" marL="0" algn="r">
+            <a:lvl1pPr marL="0" lvl="0" indent="0" algn="r">
               <a:spcBef>
                 <a:spcPts val="0"/>
               </a:spcBef>
               <a:buNone/>
               <a:defRPr/>
             </a:lvl1pPr>
-            <a:lvl2pPr indent="0" lvl="1" marL="0" algn="r">
+            <a:lvl2pPr marL="0" lvl="1" indent="0" algn="r">
               <a:spcBef>
                 <a:spcPts val="0"/>
               </a:spcBef>
               <a:buNone/>
               <a:defRPr/>
             </a:lvl2pPr>
-            <a:lvl3pPr indent="0" lvl="2" marL="0" algn="r">
+            <a:lvl3pPr marL="0" lvl="2" indent="0" algn="r">
               <a:spcBef>
                 <a:spcPts val="0"/>
               </a:spcBef>
               <a:buNone/>
               <a:defRPr/>
             </a:lvl3pPr>
-            <a:lvl4pPr indent="0" lvl="3" marL="0" algn="r">
+            <a:lvl4pPr marL="0" lvl="3" indent="0" algn="r">
               <a:spcBef>
                 <a:spcPts val="0"/>
               </a:spcBef>
               <a:buNone/>
               <a:defRPr/>
             </a:lvl4pPr>
-            <a:lvl5pPr indent="0" lvl="4" marL="0" algn="r">
+            <a:lvl5pPr marL="0" lvl="4" indent="0" algn="r">
               <a:spcBef>
                 <a:spcPts val="0"/>
               </a:spcBef>
               <a:buNone/>
               <a:defRPr/>
             </a:lvl5pPr>
-            <a:lvl6pPr indent="0" lvl="5" marL="0" algn="r">
+            <a:lvl6pPr marL="0" lvl="5" indent="0" algn="r">
               <a:spcBef>
                 <a:spcPts val="0"/>
               </a:spcBef>
               <a:buNone/>
               <a:defRPr/>
             </a:lvl6pPr>
-            <a:lvl7pPr indent="0" lvl="6" marL="0" algn="r">
+            <a:lvl7pPr marL="0" lvl="6" indent="0" algn="r">
               <a:spcBef>
                 <a:spcPts val="0"/>
               </a:spcBef>
               <a:buNone/>
               <a:defRPr/>
             </a:lvl7pPr>
-            <a:lvl8pPr indent="0" lvl="7" marL="0" algn="r">
+            <a:lvl8pPr marL="0" lvl="7" indent="0" algn="r">
               <a:spcBef>
                 <a:spcPts val="0"/>
               </a:spcBef>
               <a:buNone/>
               <a:defRPr/>
             </a:lvl8pPr>
-            <a:lvl9pPr indent="0" lvl="8" marL="0" algn="r">
+            <a:lvl9pPr marL="0" lvl="8" indent="0" algn="r">
               <a:spcBef>
                 <a:spcPts val="0"/>
               </a:spcBef>
@@ -1240,7 +1275,7 @@
             </a:lvl9pPr>
           </a:lstStyle>
           <a:p>
-            <a:pPr indent="0" lvl="0" marL="0" rtl="0" algn="r">
+            <a:pPr marL="0" lvl="0" indent="0" algn="r" rtl="0">
               <a:spcBef>
                 <a:spcPts val="0"/>
               </a:spcBef>
@@ -1266,11 +1301,11 @@
 </file>
 
 <file path=ppt/slideLayouts/slideLayout10.xml><?xml version="1.0" encoding="utf-8"?>
-<p:sldLayout xmlns:a="http://schemas.openxmlformats.org/drawingml/2006/main" xmlns:r="http://schemas.openxmlformats.org/officeDocument/2006/relationships" xmlns:mc="http://schemas.openxmlformats.org/markup-compatibility/2006" xmlns:mv="urn:schemas-microsoft-com:mac:vml" xmlns:p="http://schemas.openxmlformats.org/presentationml/2006/main" xmlns:c="http://schemas.openxmlformats.org/drawingml/2006/chart" xmlns:dgm="http://schemas.openxmlformats.org/drawingml/2006/diagram" xmlns:o="urn:schemas-microsoft-com:office:office" xmlns:v="urn:schemas-microsoft-com:vml" xmlns:pvml="urn:schemas-microsoft-com:office:powerpoint" xmlns:com="http://schemas.openxmlformats.org/drawingml/2006/compatibility" xmlns:p14="http://schemas.microsoft.com/office/powerpoint/2010/main" xmlns:p15="http://schemas.microsoft.com/office/powerpoint/2012/main" xmlns:ahyp="http://schemas.microsoft.com/office/drawing/2018/hyperlinkcolor" matchingName="Title and Vertical Text" type="vertTx">
+<p:sldLayout xmlns:a="http://schemas.openxmlformats.org/drawingml/2006/main" xmlns:r="http://schemas.openxmlformats.org/officeDocument/2006/relationships" xmlns:p="http://schemas.openxmlformats.org/presentationml/2006/main" matchingName="Title and Vertical Text" type="vertTx">
   <p:cSld name="VERTICAL_TEXT">
     <p:spTree>
       <p:nvGrpSpPr>
-        <p:cNvPr id="68" name="Shape 68"/>
+        <p:cNvPr id="1" name="Shape 68"/>
         <p:cNvGrpSpPr/>
         <p:nvPr/>
       </p:nvGrpSpPr>
@@ -1285,7 +1320,9 @@
       <p:sp>
         <p:nvSpPr>
           <p:cNvPr id="69" name="Google Shape;69;p13"/>
-          <p:cNvSpPr txBox="1"/>
+          <p:cNvSpPr txBox="1">
+            <a:spLocks noGrp="1"/>
+          </p:cNvSpPr>
           <p:nvPr>
             <p:ph type="title"/>
           </p:nvPr>
@@ -1304,7 +1341,7 @@
           </a:ln>
         </p:spPr>
         <p:txBody>
-          <a:bodyPr anchorCtr="0" anchor="ctr" bIns="45700" lIns="91425" spcFirstLastPara="1" rIns="91425" wrap="square" tIns="45700">
+          <a:bodyPr spcFirstLastPara="1" wrap="square" lIns="91425" tIns="45700" rIns="91425" bIns="45700" anchor="ctr" anchorCtr="0">
             <a:normAutofit/>
           </a:bodyPr>
           <a:lstStyle>
@@ -1414,15 +1451,19 @@
               <a:defRPr/>
             </a:lvl9pPr>
           </a:lstStyle>
-          <a:p/>
+          <a:p>
+            <a:endParaRPr/>
+          </a:p>
         </p:txBody>
       </p:sp>
       <p:sp>
         <p:nvSpPr>
           <p:cNvPr id="70" name="Google Shape;70;p13"/>
-          <p:cNvSpPr txBox="1"/>
+          <p:cNvSpPr txBox="1">
+            <a:spLocks noGrp="1"/>
+          </p:cNvSpPr>
           <p:nvPr>
-            <p:ph idx="1" type="body"/>
+            <p:ph type="body" idx="1"/>
           </p:nvPr>
         </p:nvSpPr>
         <p:spPr>
@@ -1439,11 +1480,11 @@
           </a:ln>
         </p:spPr>
         <p:txBody>
-          <a:bodyPr anchorCtr="0" anchor="t" bIns="45700" lIns="91425" spcFirstLastPara="1" rIns="91425" wrap="square" tIns="45700">
+          <a:bodyPr spcFirstLastPara="1" wrap="square" lIns="91425" tIns="45700" rIns="91425" bIns="45700" anchor="t" anchorCtr="0">
             <a:normAutofit/>
           </a:bodyPr>
           <a:lstStyle>
-            <a:lvl1pPr indent="-342900" lvl="0" marL="457200" algn="l">
+            <a:lvl1pPr marL="457200" lvl="0" indent="-342900" algn="l">
               <a:lnSpc>
                 <a:spcPct val="90000"/>
               </a:lnSpc>
@@ -1460,7 +1501,7 @@
               <a:buChar char="•"/>
               <a:defRPr/>
             </a:lvl1pPr>
-            <a:lvl2pPr indent="-342900" lvl="1" marL="914400" algn="l">
+            <a:lvl2pPr marL="914400" lvl="1" indent="-342900" algn="l">
               <a:lnSpc>
                 <a:spcPct val="90000"/>
               </a:lnSpc>
@@ -1477,7 +1518,7 @@
               <a:buChar char="•"/>
               <a:defRPr/>
             </a:lvl2pPr>
-            <a:lvl3pPr indent="-342900" lvl="2" marL="1371600" algn="l">
+            <a:lvl3pPr marL="1371600" lvl="2" indent="-342900" algn="l">
               <a:lnSpc>
                 <a:spcPct val="90000"/>
               </a:lnSpc>
@@ -1494,7 +1535,7 @@
               <a:buChar char="•"/>
               <a:defRPr/>
             </a:lvl3pPr>
-            <a:lvl4pPr indent="-342900" lvl="3" marL="1828800" algn="l">
+            <a:lvl4pPr marL="1828800" lvl="3" indent="-342900" algn="l">
               <a:lnSpc>
                 <a:spcPct val="90000"/>
               </a:lnSpc>
@@ -1511,7 +1552,7 @@
               <a:buChar char="•"/>
               <a:defRPr/>
             </a:lvl4pPr>
-            <a:lvl5pPr indent="-342900" lvl="4" marL="2286000" algn="l">
+            <a:lvl5pPr marL="2286000" lvl="4" indent="-342900" algn="l">
               <a:lnSpc>
                 <a:spcPct val="90000"/>
               </a:lnSpc>
@@ -1528,7 +1569,7 @@
               <a:buChar char="•"/>
               <a:defRPr/>
             </a:lvl5pPr>
-            <a:lvl6pPr indent="-342900" lvl="5" marL="2743200" algn="l">
+            <a:lvl6pPr marL="2743200" lvl="5" indent="-342900" algn="l">
               <a:lnSpc>
                 <a:spcPct val="90000"/>
               </a:lnSpc>
@@ -1545,7 +1586,7 @@
               <a:buChar char="•"/>
               <a:defRPr/>
             </a:lvl6pPr>
-            <a:lvl7pPr indent="-342900" lvl="6" marL="3200400" algn="l">
+            <a:lvl7pPr marL="3200400" lvl="6" indent="-342900" algn="l">
               <a:lnSpc>
                 <a:spcPct val="90000"/>
               </a:lnSpc>
@@ -1562,7 +1603,7 @@
               <a:buChar char="•"/>
               <a:defRPr/>
             </a:lvl7pPr>
-            <a:lvl8pPr indent="-342900" lvl="7" marL="3657600" algn="l">
+            <a:lvl8pPr marL="3657600" lvl="7" indent="-342900" algn="l">
               <a:lnSpc>
                 <a:spcPct val="90000"/>
               </a:lnSpc>
@@ -1579,7 +1620,7 @@
               <a:buChar char="•"/>
               <a:defRPr/>
             </a:lvl8pPr>
-            <a:lvl9pPr indent="-342900" lvl="8" marL="4114800" algn="l">
+            <a:lvl9pPr marL="4114800" lvl="8" indent="-342900" algn="l">
               <a:lnSpc>
                 <a:spcPct val="90000"/>
               </a:lnSpc>
@@ -1597,15 +1638,19 @@
               <a:defRPr/>
             </a:lvl9pPr>
           </a:lstStyle>
-          <a:p/>
+          <a:p>
+            <a:endParaRPr/>
+          </a:p>
         </p:txBody>
       </p:sp>
       <p:sp>
         <p:nvSpPr>
           <p:cNvPr id="71" name="Google Shape;71;p13"/>
-          <p:cNvSpPr txBox="1"/>
+          <p:cNvSpPr txBox="1">
+            <a:spLocks noGrp="1"/>
+          </p:cNvSpPr>
           <p:nvPr>
-            <p:ph idx="10" type="dt"/>
+            <p:ph type="dt" idx="10"/>
           </p:nvPr>
         </p:nvSpPr>
         <p:spPr>
@@ -1622,7 +1667,7 @@
           </a:ln>
         </p:spPr>
         <p:txBody>
-          <a:bodyPr anchorCtr="0" anchor="ctr" bIns="45700" lIns="91425" spcFirstLastPara="1" rIns="91425" wrap="square" tIns="45700">
+          <a:bodyPr spcFirstLastPara="1" wrap="square" lIns="91425" tIns="45700" rIns="91425" bIns="45700" anchor="ctr" anchorCtr="0">
             <a:noAutofit/>
           </a:bodyPr>
           <a:lstStyle>
@@ -1726,15 +1771,19 @@
               <a:defRPr/>
             </a:lvl9pPr>
           </a:lstStyle>
-          <a:p/>
+          <a:p>
+            <a:endParaRPr/>
+          </a:p>
         </p:txBody>
       </p:sp>
       <p:sp>
         <p:nvSpPr>
           <p:cNvPr id="72" name="Google Shape;72;p13"/>
-          <p:cNvSpPr txBox="1"/>
+          <p:cNvSpPr txBox="1">
+            <a:spLocks noGrp="1"/>
+          </p:cNvSpPr>
           <p:nvPr>
-            <p:ph idx="11" type="ftr"/>
+            <p:ph type="ftr" idx="11"/>
           </p:nvPr>
         </p:nvSpPr>
         <p:spPr>
@@ -1751,7 +1800,7 @@
           </a:ln>
         </p:spPr>
         <p:txBody>
-          <a:bodyPr anchorCtr="0" anchor="ctr" bIns="45700" lIns="91425" spcFirstLastPara="1" rIns="91425" wrap="square" tIns="45700">
+          <a:bodyPr spcFirstLastPara="1" wrap="square" lIns="91425" tIns="45700" rIns="91425" bIns="45700" anchor="ctr" anchorCtr="0">
             <a:noAutofit/>
           </a:bodyPr>
           <a:lstStyle>
@@ -1855,15 +1904,19 @@
               <a:defRPr/>
             </a:lvl9pPr>
           </a:lstStyle>
-          <a:p/>
+          <a:p>
+            <a:endParaRPr/>
+          </a:p>
         </p:txBody>
       </p:sp>
       <p:sp>
         <p:nvSpPr>
           <p:cNvPr id="73" name="Google Shape;73;p13"/>
-          <p:cNvSpPr txBox="1"/>
+          <p:cNvSpPr txBox="1">
+            <a:spLocks noGrp="1"/>
+          </p:cNvSpPr>
           <p:nvPr>
-            <p:ph idx="12" type="sldNum"/>
+            <p:ph type="sldNum" idx="12"/>
           </p:nvPr>
         </p:nvSpPr>
         <p:spPr>
@@ -1880,67 +1933,67 @@
           </a:ln>
         </p:spPr>
         <p:txBody>
-          <a:bodyPr anchorCtr="0" anchor="ctr" bIns="45700" lIns="91425" spcFirstLastPara="1" rIns="91425" wrap="square" tIns="45700">
+          <a:bodyPr spcFirstLastPara="1" wrap="square" lIns="91425" tIns="45700" rIns="91425" bIns="45700" anchor="ctr" anchorCtr="0">
             <a:noAutofit/>
           </a:bodyPr>
           <a:lstStyle>
-            <a:lvl1pPr indent="0" lvl="0" marL="0" algn="r">
+            <a:lvl1pPr marL="0" lvl="0" indent="0" algn="r">
               <a:spcBef>
                 <a:spcPts val="0"/>
               </a:spcBef>
               <a:buNone/>
               <a:defRPr/>
             </a:lvl1pPr>
-            <a:lvl2pPr indent="0" lvl="1" marL="0" algn="r">
+            <a:lvl2pPr marL="0" lvl="1" indent="0" algn="r">
               <a:spcBef>
                 <a:spcPts val="0"/>
               </a:spcBef>
               <a:buNone/>
               <a:defRPr/>
             </a:lvl2pPr>
-            <a:lvl3pPr indent="0" lvl="2" marL="0" algn="r">
+            <a:lvl3pPr marL="0" lvl="2" indent="0" algn="r">
               <a:spcBef>
                 <a:spcPts val="0"/>
               </a:spcBef>
               <a:buNone/>
               <a:defRPr/>
             </a:lvl3pPr>
-            <a:lvl4pPr indent="0" lvl="3" marL="0" algn="r">
+            <a:lvl4pPr marL="0" lvl="3" indent="0" algn="r">
               <a:spcBef>
                 <a:spcPts val="0"/>
               </a:spcBef>
               <a:buNone/>
               <a:defRPr/>
             </a:lvl4pPr>
-            <a:lvl5pPr indent="0" lvl="4" marL="0" algn="r">
+            <a:lvl5pPr marL="0" lvl="4" indent="0" algn="r">
               <a:spcBef>
                 <a:spcPts val="0"/>
               </a:spcBef>
               <a:buNone/>
               <a:defRPr/>
             </a:lvl5pPr>
-            <a:lvl6pPr indent="0" lvl="5" marL="0" algn="r">
+            <a:lvl6pPr marL="0" lvl="5" indent="0" algn="r">
               <a:spcBef>
                 <a:spcPts val="0"/>
               </a:spcBef>
               <a:buNone/>
               <a:defRPr/>
             </a:lvl6pPr>
-            <a:lvl7pPr indent="0" lvl="6" marL="0" algn="r">
+            <a:lvl7pPr marL="0" lvl="6" indent="0" algn="r">
               <a:spcBef>
                 <a:spcPts val="0"/>
               </a:spcBef>
               <a:buNone/>
               <a:defRPr/>
             </a:lvl7pPr>
-            <a:lvl8pPr indent="0" lvl="7" marL="0" algn="r">
+            <a:lvl8pPr marL="0" lvl="7" indent="0" algn="r">
               <a:spcBef>
                 <a:spcPts val="0"/>
               </a:spcBef>
               <a:buNone/>
               <a:defRPr/>
             </a:lvl8pPr>
-            <a:lvl9pPr indent="0" lvl="8" marL="0" algn="r">
+            <a:lvl9pPr marL="0" lvl="8" indent="0" algn="r">
               <a:spcBef>
                 <a:spcPts val="0"/>
               </a:spcBef>
@@ -1949,7 +2002,7 @@
             </a:lvl9pPr>
           </a:lstStyle>
           <a:p>
-            <a:pPr indent="0" lvl="0" marL="0" rtl="0" algn="r">
+            <a:pPr marL="0" lvl="0" indent="0" algn="r" rtl="0">
               <a:spcBef>
                 <a:spcPts val="0"/>
               </a:spcBef>
@@ -1975,11 +2028,11 @@
 </file>
 
 <file path=ppt/slideLayouts/slideLayout11.xml><?xml version="1.0" encoding="utf-8"?>
-<p:sldLayout xmlns:a="http://schemas.openxmlformats.org/drawingml/2006/main" xmlns:r="http://schemas.openxmlformats.org/officeDocument/2006/relationships" xmlns:mc="http://schemas.openxmlformats.org/markup-compatibility/2006" xmlns:mv="urn:schemas-microsoft-com:mac:vml" xmlns:p="http://schemas.openxmlformats.org/presentationml/2006/main" xmlns:c="http://schemas.openxmlformats.org/drawingml/2006/chart" xmlns:dgm="http://schemas.openxmlformats.org/drawingml/2006/diagram" xmlns:o="urn:schemas-microsoft-com:office:office" xmlns:v="urn:schemas-microsoft-com:vml" xmlns:pvml="urn:schemas-microsoft-com:office:powerpoint" xmlns:com="http://schemas.openxmlformats.org/drawingml/2006/compatibility" xmlns:p14="http://schemas.microsoft.com/office/powerpoint/2010/main" xmlns:p15="http://schemas.microsoft.com/office/powerpoint/2012/main" xmlns:ahyp="http://schemas.microsoft.com/office/drawing/2018/hyperlinkcolor" matchingName="Vertical Title and Text" type="vertTitleAndTx">
+<p:sldLayout xmlns:a="http://schemas.openxmlformats.org/drawingml/2006/main" xmlns:r="http://schemas.openxmlformats.org/officeDocument/2006/relationships" xmlns:p="http://schemas.openxmlformats.org/presentationml/2006/main" matchingName="Vertical Title and Text" type="vertTitleAndTx">
   <p:cSld name="VERTICAL_TITLE_AND_VERTICAL_TEXT">
     <p:spTree>
       <p:nvGrpSpPr>
-        <p:cNvPr id="74" name="Shape 74"/>
+        <p:cNvPr id="1" name="Shape 74"/>
         <p:cNvGrpSpPr/>
         <p:nvPr/>
       </p:nvGrpSpPr>
@@ -1994,7 +2047,9 @@
       <p:sp>
         <p:nvSpPr>
           <p:cNvPr id="75" name="Google Shape;75;p14"/>
-          <p:cNvSpPr txBox="1"/>
+          <p:cNvSpPr txBox="1">
+            <a:spLocks noGrp="1"/>
+          </p:cNvSpPr>
           <p:nvPr>
             <p:ph type="title"/>
           </p:nvPr>
@@ -2013,7 +2068,7 @@
           </a:ln>
         </p:spPr>
         <p:txBody>
-          <a:bodyPr anchorCtr="0" anchor="ctr" bIns="45700" lIns="91425" spcFirstLastPara="1" rIns="91425" wrap="square" tIns="45700">
+          <a:bodyPr spcFirstLastPara="1" wrap="square" lIns="91425" tIns="45700" rIns="91425" bIns="45700" anchor="ctr" anchorCtr="0">
             <a:normAutofit/>
           </a:bodyPr>
           <a:lstStyle>
@@ -2123,15 +2178,19 @@
               <a:defRPr/>
             </a:lvl9pPr>
           </a:lstStyle>
-          <a:p/>
+          <a:p>
+            <a:endParaRPr/>
+          </a:p>
         </p:txBody>
       </p:sp>
       <p:sp>
         <p:nvSpPr>
           <p:cNvPr id="76" name="Google Shape;76;p14"/>
-          <p:cNvSpPr txBox="1"/>
+          <p:cNvSpPr txBox="1">
+            <a:spLocks noGrp="1"/>
+          </p:cNvSpPr>
           <p:nvPr>
-            <p:ph idx="1" type="body"/>
+            <p:ph type="body" idx="1"/>
           </p:nvPr>
         </p:nvSpPr>
         <p:spPr>
@@ -2148,11 +2207,11 @@
           </a:ln>
         </p:spPr>
         <p:txBody>
-          <a:bodyPr anchorCtr="0" anchor="t" bIns="45700" lIns="91425" spcFirstLastPara="1" rIns="91425" wrap="square" tIns="45700">
+          <a:bodyPr spcFirstLastPara="1" wrap="square" lIns="91425" tIns="45700" rIns="91425" bIns="45700" anchor="t" anchorCtr="0">
             <a:normAutofit/>
           </a:bodyPr>
           <a:lstStyle>
-            <a:lvl1pPr indent="-342900" lvl="0" marL="457200" algn="l">
+            <a:lvl1pPr marL="457200" lvl="0" indent="-342900" algn="l">
               <a:lnSpc>
                 <a:spcPct val="90000"/>
               </a:lnSpc>
@@ -2169,7 +2228,7 @@
               <a:buChar char="•"/>
               <a:defRPr/>
             </a:lvl1pPr>
-            <a:lvl2pPr indent="-342900" lvl="1" marL="914400" algn="l">
+            <a:lvl2pPr marL="914400" lvl="1" indent="-342900" algn="l">
               <a:lnSpc>
                 <a:spcPct val="90000"/>
               </a:lnSpc>
@@ -2186,7 +2245,7 @@
               <a:buChar char="•"/>
               <a:defRPr/>
             </a:lvl2pPr>
-            <a:lvl3pPr indent="-342900" lvl="2" marL="1371600" algn="l">
+            <a:lvl3pPr marL="1371600" lvl="2" indent="-342900" algn="l">
               <a:lnSpc>
                 <a:spcPct val="90000"/>
               </a:lnSpc>
@@ -2203,7 +2262,7 @@
               <a:buChar char="•"/>
               <a:defRPr/>
             </a:lvl3pPr>
-            <a:lvl4pPr indent="-342900" lvl="3" marL="1828800" algn="l">
+            <a:lvl4pPr marL="1828800" lvl="3" indent="-342900" algn="l">
               <a:lnSpc>
                 <a:spcPct val="90000"/>
               </a:lnSpc>
@@ -2220,7 +2279,7 @@
               <a:buChar char="•"/>
               <a:defRPr/>
             </a:lvl4pPr>
-            <a:lvl5pPr indent="-342900" lvl="4" marL="2286000" algn="l">
+            <a:lvl5pPr marL="2286000" lvl="4" indent="-342900" algn="l">
               <a:lnSpc>
                 <a:spcPct val="90000"/>
               </a:lnSpc>
@@ -2237,7 +2296,7 @@
               <a:buChar char="•"/>
               <a:defRPr/>
             </a:lvl5pPr>
-            <a:lvl6pPr indent="-342900" lvl="5" marL="2743200" algn="l">
+            <a:lvl6pPr marL="2743200" lvl="5" indent="-342900" algn="l">
               <a:lnSpc>
                 <a:spcPct val="90000"/>
               </a:lnSpc>
@@ -2254,7 +2313,7 @@
               <a:buChar char="•"/>
               <a:defRPr/>
             </a:lvl6pPr>
-            <a:lvl7pPr indent="-342900" lvl="6" marL="3200400" algn="l">
+            <a:lvl7pPr marL="3200400" lvl="6" indent="-342900" algn="l">
               <a:lnSpc>
                 <a:spcPct val="90000"/>
               </a:lnSpc>
@@ -2271,7 +2330,7 @@
               <a:buChar char="•"/>
               <a:defRPr/>
             </a:lvl7pPr>
-            <a:lvl8pPr indent="-342900" lvl="7" marL="3657600" algn="l">
+            <a:lvl8pPr marL="3657600" lvl="7" indent="-342900" algn="l">
               <a:lnSpc>
                 <a:spcPct val="90000"/>
               </a:lnSpc>
@@ -2288,7 +2347,7 @@
               <a:buChar char="•"/>
               <a:defRPr/>
             </a:lvl8pPr>
-            <a:lvl9pPr indent="-342900" lvl="8" marL="4114800" algn="l">
+            <a:lvl9pPr marL="4114800" lvl="8" indent="-342900" algn="l">
               <a:lnSpc>
                 <a:spcPct val="90000"/>
               </a:lnSpc>
@@ -2306,15 +2365,19 @@
               <a:defRPr/>
             </a:lvl9pPr>
           </a:lstStyle>
-          <a:p/>
+          <a:p>
+            <a:endParaRPr/>
+          </a:p>
         </p:txBody>
       </p:sp>
       <p:sp>
         <p:nvSpPr>
           <p:cNvPr id="77" name="Google Shape;77;p14"/>
-          <p:cNvSpPr txBox="1"/>
+          <p:cNvSpPr txBox="1">
+            <a:spLocks noGrp="1"/>
+          </p:cNvSpPr>
           <p:nvPr>
-            <p:ph idx="10" type="dt"/>
+            <p:ph type="dt" idx="10"/>
           </p:nvPr>
         </p:nvSpPr>
         <p:spPr>
@@ -2331,7 +2394,7 @@
           </a:ln>
         </p:spPr>
         <p:txBody>
-          <a:bodyPr anchorCtr="0" anchor="ctr" bIns="45700" lIns="91425" spcFirstLastPara="1" rIns="91425" wrap="square" tIns="45700">
+          <a:bodyPr spcFirstLastPara="1" wrap="square" lIns="91425" tIns="45700" rIns="91425" bIns="45700" anchor="ctr" anchorCtr="0">
             <a:noAutofit/>
           </a:bodyPr>
           <a:lstStyle>
@@ -2435,15 +2498,19 @@
               <a:defRPr/>
             </a:lvl9pPr>
           </a:lstStyle>
-          <a:p/>
+          <a:p>
+            <a:endParaRPr/>
+          </a:p>
         </p:txBody>
       </p:sp>
       <p:sp>
         <p:nvSpPr>
           <p:cNvPr id="78" name="Google Shape;78;p14"/>
-          <p:cNvSpPr txBox="1"/>
+          <p:cNvSpPr txBox="1">
+            <a:spLocks noGrp="1"/>
+          </p:cNvSpPr>
           <p:nvPr>
-            <p:ph idx="11" type="ftr"/>
+            <p:ph type="ftr" idx="11"/>
           </p:nvPr>
         </p:nvSpPr>
         <p:spPr>
@@ -2460,7 +2527,7 @@
           </a:ln>
         </p:spPr>
         <p:txBody>
-          <a:bodyPr anchorCtr="0" anchor="ctr" bIns="45700" lIns="91425" spcFirstLastPara="1" rIns="91425" wrap="square" tIns="45700">
+          <a:bodyPr spcFirstLastPara="1" wrap="square" lIns="91425" tIns="45700" rIns="91425" bIns="45700" anchor="ctr" anchorCtr="0">
             <a:noAutofit/>
           </a:bodyPr>
           <a:lstStyle>
@@ -2564,15 +2631,19 @@
               <a:defRPr/>
             </a:lvl9pPr>
           </a:lstStyle>
-          <a:p/>
+          <a:p>
+            <a:endParaRPr/>
+          </a:p>
         </p:txBody>
       </p:sp>
       <p:sp>
         <p:nvSpPr>
           <p:cNvPr id="79" name="Google Shape;79;p14"/>
-          <p:cNvSpPr txBox="1"/>
+          <p:cNvSpPr txBox="1">
+            <a:spLocks noGrp="1"/>
+          </p:cNvSpPr>
           <p:nvPr>
-            <p:ph idx="12" type="sldNum"/>
+            <p:ph type="sldNum" idx="12"/>
           </p:nvPr>
         </p:nvSpPr>
         <p:spPr>
@@ -2589,67 +2660,67 @@
           </a:ln>
         </p:spPr>
         <p:txBody>
-          <a:bodyPr anchorCtr="0" anchor="ctr" bIns="45700" lIns="91425" spcFirstLastPara="1" rIns="91425" wrap="square" tIns="45700">
+          <a:bodyPr spcFirstLastPara="1" wrap="square" lIns="91425" tIns="45700" rIns="91425" bIns="45700" anchor="ctr" anchorCtr="0">
             <a:noAutofit/>
           </a:bodyPr>
           <a:lstStyle>
-            <a:lvl1pPr indent="0" lvl="0" marL="0" algn="r">
+            <a:lvl1pPr marL="0" lvl="0" indent="0" algn="r">
               <a:spcBef>
                 <a:spcPts val="0"/>
               </a:spcBef>
               <a:buNone/>
               <a:defRPr/>
             </a:lvl1pPr>
-            <a:lvl2pPr indent="0" lvl="1" marL="0" algn="r">
+            <a:lvl2pPr marL="0" lvl="1" indent="0" algn="r">
               <a:spcBef>
                 <a:spcPts val="0"/>
               </a:spcBef>
               <a:buNone/>
               <a:defRPr/>
             </a:lvl2pPr>
-            <a:lvl3pPr indent="0" lvl="2" marL="0" algn="r">
+            <a:lvl3pPr marL="0" lvl="2" indent="0" algn="r">
               <a:spcBef>
                 <a:spcPts val="0"/>
               </a:spcBef>
               <a:buNone/>
               <a:defRPr/>
             </a:lvl3pPr>
-            <a:lvl4pPr indent="0" lvl="3" marL="0" algn="r">
+            <a:lvl4pPr marL="0" lvl="3" indent="0" algn="r">
               <a:spcBef>
                 <a:spcPts val="0"/>
               </a:spcBef>
               <a:buNone/>
               <a:defRPr/>
             </a:lvl4pPr>
-            <a:lvl5pPr indent="0" lvl="4" marL="0" algn="r">
+            <a:lvl5pPr marL="0" lvl="4" indent="0" algn="r">
               <a:spcBef>
                 <a:spcPts val="0"/>
               </a:spcBef>
               <a:buNone/>
               <a:defRPr/>
             </a:lvl5pPr>
-            <a:lvl6pPr indent="0" lvl="5" marL="0" algn="r">
+            <a:lvl6pPr marL="0" lvl="5" indent="0" algn="r">
               <a:spcBef>
                 <a:spcPts val="0"/>
               </a:spcBef>
               <a:buNone/>
               <a:defRPr/>
             </a:lvl6pPr>
-            <a:lvl7pPr indent="0" lvl="6" marL="0" algn="r">
+            <a:lvl7pPr marL="0" lvl="6" indent="0" algn="r">
               <a:spcBef>
                 <a:spcPts val="0"/>
               </a:spcBef>
               <a:buNone/>
               <a:defRPr/>
             </a:lvl7pPr>
-            <a:lvl8pPr indent="0" lvl="7" marL="0" algn="r">
+            <a:lvl8pPr marL="0" lvl="7" indent="0" algn="r">
               <a:spcBef>
                 <a:spcPts val="0"/>
               </a:spcBef>
               <a:buNone/>
               <a:defRPr/>
             </a:lvl8pPr>
-            <a:lvl9pPr indent="0" lvl="8" marL="0" algn="r">
+            <a:lvl9pPr marL="0" lvl="8" indent="0" algn="r">
               <a:spcBef>
                 <a:spcPts val="0"/>
               </a:spcBef>
@@ -2658,7 +2729,7 @@
             </a:lvl9pPr>
           </a:lstStyle>
           <a:p>
-            <a:pPr indent="0" lvl="0" marL="0" rtl="0" algn="r">
+            <a:pPr marL="0" lvl="0" indent="0" algn="r" rtl="0">
               <a:spcBef>
                 <a:spcPts val="0"/>
               </a:spcBef>
@@ -2684,11 +2755,11 @@
 </file>
 
 <file path=ppt/slideLayouts/slideLayout2.xml><?xml version="1.0" encoding="utf-8"?>
-<p:sldLayout xmlns:a="http://schemas.openxmlformats.org/drawingml/2006/main" xmlns:r="http://schemas.openxmlformats.org/officeDocument/2006/relationships" xmlns:mc="http://schemas.openxmlformats.org/markup-compatibility/2006" xmlns:mv="urn:schemas-microsoft-com:mac:vml" xmlns:p="http://schemas.openxmlformats.org/presentationml/2006/main" xmlns:c="http://schemas.openxmlformats.org/drawingml/2006/chart" xmlns:dgm="http://schemas.openxmlformats.org/drawingml/2006/diagram" xmlns:o="urn:schemas-microsoft-com:office:office" xmlns:v="urn:schemas-microsoft-com:vml" xmlns:pvml="urn:schemas-microsoft-com:office:powerpoint" xmlns:com="http://schemas.openxmlformats.org/drawingml/2006/compatibility" xmlns:p14="http://schemas.microsoft.com/office/powerpoint/2010/main" xmlns:p15="http://schemas.microsoft.com/office/powerpoint/2012/main" xmlns:ahyp="http://schemas.microsoft.com/office/drawing/2018/hyperlinkcolor" matchingName="Title Slide" type="title">
+<p:sldLayout xmlns:a="http://schemas.openxmlformats.org/drawingml/2006/main" xmlns:r="http://schemas.openxmlformats.org/officeDocument/2006/relationships" xmlns:p="http://schemas.openxmlformats.org/presentationml/2006/main" matchingName="Title Slide" type="title">
   <p:cSld name="TITLE">
     <p:spTree>
       <p:nvGrpSpPr>
-        <p:cNvPr id="15" name="Shape 15"/>
+        <p:cNvPr id="1" name="Shape 15"/>
         <p:cNvGrpSpPr/>
         <p:nvPr/>
       </p:nvGrpSpPr>
@@ -2703,7 +2774,9 @@
       <p:sp>
         <p:nvSpPr>
           <p:cNvPr id="16" name="Google Shape;16;p5"/>
-          <p:cNvSpPr txBox="1"/>
+          <p:cNvSpPr txBox="1">
+            <a:spLocks noGrp="1"/>
+          </p:cNvSpPr>
           <p:nvPr>
             <p:ph type="ctrTitle"/>
           </p:nvPr>
@@ -2722,7 +2795,7 @@
           </a:ln>
         </p:spPr>
         <p:txBody>
-          <a:bodyPr anchorCtr="0" anchor="b" bIns="45700" lIns="91425" spcFirstLastPara="1" rIns="91425" wrap="square" tIns="45700">
+          <a:bodyPr spcFirstLastPara="1" wrap="square" lIns="91425" tIns="45700" rIns="91425" bIns="45700" anchor="b" anchorCtr="0">
             <a:normAutofit/>
           </a:bodyPr>
           <a:lstStyle>
@@ -2833,15 +2906,19 @@
               <a:defRPr/>
             </a:lvl9pPr>
           </a:lstStyle>
-          <a:p/>
+          <a:p>
+            <a:endParaRPr/>
+          </a:p>
         </p:txBody>
       </p:sp>
       <p:sp>
         <p:nvSpPr>
           <p:cNvPr id="17" name="Google Shape;17;p5"/>
-          <p:cNvSpPr txBox="1"/>
+          <p:cNvSpPr txBox="1">
+            <a:spLocks noGrp="1"/>
+          </p:cNvSpPr>
           <p:nvPr>
-            <p:ph idx="1" type="subTitle"/>
+            <p:ph type="subTitle" idx="1"/>
           </p:nvPr>
         </p:nvSpPr>
         <p:spPr>
@@ -2858,7 +2935,7 @@
           </a:ln>
         </p:spPr>
         <p:txBody>
-          <a:bodyPr anchorCtr="0" anchor="t" bIns="45700" lIns="91425" spcFirstLastPara="1" rIns="91425" wrap="square" tIns="45700">
+          <a:bodyPr spcFirstLastPara="1" wrap="square" lIns="91425" tIns="45700" rIns="91425" bIns="45700" anchor="t" anchorCtr="0">
             <a:normAutofit/>
           </a:bodyPr>
           <a:lstStyle>
@@ -3016,15 +3093,19 @@
               <a:defRPr sz="1600"/>
             </a:lvl9pPr>
           </a:lstStyle>
-          <a:p/>
+          <a:p>
+            <a:endParaRPr/>
+          </a:p>
         </p:txBody>
       </p:sp>
       <p:sp>
         <p:nvSpPr>
           <p:cNvPr id="18" name="Google Shape;18;p5"/>
-          <p:cNvSpPr txBox="1"/>
+          <p:cNvSpPr txBox="1">
+            <a:spLocks noGrp="1"/>
+          </p:cNvSpPr>
           <p:nvPr>
-            <p:ph idx="10" type="dt"/>
+            <p:ph type="dt" idx="10"/>
           </p:nvPr>
         </p:nvSpPr>
         <p:spPr>
@@ -3041,7 +3122,7 @@
           </a:ln>
         </p:spPr>
         <p:txBody>
-          <a:bodyPr anchorCtr="0" anchor="ctr" bIns="45700" lIns="91425" spcFirstLastPara="1" rIns="91425" wrap="square" tIns="45700">
+          <a:bodyPr spcFirstLastPara="1" wrap="square" lIns="91425" tIns="45700" rIns="91425" bIns="45700" anchor="ctr" anchorCtr="0">
             <a:noAutofit/>
           </a:bodyPr>
           <a:lstStyle>
@@ -3145,15 +3226,19 @@
               <a:defRPr/>
             </a:lvl9pPr>
           </a:lstStyle>
-          <a:p/>
+          <a:p>
+            <a:endParaRPr/>
+          </a:p>
         </p:txBody>
       </p:sp>
       <p:sp>
         <p:nvSpPr>
           <p:cNvPr id="19" name="Google Shape;19;p5"/>
-          <p:cNvSpPr txBox="1"/>
+          <p:cNvSpPr txBox="1">
+            <a:spLocks noGrp="1"/>
+          </p:cNvSpPr>
           <p:nvPr>
-            <p:ph idx="11" type="ftr"/>
+            <p:ph type="ftr" idx="11"/>
           </p:nvPr>
         </p:nvSpPr>
         <p:spPr>
@@ -3170,7 +3255,7 @@
           </a:ln>
         </p:spPr>
         <p:txBody>
-          <a:bodyPr anchorCtr="0" anchor="ctr" bIns="45700" lIns="91425" spcFirstLastPara="1" rIns="91425" wrap="square" tIns="45700">
+          <a:bodyPr spcFirstLastPara="1" wrap="square" lIns="91425" tIns="45700" rIns="91425" bIns="45700" anchor="ctr" anchorCtr="0">
             <a:noAutofit/>
           </a:bodyPr>
           <a:lstStyle>
@@ -3274,15 +3359,19 @@
               <a:defRPr/>
             </a:lvl9pPr>
           </a:lstStyle>
-          <a:p/>
+          <a:p>
+            <a:endParaRPr/>
+          </a:p>
         </p:txBody>
       </p:sp>
       <p:sp>
         <p:nvSpPr>
           <p:cNvPr id="20" name="Google Shape;20;p5"/>
-          <p:cNvSpPr txBox="1"/>
+          <p:cNvSpPr txBox="1">
+            <a:spLocks noGrp="1"/>
+          </p:cNvSpPr>
           <p:nvPr>
-            <p:ph idx="12" type="sldNum"/>
+            <p:ph type="sldNum" idx="12"/>
           </p:nvPr>
         </p:nvSpPr>
         <p:spPr>
@@ -3299,67 +3388,67 @@
           </a:ln>
         </p:spPr>
         <p:txBody>
-          <a:bodyPr anchorCtr="0" anchor="ctr" bIns="45700" lIns="91425" spcFirstLastPara="1" rIns="91425" wrap="square" tIns="45700">
+          <a:bodyPr spcFirstLastPara="1" wrap="square" lIns="91425" tIns="45700" rIns="91425" bIns="45700" anchor="ctr" anchorCtr="0">
             <a:noAutofit/>
           </a:bodyPr>
           <a:lstStyle>
-            <a:lvl1pPr indent="0" lvl="0" marL="0" algn="r">
+            <a:lvl1pPr marL="0" lvl="0" indent="0" algn="r">
               <a:spcBef>
                 <a:spcPts val="0"/>
               </a:spcBef>
               <a:buNone/>
               <a:defRPr/>
             </a:lvl1pPr>
-            <a:lvl2pPr indent="0" lvl="1" marL="0" algn="r">
+            <a:lvl2pPr marL="0" lvl="1" indent="0" algn="r">
               <a:spcBef>
                 <a:spcPts val="0"/>
               </a:spcBef>
               <a:buNone/>
               <a:defRPr/>
             </a:lvl2pPr>
-            <a:lvl3pPr indent="0" lvl="2" marL="0" algn="r">
+            <a:lvl3pPr marL="0" lvl="2" indent="0" algn="r">
               <a:spcBef>
                 <a:spcPts val="0"/>
               </a:spcBef>
               <a:buNone/>
               <a:defRPr/>
             </a:lvl3pPr>
-            <a:lvl4pPr indent="0" lvl="3" marL="0" algn="r">
+            <a:lvl4pPr marL="0" lvl="3" indent="0" algn="r">
               <a:spcBef>
                 <a:spcPts val="0"/>
               </a:spcBef>
               <a:buNone/>
               <a:defRPr/>
             </a:lvl4pPr>
-            <a:lvl5pPr indent="0" lvl="4" marL="0" algn="r">
+            <a:lvl5pPr marL="0" lvl="4" indent="0" algn="r">
               <a:spcBef>
                 <a:spcPts val="0"/>
               </a:spcBef>
               <a:buNone/>
               <a:defRPr/>
             </a:lvl5pPr>
-            <a:lvl6pPr indent="0" lvl="5" marL="0" algn="r">
+            <a:lvl6pPr marL="0" lvl="5" indent="0" algn="r">
               <a:spcBef>
                 <a:spcPts val="0"/>
               </a:spcBef>
               <a:buNone/>
               <a:defRPr/>
             </a:lvl6pPr>
-            <a:lvl7pPr indent="0" lvl="6" marL="0" algn="r">
+            <a:lvl7pPr marL="0" lvl="6" indent="0" algn="r">
               <a:spcBef>
                 <a:spcPts val="0"/>
               </a:spcBef>
               <a:buNone/>
               <a:defRPr/>
             </a:lvl7pPr>
-            <a:lvl8pPr indent="0" lvl="7" marL="0" algn="r">
+            <a:lvl8pPr marL="0" lvl="7" indent="0" algn="r">
               <a:spcBef>
                 <a:spcPts val="0"/>
               </a:spcBef>
               <a:buNone/>
               <a:defRPr/>
             </a:lvl8pPr>
-            <a:lvl9pPr indent="0" lvl="8" marL="0" algn="r">
+            <a:lvl9pPr marL="0" lvl="8" indent="0" algn="r">
               <a:spcBef>
                 <a:spcPts val="0"/>
               </a:spcBef>
@@ -3368,7 +3457,7 @@
             </a:lvl9pPr>
           </a:lstStyle>
           <a:p>
-            <a:pPr indent="0" lvl="0" marL="0" rtl="0" algn="r">
+            <a:pPr marL="0" lvl="0" indent="0" algn="r" rtl="0">
               <a:spcBef>
                 <a:spcPts val="0"/>
               </a:spcBef>
@@ -3394,11 +3483,11 @@
 </file>
 
 <file path=ppt/slideLayouts/slideLayout3.xml><?xml version="1.0" encoding="utf-8"?>
-<p:sldLayout xmlns:a="http://schemas.openxmlformats.org/drawingml/2006/main" xmlns:r="http://schemas.openxmlformats.org/officeDocument/2006/relationships" xmlns:mc="http://schemas.openxmlformats.org/markup-compatibility/2006" xmlns:mv="urn:schemas-microsoft-com:mac:vml" xmlns:p="http://schemas.openxmlformats.org/presentationml/2006/main" xmlns:c="http://schemas.openxmlformats.org/drawingml/2006/chart" xmlns:dgm="http://schemas.openxmlformats.org/drawingml/2006/diagram" xmlns:o="urn:schemas-microsoft-com:office:office" xmlns:v="urn:schemas-microsoft-com:vml" xmlns:pvml="urn:schemas-microsoft-com:office:powerpoint" xmlns:com="http://schemas.openxmlformats.org/drawingml/2006/compatibility" xmlns:p14="http://schemas.microsoft.com/office/powerpoint/2010/main" xmlns:p15="http://schemas.microsoft.com/office/powerpoint/2012/main" xmlns:ahyp="http://schemas.microsoft.com/office/drawing/2018/hyperlinkcolor" matchingName="Title and Content" type="obj">
+<p:sldLayout xmlns:a="http://schemas.openxmlformats.org/drawingml/2006/main" xmlns:r="http://schemas.openxmlformats.org/officeDocument/2006/relationships" xmlns:p="http://schemas.openxmlformats.org/presentationml/2006/main" matchingName="Title and Content" type="obj">
   <p:cSld name="OBJECT">
     <p:spTree>
       <p:nvGrpSpPr>
-        <p:cNvPr id="21" name="Shape 21"/>
+        <p:cNvPr id="1" name="Shape 21"/>
         <p:cNvGrpSpPr/>
         <p:nvPr/>
       </p:nvGrpSpPr>
@@ -3413,7 +3502,9 @@
       <p:sp>
         <p:nvSpPr>
           <p:cNvPr id="22" name="Google Shape;22;p6"/>
-          <p:cNvSpPr txBox="1"/>
+          <p:cNvSpPr txBox="1">
+            <a:spLocks noGrp="1"/>
+          </p:cNvSpPr>
           <p:nvPr>
             <p:ph type="title"/>
           </p:nvPr>
@@ -3432,7 +3523,7 @@
           </a:ln>
         </p:spPr>
         <p:txBody>
-          <a:bodyPr anchorCtr="0" anchor="ctr" bIns="45700" lIns="91425" spcFirstLastPara="1" rIns="91425" wrap="square" tIns="45700">
+          <a:bodyPr spcFirstLastPara="1" wrap="square" lIns="91425" tIns="45700" rIns="91425" bIns="45700" anchor="ctr" anchorCtr="0">
             <a:normAutofit/>
           </a:bodyPr>
           <a:lstStyle>
@@ -3542,15 +3633,19 @@
               <a:defRPr/>
             </a:lvl9pPr>
           </a:lstStyle>
-          <a:p/>
+          <a:p>
+            <a:endParaRPr/>
+          </a:p>
         </p:txBody>
       </p:sp>
       <p:sp>
         <p:nvSpPr>
           <p:cNvPr id="23" name="Google Shape;23;p6"/>
-          <p:cNvSpPr txBox="1"/>
+          <p:cNvSpPr txBox="1">
+            <a:spLocks noGrp="1"/>
+          </p:cNvSpPr>
           <p:nvPr>
-            <p:ph idx="1" type="body"/>
+            <p:ph type="body" idx="1"/>
           </p:nvPr>
         </p:nvSpPr>
         <p:spPr>
@@ -3567,11 +3662,11 @@
           </a:ln>
         </p:spPr>
         <p:txBody>
-          <a:bodyPr anchorCtr="0" anchor="t" bIns="45700" lIns="91425" spcFirstLastPara="1" rIns="91425" wrap="square" tIns="45700">
+          <a:bodyPr spcFirstLastPara="1" wrap="square" lIns="91425" tIns="45700" rIns="91425" bIns="45700" anchor="t" anchorCtr="0">
             <a:normAutofit/>
           </a:bodyPr>
           <a:lstStyle>
-            <a:lvl1pPr indent="-342900" lvl="0" marL="457200" algn="l">
+            <a:lvl1pPr marL="457200" lvl="0" indent="-342900" algn="l">
               <a:lnSpc>
                 <a:spcPct val="90000"/>
               </a:lnSpc>
@@ -3588,7 +3683,7 @@
               <a:buChar char="•"/>
               <a:defRPr/>
             </a:lvl1pPr>
-            <a:lvl2pPr indent="-342900" lvl="1" marL="914400" algn="l">
+            <a:lvl2pPr marL="914400" lvl="1" indent="-342900" algn="l">
               <a:lnSpc>
                 <a:spcPct val="90000"/>
               </a:lnSpc>
@@ -3605,7 +3700,7 @@
               <a:buChar char="•"/>
               <a:defRPr/>
             </a:lvl2pPr>
-            <a:lvl3pPr indent="-342900" lvl="2" marL="1371600" algn="l">
+            <a:lvl3pPr marL="1371600" lvl="2" indent="-342900" algn="l">
               <a:lnSpc>
                 <a:spcPct val="90000"/>
               </a:lnSpc>
@@ -3622,7 +3717,7 @@
               <a:buChar char="•"/>
               <a:defRPr/>
             </a:lvl3pPr>
-            <a:lvl4pPr indent="-342900" lvl="3" marL="1828800" algn="l">
+            <a:lvl4pPr marL="1828800" lvl="3" indent="-342900" algn="l">
               <a:lnSpc>
                 <a:spcPct val="90000"/>
               </a:lnSpc>
@@ -3639,7 +3734,7 @@
               <a:buChar char="•"/>
               <a:defRPr/>
             </a:lvl4pPr>
-            <a:lvl5pPr indent="-342900" lvl="4" marL="2286000" algn="l">
+            <a:lvl5pPr marL="2286000" lvl="4" indent="-342900" algn="l">
               <a:lnSpc>
                 <a:spcPct val="90000"/>
               </a:lnSpc>
@@ -3656,7 +3751,7 @@
               <a:buChar char="•"/>
               <a:defRPr/>
             </a:lvl5pPr>
-            <a:lvl6pPr indent="-342900" lvl="5" marL="2743200" algn="l">
+            <a:lvl6pPr marL="2743200" lvl="5" indent="-342900" algn="l">
               <a:lnSpc>
                 <a:spcPct val="90000"/>
               </a:lnSpc>
@@ -3673,7 +3768,7 @@
               <a:buChar char="•"/>
               <a:defRPr/>
             </a:lvl6pPr>
-            <a:lvl7pPr indent="-342900" lvl="6" marL="3200400" algn="l">
+            <a:lvl7pPr marL="3200400" lvl="6" indent="-342900" algn="l">
               <a:lnSpc>
                 <a:spcPct val="90000"/>
               </a:lnSpc>
@@ -3690,7 +3785,7 @@
               <a:buChar char="•"/>
               <a:defRPr/>
             </a:lvl7pPr>
-            <a:lvl8pPr indent="-342900" lvl="7" marL="3657600" algn="l">
+            <a:lvl8pPr marL="3657600" lvl="7" indent="-342900" algn="l">
               <a:lnSpc>
                 <a:spcPct val="90000"/>
               </a:lnSpc>
@@ -3707,7 +3802,7 @@
               <a:buChar char="•"/>
               <a:defRPr/>
             </a:lvl8pPr>
-            <a:lvl9pPr indent="-342900" lvl="8" marL="4114800" algn="l">
+            <a:lvl9pPr marL="4114800" lvl="8" indent="-342900" algn="l">
               <a:lnSpc>
                 <a:spcPct val="90000"/>
               </a:lnSpc>
@@ -3725,15 +3820,19 @@
               <a:defRPr/>
             </a:lvl9pPr>
           </a:lstStyle>
-          <a:p/>
+          <a:p>
+            <a:endParaRPr/>
+          </a:p>
         </p:txBody>
       </p:sp>
       <p:sp>
         <p:nvSpPr>
           <p:cNvPr id="24" name="Google Shape;24;p6"/>
-          <p:cNvSpPr txBox="1"/>
+          <p:cNvSpPr txBox="1">
+            <a:spLocks noGrp="1"/>
+          </p:cNvSpPr>
           <p:nvPr>
-            <p:ph idx="10" type="dt"/>
+            <p:ph type="dt" idx="10"/>
           </p:nvPr>
         </p:nvSpPr>
         <p:spPr>
@@ -3750,7 +3849,7 @@
           </a:ln>
         </p:spPr>
         <p:txBody>
-          <a:bodyPr anchorCtr="0" anchor="ctr" bIns="45700" lIns="91425" spcFirstLastPara="1" rIns="91425" wrap="square" tIns="45700">
+          <a:bodyPr spcFirstLastPara="1" wrap="square" lIns="91425" tIns="45700" rIns="91425" bIns="45700" anchor="ctr" anchorCtr="0">
             <a:noAutofit/>
           </a:bodyPr>
           <a:lstStyle>
@@ -3854,15 +3953,19 @@
               <a:defRPr/>
             </a:lvl9pPr>
           </a:lstStyle>
-          <a:p/>
+          <a:p>
+            <a:endParaRPr/>
+          </a:p>
         </p:txBody>
       </p:sp>
       <p:sp>
         <p:nvSpPr>
           <p:cNvPr id="25" name="Google Shape;25;p6"/>
-          <p:cNvSpPr txBox="1"/>
+          <p:cNvSpPr txBox="1">
+            <a:spLocks noGrp="1"/>
+          </p:cNvSpPr>
           <p:nvPr>
-            <p:ph idx="11" type="ftr"/>
+            <p:ph type="ftr" idx="11"/>
           </p:nvPr>
         </p:nvSpPr>
         <p:spPr>
@@ -3879,7 +3982,7 @@
           </a:ln>
         </p:spPr>
         <p:txBody>
-          <a:bodyPr anchorCtr="0" anchor="ctr" bIns="45700" lIns="91425" spcFirstLastPara="1" rIns="91425" wrap="square" tIns="45700">
+          <a:bodyPr spcFirstLastPara="1" wrap="square" lIns="91425" tIns="45700" rIns="91425" bIns="45700" anchor="ctr" anchorCtr="0">
             <a:noAutofit/>
           </a:bodyPr>
           <a:lstStyle>
@@ -3983,15 +4086,19 @@
               <a:defRPr/>
             </a:lvl9pPr>
           </a:lstStyle>
-          <a:p/>
+          <a:p>
+            <a:endParaRPr/>
+          </a:p>
         </p:txBody>
       </p:sp>
       <p:sp>
         <p:nvSpPr>
           <p:cNvPr id="26" name="Google Shape;26;p6"/>
-          <p:cNvSpPr txBox="1"/>
+          <p:cNvSpPr txBox="1">
+            <a:spLocks noGrp="1"/>
+          </p:cNvSpPr>
           <p:nvPr>
-            <p:ph idx="12" type="sldNum"/>
+            <p:ph type="sldNum" idx="12"/>
           </p:nvPr>
         </p:nvSpPr>
         <p:spPr>
@@ -4008,67 +4115,67 @@
           </a:ln>
         </p:spPr>
         <p:txBody>
-          <a:bodyPr anchorCtr="0" anchor="ctr" bIns="45700" lIns="91425" spcFirstLastPara="1" rIns="91425" wrap="square" tIns="45700">
+          <a:bodyPr spcFirstLastPara="1" wrap="square" lIns="91425" tIns="45700" rIns="91425" bIns="45700" anchor="ctr" anchorCtr="0">
             <a:noAutofit/>
           </a:bodyPr>
           <a:lstStyle>
-            <a:lvl1pPr indent="0" lvl="0" marL="0" algn="r">
+            <a:lvl1pPr marL="0" lvl="0" indent="0" algn="r">
               <a:spcBef>
                 <a:spcPts val="0"/>
               </a:spcBef>
               <a:buNone/>
               <a:defRPr/>
             </a:lvl1pPr>
-            <a:lvl2pPr indent="0" lvl="1" marL="0" algn="r">
+            <a:lvl2pPr marL="0" lvl="1" indent="0" algn="r">
               <a:spcBef>
                 <a:spcPts val="0"/>
               </a:spcBef>
               <a:buNone/>
               <a:defRPr/>
             </a:lvl2pPr>
-            <a:lvl3pPr indent="0" lvl="2" marL="0" algn="r">
+            <a:lvl3pPr marL="0" lvl="2" indent="0" algn="r">
               <a:spcBef>
                 <a:spcPts val="0"/>
               </a:spcBef>
               <a:buNone/>
               <a:defRPr/>
             </a:lvl3pPr>
-            <a:lvl4pPr indent="0" lvl="3" marL="0" algn="r">
+            <a:lvl4pPr marL="0" lvl="3" indent="0" algn="r">
               <a:spcBef>
                 <a:spcPts val="0"/>
               </a:spcBef>
               <a:buNone/>
               <a:defRPr/>
             </a:lvl4pPr>
-            <a:lvl5pPr indent="0" lvl="4" marL="0" algn="r">
+            <a:lvl5pPr marL="0" lvl="4" indent="0" algn="r">
               <a:spcBef>
                 <a:spcPts val="0"/>
               </a:spcBef>
               <a:buNone/>
               <a:defRPr/>
             </a:lvl5pPr>
-            <a:lvl6pPr indent="0" lvl="5" marL="0" algn="r">
+            <a:lvl6pPr marL="0" lvl="5" indent="0" algn="r">
               <a:spcBef>
                 <a:spcPts val="0"/>
               </a:spcBef>
               <a:buNone/>
               <a:defRPr/>
             </a:lvl6pPr>
-            <a:lvl7pPr indent="0" lvl="6" marL="0" algn="r">
+            <a:lvl7pPr marL="0" lvl="6" indent="0" algn="r">
               <a:spcBef>
                 <a:spcPts val="0"/>
               </a:spcBef>
               <a:buNone/>
               <a:defRPr/>
             </a:lvl7pPr>
-            <a:lvl8pPr indent="0" lvl="7" marL="0" algn="r">
+            <a:lvl8pPr marL="0" lvl="7" indent="0" algn="r">
               <a:spcBef>
                 <a:spcPts val="0"/>
               </a:spcBef>
               <a:buNone/>
               <a:defRPr/>
             </a:lvl8pPr>
-            <a:lvl9pPr indent="0" lvl="8" marL="0" algn="r">
+            <a:lvl9pPr marL="0" lvl="8" indent="0" algn="r">
               <a:spcBef>
                 <a:spcPts val="0"/>
               </a:spcBef>
@@ -4077,7 +4184,7 @@
             </a:lvl9pPr>
           </a:lstStyle>
           <a:p>
-            <a:pPr indent="0" lvl="0" marL="0" rtl="0" algn="r">
+            <a:pPr marL="0" lvl="0" indent="0" algn="r" rtl="0">
               <a:spcBef>
                 <a:spcPts val="0"/>
               </a:spcBef>
@@ -4103,11 +4210,11 @@
 </file>
 
 <file path=ppt/slideLayouts/slideLayout4.xml><?xml version="1.0" encoding="utf-8"?>
-<p:sldLayout xmlns:a="http://schemas.openxmlformats.org/drawingml/2006/main" xmlns:r="http://schemas.openxmlformats.org/officeDocument/2006/relationships" xmlns:mc="http://schemas.openxmlformats.org/markup-compatibility/2006" xmlns:mv="urn:schemas-microsoft-com:mac:vml" xmlns:p="http://schemas.openxmlformats.org/presentationml/2006/main" xmlns:c="http://schemas.openxmlformats.org/drawingml/2006/chart" xmlns:dgm="http://schemas.openxmlformats.org/drawingml/2006/diagram" xmlns:o="urn:schemas-microsoft-com:office:office" xmlns:v="urn:schemas-microsoft-com:vml" xmlns:pvml="urn:schemas-microsoft-com:office:powerpoint" xmlns:com="http://schemas.openxmlformats.org/drawingml/2006/compatibility" xmlns:p14="http://schemas.microsoft.com/office/powerpoint/2010/main" xmlns:p15="http://schemas.microsoft.com/office/powerpoint/2012/main" xmlns:ahyp="http://schemas.microsoft.com/office/drawing/2018/hyperlinkcolor" matchingName="Section Header" type="secHead">
+<p:sldLayout xmlns:a="http://schemas.openxmlformats.org/drawingml/2006/main" xmlns:r="http://schemas.openxmlformats.org/officeDocument/2006/relationships" xmlns:p="http://schemas.openxmlformats.org/presentationml/2006/main" matchingName="Section Header" type="secHead">
   <p:cSld name="SECTION_HEADER">
     <p:spTree>
       <p:nvGrpSpPr>
-        <p:cNvPr id="27" name="Shape 27"/>
+        <p:cNvPr id="1" name="Shape 27"/>
         <p:cNvGrpSpPr/>
         <p:nvPr/>
       </p:nvGrpSpPr>
@@ -4122,7 +4229,9 @@
       <p:sp>
         <p:nvSpPr>
           <p:cNvPr id="28" name="Google Shape;28;p7"/>
-          <p:cNvSpPr txBox="1"/>
+          <p:cNvSpPr txBox="1">
+            <a:spLocks noGrp="1"/>
+          </p:cNvSpPr>
           <p:nvPr>
             <p:ph type="title"/>
           </p:nvPr>
@@ -4141,7 +4250,7 @@
           </a:ln>
         </p:spPr>
         <p:txBody>
-          <a:bodyPr anchorCtr="0" anchor="b" bIns="45700" lIns="91425" spcFirstLastPara="1" rIns="91425" wrap="square" tIns="45700">
+          <a:bodyPr spcFirstLastPara="1" wrap="square" lIns="91425" tIns="45700" rIns="91425" bIns="45700" anchor="b" anchorCtr="0">
             <a:normAutofit/>
           </a:bodyPr>
           <a:lstStyle>
@@ -4252,15 +4361,19 @@
               <a:defRPr/>
             </a:lvl9pPr>
           </a:lstStyle>
-          <a:p/>
+          <a:p>
+            <a:endParaRPr/>
+          </a:p>
         </p:txBody>
       </p:sp>
       <p:sp>
         <p:nvSpPr>
           <p:cNvPr id="29" name="Google Shape;29;p7"/>
-          <p:cNvSpPr txBox="1"/>
+          <p:cNvSpPr txBox="1">
+            <a:spLocks noGrp="1"/>
+          </p:cNvSpPr>
           <p:nvPr>
-            <p:ph idx="1" type="body"/>
+            <p:ph type="body" idx="1"/>
           </p:nvPr>
         </p:nvSpPr>
         <p:spPr>
@@ -4277,11 +4390,11 @@
           </a:ln>
         </p:spPr>
         <p:txBody>
-          <a:bodyPr anchorCtr="0" anchor="t" bIns="45700" lIns="91425" spcFirstLastPara="1" rIns="91425" wrap="square" tIns="45700">
+          <a:bodyPr spcFirstLastPara="1" wrap="square" lIns="91425" tIns="45700" rIns="91425" bIns="45700" anchor="t" anchorCtr="0">
             <a:normAutofit/>
           </a:bodyPr>
           <a:lstStyle>
-            <a:lvl1pPr indent="-228600" lvl="0" marL="457200" algn="l">
+            <a:lvl1pPr marL="457200" lvl="0" indent="-228600" algn="l">
               <a:lnSpc>
                 <a:spcPct val="90000"/>
               </a:lnSpc>
@@ -4302,7 +4415,7 @@
                 </a:solidFill>
               </a:defRPr>
             </a:lvl1pPr>
-            <a:lvl2pPr indent="-228600" lvl="1" marL="914400" algn="l">
+            <a:lvl2pPr marL="914400" lvl="1" indent="-228600" algn="l">
               <a:lnSpc>
                 <a:spcPct val="90000"/>
               </a:lnSpc>
@@ -4323,7 +4436,7 @@
                 </a:solidFill>
               </a:defRPr>
             </a:lvl2pPr>
-            <a:lvl3pPr indent="-228600" lvl="2" marL="1371600" algn="l">
+            <a:lvl3pPr marL="1371600" lvl="2" indent="-228600" algn="l">
               <a:lnSpc>
                 <a:spcPct val="90000"/>
               </a:lnSpc>
@@ -4344,7 +4457,7 @@
                 </a:solidFill>
               </a:defRPr>
             </a:lvl3pPr>
-            <a:lvl4pPr indent="-228600" lvl="3" marL="1828800" algn="l">
+            <a:lvl4pPr marL="1828800" lvl="3" indent="-228600" algn="l">
               <a:lnSpc>
                 <a:spcPct val="90000"/>
               </a:lnSpc>
@@ -4365,7 +4478,7 @@
                 </a:solidFill>
               </a:defRPr>
             </a:lvl4pPr>
-            <a:lvl5pPr indent="-228600" lvl="4" marL="2286000" algn="l">
+            <a:lvl5pPr marL="2286000" lvl="4" indent="-228600" algn="l">
               <a:lnSpc>
                 <a:spcPct val="90000"/>
               </a:lnSpc>
@@ -4386,7 +4499,7 @@
                 </a:solidFill>
               </a:defRPr>
             </a:lvl5pPr>
-            <a:lvl6pPr indent="-228600" lvl="5" marL="2743200" algn="l">
+            <a:lvl6pPr marL="2743200" lvl="5" indent="-228600" algn="l">
               <a:lnSpc>
                 <a:spcPct val="90000"/>
               </a:lnSpc>
@@ -4407,7 +4520,7 @@
                 </a:solidFill>
               </a:defRPr>
             </a:lvl6pPr>
-            <a:lvl7pPr indent="-228600" lvl="6" marL="3200400" algn="l">
+            <a:lvl7pPr marL="3200400" lvl="6" indent="-228600" algn="l">
               <a:lnSpc>
                 <a:spcPct val="90000"/>
               </a:lnSpc>
@@ -4428,7 +4541,7 @@
                 </a:solidFill>
               </a:defRPr>
             </a:lvl7pPr>
-            <a:lvl8pPr indent="-228600" lvl="7" marL="3657600" algn="l">
+            <a:lvl8pPr marL="3657600" lvl="7" indent="-228600" algn="l">
               <a:lnSpc>
                 <a:spcPct val="90000"/>
               </a:lnSpc>
@@ -4449,7 +4562,7 @@
                 </a:solidFill>
               </a:defRPr>
             </a:lvl8pPr>
-            <a:lvl9pPr indent="-228600" lvl="8" marL="4114800" algn="l">
+            <a:lvl9pPr marL="4114800" lvl="8" indent="-228600" algn="l">
               <a:lnSpc>
                 <a:spcPct val="90000"/>
               </a:lnSpc>
@@ -4471,15 +4584,19 @@
               </a:defRPr>
             </a:lvl9pPr>
           </a:lstStyle>
-          <a:p/>
+          <a:p>
+            <a:endParaRPr/>
+          </a:p>
         </p:txBody>
       </p:sp>
       <p:sp>
         <p:nvSpPr>
           <p:cNvPr id="30" name="Google Shape;30;p7"/>
-          <p:cNvSpPr txBox="1"/>
+          <p:cNvSpPr txBox="1">
+            <a:spLocks noGrp="1"/>
+          </p:cNvSpPr>
           <p:nvPr>
-            <p:ph idx="10" type="dt"/>
+            <p:ph type="dt" idx="10"/>
           </p:nvPr>
         </p:nvSpPr>
         <p:spPr>
@@ -4496,7 +4613,7 @@
           </a:ln>
         </p:spPr>
         <p:txBody>
-          <a:bodyPr anchorCtr="0" anchor="ctr" bIns="45700" lIns="91425" spcFirstLastPara="1" rIns="91425" wrap="square" tIns="45700">
+          <a:bodyPr spcFirstLastPara="1" wrap="square" lIns="91425" tIns="45700" rIns="91425" bIns="45700" anchor="ctr" anchorCtr="0">
             <a:noAutofit/>
           </a:bodyPr>
           <a:lstStyle>
@@ -4600,15 +4717,19 @@
               <a:defRPr/>
             </a:lvl9pPr>
           </a:lstStyle>
-          <a:p/>
+          <a:p>
+            <a:endParaRPr/>
+          </a:p>
         </p:txBody>
       </p:sp>
       <p:sp>
         <p:nvSpPr>
           <p:cNvPr id="31" name="Google Shape;31;p7"/>
-          <p:cNvSpPr txBox="1"/>
+          <p:cNvSpPr txBox="1">
+            <a:spLocks noGrp="1"/>
+          </p:cNvSpPr>
           <p:nvPr>
-            <p:ph idx="11" type="ftr"/>
+            <p:ph type="ftr" idx="11"/>
           </p:nvPr>
         </p:nvSpPr>
         <p:spPr>
@@ -4625,7 +4746,7 @@
           </a:ln>
         </p:spPr>
         <p:txBody>
-          <a:bodyPr anchorCtr="0" anchor="ctr" bIns="45700" lIns="91425" spcFirstLastPara="1" rIns="91425" wrap="square" tIns="45700">
+          <a:bodyPr spcFirstLastPara="1" wrap="square" lIns="91425" tIns="45700" rIns="91425" bIns="45700" anchor="ctr" anchorCtr="0">
             <a:noAutofit/>
           </a:bodyPr>
           <a:lstStyle>
@@ -4729,15 +4850,19 @@
               <a:defRPr/>
             </a:lvl9pPr>
           </a:lstStyle>
-          <a:p/>
+          <a:p>
+            <a:endParaRPr/>
+          </a:p>
         </p:txBody>
       </p:sp>
       <p:sp>
         <p:nvSpPr>
           <p:cNvPr id="32" name="Google Shape;32;p7"/>
-          <p:cNvSpPr txBox="1"/>
+          <p:cNvSpPr txBox="1">
+            <a:spLocks noGrp="1"/>
+          </p:cNvSpPr>
           <p:nvPr>
-            <p:ph idx="12" type="sldNum"/>
+            <p:ph type="sldNum" idx="12"/>
           </p:nvPr>
         </p:nvSpPr>
         <p:spPr>
@@ -4754,67 +4879,67 @@
           </a:ln>
         </p:spPr>
         <p:txBody>
-          <a:bodyPr anchorCtr="0" anchor="ctr" bIns="45700" lIns="91425" spcFirstLastPara="1" rIns="91425" wrap="square" tIns="45700">
+          <a:bodyPr spcFirstLastPara="1" wrap="square" lIns="91425" tIns="45700" rIns="91425" bIns="45700" anchor="ctr" anchorCtr="0">
             <a:noAutofit/>
           </a:bodyPr>
           <a:lstStyle>
-            <a:lvl1pPr indent="0" lvl="0" marL="0" algn="r">
+            <a:lvl1pPr marL="0" lvl="0" indent="0" algn="r">
               <a:spcBef>
                 <a:spcPts val="0"/>
               </a:spcBef>
               <a:buNone/>
               <a:defRPr/>
             </a:lvl1pPr>
-            <a:lvl2pPr indent="0" lvl="1" marL="0" algn="r">
+            <a:lvl2pPr marL="0" lvl="1" indent="0" algn="r">
               <a:spcBef>
                 <a:spcPts val="0"/>
               </a:spcBef>
               <a:buNone/>
               <a:defRPr/>
             </a:lvl2pPr>
-            <a:lvl3pPr indent="0" lvl="2" marL="0" algn="r">
+            <a:lvl3pPr marL="0" lvl="2" indent="0" algn="r">
               <a:spcBef>
                 <a:spcPts val="0"/>
               </a:spcBef>
               <a:buNone/>
               <a:defRPr/>
             </a:lvl3pPr>
-            <a:lvl4pPr indent="0" lvl="3" marL="0" algn="r">
+            <a:lvl4pPr marL="0" lvl="3" indent="0" algn="r">
               <a:spcBef>
                 <a:spcPts val="0"/>
               </a:spcBef>
               <a:buNone/>
               <a:defRPr/>
             </a:lvl4pPr>
-            <a:lvl5pPr indent="0" lvl="4" marL="0" algn="r">
+            <a:lvl5pPr marL="0" lvl="4" indent="0" algn="r">
               <a:spcBef>
                 <a:spcPts val="0"/>
               </a:spcBef>
               <a:buNone/>
               <a:defRPr/>
             </a:lvl5pPr>
-            <a:lvl6pPr indent="0" lvl="5" marL="0" algn="r">
+            <a:lvl6pPr marL="0" lvl="5" indent="0" algn="r">
               <a:spcBef>
                 <a:spcPts val="0"/>
               </a:spcBef>
               <a:buNone/>
               <a:defRPr/>
             </a:lvl6pPr>
-            <a:lvl7pPr indent="0" lvl="6" marL="0" algn="r">
+            <a:lvl7pPr marL="0" lvl="6" indent="0" algn="r">
               <a:spcBef>
                 <a:spcPts val="0"/>
               </a:spcBef>
               <a:buNone/>
               <a:defRPr/>
             </a:lvl7pPr>
-            <a:lvl8pPr indent="0" lvl="7" marL="0" algn="r">
+            <a:lvl8pPr marL="0" lvl="7" indent="0" algn="r">
               <a:spcBef>
                 <a:spcPts val="0"/>
               </a:spcBef>
               <a:buNone/>
               <a:defRPr/>
             </a:lvl8pPr>
-            <a:lvl9pPr indent="0" lvl="8" marL="0" algn="r">
+            <a:lvl9pPr marL="0" lvl="8" indent="0" algn="r">
               <a:spcBef>
                 <a:spcPts val="0"/>
               </a:spcBef>
@@ -4823,7 +4948,7 @@
             </a:lvl9pPr>
           </a:lstStyle>
           <a:p>
-            <a:pPr indent="0" lvl="0" marL="0" rtl="0" algn="r">
+            <a:pPr marL="0" lvl="0" indent="0" algn="r" rtl="0">
               <a:spcBef>
                 <a:spcPts val="0"/>
               </a:spcBef>
@@ -4849,11 +4974,11 @@
 </file>
 
 <file path=ppt/slideLayouts/slideLayout5.xml><?xml version="1.0" encoding="utf-8"?>
-<p:sldLayout xmlns:a="http://schemas.openxmlformats.org/drawingml/2006/main" xmlns:r="http://schemas.openxmlformats.org/officeDocument/2006/relationships" xmlns:mc="http://schemas.openxmlformats.org/markup-compatibility/2006" xmlns:mv="urn:schemas-microsoft-com:mac:vml" xmlns:p="http://schemas.openxmlformats.org/presentationml/2006/main" xmlns:c="http://schemas.openxmlformats.org/drawingml/2006/chart" xmlns:dgm="http://schemas.openxmlformats.org/drawingml/2006/diagram" xmlns:o="urn:schemas-microsoft-com:office:office" xmlns:v="urn:schemas-microsoft-com:vml" xmlns:pvml="urn:schemas-microsoft-com:office:powerpoint" xmlns:com="http://schemas.openxmlformats.org/drawingml/2006/compatibility" xmlns:p14="http://schemas.microsoft.com/office/powerpoint/2010/main" xmlns:p15="http://schemas.microsoft.com/office/powerpoint/2012/main" xmlns:ahyp="http://schemas.microsoft.com/office/drawing/2018/hyperlinkcolor" matchingName="Two Content" type="twoObj">
+<p:sldLayout xmlns:a="http://schemas.openxmlformats.org/drawingml/2006/main" xmlns:r="http://schemas.openxmlformats.org/officeDocument/2006/relationships" xmlns:p="http://schemas.openxmlformats.org/presentationml/2006/main" matchingName="Two Content" type="twoObj">
   <p:cSld name="TWO_OBJECTS">
     <p:spTree>
       <p:nvGrpSpPr>
-        <p:cNvPr id="33" name="Shape 33"/>
+        <p:cNvPr id="1" name="Shape 33"/>
         <p:cNvGrpSpPr/>
         <p:nvPr/>
       </p:nvGrpSpPr>
@@ -4868,7 +4993,9 @@
       <p:sp>
         <p:nvSpPr>
           <p:cNvPr id="34" name="Google Shape;34;p8"/>
-          <p:cNvSpPr txBox="1"/>
+          <p:cNvSpPr txBox="1">
+            <a:spLocks noGrp="1"/>
+          </p:cNvSpPr>
           <p:nvPr>
             <p:ph type="title"/>
           </p:nvPr>
@@ -4887,7 +5014,7 @@
           </a:ln>
         </p:spPr>
         <p:txBody>
-          <a:bodyPr anchorCtr="0" anchor="ctr" bIns="45700" lIns="91425" spcFirstLastPara="1" rIns="91425" wrap="square" tIns="45700">
+          <a:bodyPr spcFirstLastPara="1" wrap="square" lIns="91425" tIns="45700" rIns="91425" bIns="45700" anchor="ctr" anchorCtr="0">
             <a:normAutofit/>
           </a:bodyPr>
           <a:lstStyle>
@@ -4997,15 +5124,19 @@
               <a:defRPr/>
             </a:lvl9pPr>
           </a:lstStyle>
-          <a:p/>
+          <a:p>
+            <a:endParaRPr/>
+          </a:p>
         </p:txBody>
       </p:sp>
       <p:sp>
         <p:nvSpPr>
           <p:cNvPr id="35" name="Google Shape;35;p8"/>
-          <p:cNvSpPr txBox="1"/>
+          <p:cNvSpPr txBox="1">
+            <a:spLocks noGrp="1"/>
+          </p:cNvSpPr>
           <p:nvPr>
-            <p:ph idx="1" type="body"/>
+            <p:ph type="body" idx="1"/>
           </p:nvPr>
         </p:nvSpPr>
         <p:spPr>
@@ -5022,11 +5153,11 @@
           </a:ln>
         </p:spPr>
         <p:txBody>
-          <a:bodyPr anchorCtr="0" anchor="t" bIns="45700" lIns="91425" spcFirstLastPara="1" rIns="91425" wrap="square" tIns="45700">
+          <a:bodyPr spcFirstLastPara="1" wrap="square" lIns="91425" tIns="45700" rIns="91425" bIns="45700" anchor="t" anchorCtr="0">
             <a:normAutofit/>
           </a:bodyPr>
           <a:lstStyle>
-            <a:lvl1pPr indent="-342900" lvl="0" marL="457200" algn="l">
+            <a:lvl1pPr marL="457200" lvl="0" indent="-342900" algn="l">
               <a:lnSpc>
                 <a:spcPct val="90000"/>
               </a:lnSpc>
@@ -5043,7 +5174,7 @@
               <a:buChar char="•"/>
               <a:defRPr/>
             </a:lvl1pPr>
-            <a:lvl2pPr indent="-342900" lvl="1" marL="914400" algn="l">
+            <a:lvl2pPr marL="914400" lvl="1" indent="-342900" algn="l">
               <a:lnSpc>
                 <a:spcPct val="90000"/>
               </a:lnSpc>
@@ -5060,7 +5191,7 @@
               <a:buChar char="•"/>
               <a:defRPr/>
             </a:lvl2pPr>
-            <a:lvl3pPr indent="-342900" lvl="2" marL="1371600" algn="l">
+            <a:lvl3pPr marL="1371600" lvl="2" indent="-342900" algn="l">
               <a:lnSpc>
                 <a:spcPct val="90000"/>
               </a:lnSpc>
@@ -5077,7 +5208,7 @@
               <a:buChar char="•"/>
               <a:defRPr/>
             </a:lvl3pPr>
-            <a:lvl4pPr indent="-342900" lvl="3" marL="1828800" algn="l">
+            <a:lvl4pPr marL="1828800" lvl="3" indent="-342900" algn="l">
               <a:lnSpc>
                 <a:spcPct val="90000"/>
               </a:lnSpc>
@@ -5094,7 +5225,7 @@
               <a:buChar char="•"/>
               <a:defRPr/>
             </a:lvl4pPr>
-            <a:lvl5pPr indent="-342900" lvl="4" marL="2286000" algn="l">
+            <a:lvl5pPr marL="2286000" lvl="4" indent="-342900" algn="l">
               <a:lnSpc>
                 <a:spcPct val="90000"/>
               </a:lnSpc>
@@ -5111,7 +5242,7 @@
               <a:buChar char="•"/>
               <a:defRPr/>
             </a:lvl5pPr>
-            <a:lvl6pPr indent="-342900" lvl="5" marL="2743200" algn="l">
+            <a:lvl6pPr marL="2743200" lvl="5" indent="-342900" algn="l">
               <a:lnSpc>
                 <a:spcPct val="90000"/>
               </a:lnSpc>
@@ -5128,7 +5259,7 @@
               <a:buChar char="•"/>
               <a:defRPr/>
             </a:lvl6pPr>
-            <a:lvl7pPr indent="-342900" lvl="6" marL="3200400" algn="l">
+            <a:lvl7pPr marL="3200400" lvl="6" indent="-342900" algn="l">
               <a:lnSpc>
                 <a:spcPct val="90000"/>
               </a:lnSpc>
@@ -5145,7 +5276,7 @@
               <a:buChar char="•"/>
               <a:defRPr/>
             </a:lvl7pPr>
-            <a:lvl8pPr indent="-342900" lvl="7" marL="3657600" algn="l">
+            <a:lvl8pPr marL="3657600" lvl="7" indent="-342900" algn="l">
               <a:lnSpc>
                 <a:spcPct val="90000"/>
               </a:lnSpc>
@@ -5162,7 +5293,7 @@
               <a:buChar char="•"/>
               <a:defRPr/>
             </a:lvl8pPr>
-            <a:lvl9pPr indent="-342900" lvl="8" marL="4114800" algn="l">
+            <a:lvl9pPr marL="4114800" lvl="8" indent="-342900" algn="l">
               <a:lnSpc>
                 <a:spcPct val="90000"/>
               </a:lnSpc>
@@ -5180,15 +5311,19 @@
               <a:defRPr/>
             </a:lvl9pPr>
           </a:lstStyle>
-          <a:p/>
+          <a:p>
+            <a:endParaRPr/>
+          </a:p>
         </p:txBody>
       </p:sp>
       <p:sp>
         <p:nvSpPr>
           <p:cNvPr id="36" name="Google Shape;36;p8"/>
-          <p:cNvSpPr txBox="1"/>
+          <p:cNvSpPr txBox="1">
+            <a:spLocks noGrp="1"/>
+          </p:cNvSpPr>
           <p:nvPr>
-            <p:ph idx="2" type="body"/>
+            <p:ph type="body" idx="2"/>
           </p:nvPr>
         </p:nvSpPr>
         <p:spPr>
@@ -5205,11 +5340,11 @@
           </a:ln>
         </p:spPr>
         <p:txBody>
-          <a:bodyPr anchorCtr="0" anchor="t" bIns="45700" lIns="91425" spcFirstLastPara="1" rIns="91425" wrap="square" tIns="45700">
+          <a:bodyPr spcFirstLastPara="1" wrap="square" lIns="91425" tIns="45700" rIns="91425" bIns="45700" anchor="t" anchorCtr="0">
             <a:normAutofit/>
           </a:bodyPr>
           <a:lstStyle>
-            <a:lvl1pPr indent="-342900" lvl="0" marL="457200" algn="l">
+            <a:lvl1pPr marL="457200" lvl="0" indent="-342900" algn="l">
               <a:lnSpc>
                 <a:spcPct val="90000"/>
               </a:lnSpc>
@@ -5226,7 +5361,7 @@
               <a:buChar char="•"/>
               <a:defRPr/>
             </a:lvl1pPr>
-            <a:lvl2pPr indent="-342900" lvl="1" marL="914400" algn="l">
+            <a:lvl2pPr marL="914400" lvl="1" indent="-342900" algn="l">
               <a:lnSpc>
                 <a:spcPct val="90000"/>
               </a:lnSpc>
@@ -5243,7 +5378,7 @@
               <a:buChar char="•"/>
               <a:defRPr/>
             </a:lvl2pPr>
-            <a:lvl3pPr indent="-342900" lvl="2" marL="1371600" algn="l">
+            <a:lvl3pPr marL="1371600" lvl="2" indent="-342900" algn="l">
               <a:lnSpc>
                 <a:spcPct val="90000"/>
               </a:lnSpc>
@@ -5260,7 +5395,7 @@
               <a:buChar char="•"/>
               <a:defRPr/>
             </a:lvl3pPr>
-            <a:lvl4pPr indent="-342900" lvl="3" marL="1828800" algn="l">
+            <a:lvl4pPr marL="1828800" lvl="3" indent="-342900" algn="l">
               <a:lnSpc>
                 <a:spcPct val="90000"/>
               </a:lnSpc>
@@ -5277,7 +5412,7 @@
               <a:buChar char="•"/>
               <a:defRPr/>
             </a:lvl4pPr>
-            <a:lvl5pPr indent="-342900" lvl="4" marL="2286000" algn="l">
+            <a:lvl5pPr marL="2286000" lvl="4" indent="-342900" algn="l">
               <a:lnSpc>
                 <a:spcPct val="90000"/>
               </a:lnSpc>
@@ -5294,7 +5429,7 @@
               <a:buChar char="•"/>
               <a:defRPr/>
             </a:lvl5pPr>
-            <a:lvl6pPr indent="-342900" lvl="5" marL="2743200" algn="l">
+            <a:lvl6pPr marL="2743200" lvl="5" indent="-342900" algn="l">
               <a:lnSpc>
                 <a:spcPct val="90000"/>
               </a:lnSpc>
@@ -5311,7 +5446,7 @@
               <a:buChar char="•"/>
               <a:defRPr/>
             </a:lvl6pPr>
-            <a:lvl7pPr indent="-342900" lvl="6" marL="3200400" algn="l">
+            <a:lvl7pPr marL="3200400" lvl="6" indent="-342900" algn="l">
               <a:lnSpc>
                 <a:spcPct val="90000"/>
               </a:lnSpc>
@@ -5328,7 +5463,7 @@
               <a:buChar char="•"/>
               <a:defRPr/>
             </a:lvl7pPr>
-            <a:lvl8pPr indent="-342900" lvl="7" marL="3657600" algn="l">
+            <a:lvl8pPr marL="3657600" lvl="7" indent="-342900" algn="l">
               <a:lnSpc>
                 <a:spcPct val="90000"/>
               </a:lnSpc>
@@ -5345,7 +5480,7 @@
               <a:buChar char="•"/>
               <a:defRPr/>
             </a:lvl8pPr>
-            <a:lvl9pPr indent="-342900" lvl="8" marL="4114800" algn="l">
+            <a:lvl9pPr marL="4114800" lvl="8" indent="-342900" algn="l">
               <a:lnSpc>
                 <a:spcPct val="90000"/>
               </a:lnSpc>
@@ -5363,15 +5498,19 @@
               <a:defRPr/>
             </a:lvl9pPr>
           </a:lstStyle>
-          <a:p/>
+          <a:p>
+            <a:endParaRPr/>
+          </a:p>
         </p:txBody>
       </p:sp>
       <p:sp>
         <p:nvSpPr>
           <p:cNvPr id="37" name="Google Shape;37;p8"/>
-          <p:cNvSpPr txBox="1"/>
+          <p:cNvSpPr txBox="1">
+            <a:spLocks noGrp="1"/>
+          </p:cNvSpPr>
           <p:nvPr>
-            <p:ph idx="10" type="dt"/>
+            <p:ph type="dt" idx="10"/>
           </p:nvPr>
         </p:nvSpPr>
         <p:spPr>
@@ -5388,7 +5527,7 @@
           </a:ln>
         </p:spPr>
         <p:txBody>
-          <a:bodyPr anchorCtr="0" anchor="ctr" bIns="45700" lIns="91425" spcFirstLastPara="1" rIns="91425" wrap="square" tIns="45700">
+          <a:bodyPr spcFirstLastPara="1" wrap="square" lIns="91425" tIns="45700" rIns="91425" bIns="45700" anchor="ctr" anchorCtr="0">
             <a:noAutofit/>
           </a:bodyPr>
           <a:lstStyle>
@@ -5492,15 +5631,19 @@
               <a:defRPr/>
             </a:lvl9pPr>
           </a:lstStyle>
-          <a:p/>
+          <a:p>
+            <a:endParaRPr/>
+          </a:p>
         </p:txBody>
       </p:sp>
       <p:sp>
         <p:nvSpPr>
           <p:cNvPr id="38" name="Google Shape;38;p8"/>
-          <p:cNvSpPr txBox="1"/>
+          <p:cNvSpPr txBox="1">
+            <a:spLocks noGrp="1"/>
+          </p:cNvSpPr>
           <p:nvPr>
-            <p:ph idx="11" type="ftr"/>
+            <p:ph type="ftr" idx="11"/>
           </p:nvPr>
         </p:nvSpPr>
         <p:spPr>
@@ -5517,7 +5660,7 @@
           </a:ln>
         </p:spPr>
         <p:txBody>
-          <a:bodyPr anchorCtr="0" anchor="ctr" bIns="45700" lIns="91425" spcFirstLastPara="1" rIns="91425" wrap="square" tIns="45700">
+          <a:bodyPr spcFirstLastPara="1" wrap="square" lIns="91425" tIns="45700" rIns="91425" bIns="45700" anchor="ctr" anchorCtr="0">
             <a:noAutofit/>
           </a:bodyPr>
           <a:lstStyle>
@@ -5621,15 +5764,19 @@
               <a:defRPr/>
             </a:lvl9pPr>
           </a:lstStyle>
-          <a:p/>
+          <a:p>
+            <a:endParaRPr/>
+          </a:p>
         </p:txBody>
       </p:sp>
       <p:sp>
         <p:nvSpPr>
           <p:cNvPr id="39" name="Google Shape;39;p8"/>
-          <p:cNvSpPr txBox="1"/>
+          <p:cNvSpPr txBox="1">
+            <a:spLocks noGrp="1"/>
+          </p:cNvSpPr>
           <p:nvPr>
-            <p:ph idx="12" type="sldNum"/>
+            <p:ph type="sldNum" idx="12"/>
           </p:nvPr>
         </p:nvSpPr>
         <p:spPr>
@@ -5646,67 +5793,67 @@
           </a:ln>
         </p:spPr>
         <p:txBody>
-          <a:bodyPr anchorCtr="0" anchor="ctr" bIns="45700" lIns="91425" spcFirstLastPara="1" rIns="91425" wrap="square" tIns="45700">
+          <a:bodyPr spcFirstLastPara="1" wrap="square" lIns="91425" tIns="45700" rIns="91425" bIns="45700" anchor="ctr" anchorCtr="0">
             <a:noAutofit/>
           </a:bodyPr>
           <a:lstStyle>
-            <a:lvl1pPr indent="0" lvl="0" marL="0" algn="r">
+            <a:lvl1pPr marL="0" lvl="0" indent="0" algn="r">
               <a:spcBef>
                 <a:spcPts val="0"/>
               </a:spcBef>
               <a:buNone/>
               <a:defRPr/>
             </a:lvl1pPr>
-            <a:lvl2pPr indent="0" lvl="1" marL="0" algn="r">
+            <a:lvl2pPr marL="0" lvl="1" indent="0" algn="r">
               <a:spcBef>
                 <a:spcPts val="0"/>
               </a:spcBef>
               <a:buNone/>
               <a:defRPr/>
             </a:lvl2pPr>
-            <a:lvl3pPr indent="0" lvl="2" marL="0" algn="r">
+            <a:lvl3pPr marL="0" lvl="2" indent="0" algn="r">
               <a:spcBef>
                 <a:spcPts val="0"/>
               </a:spcBef>
               <a:buNone/>
               <a:defRPr/>
             </a:lvl3pPr>
-            <a:lvl4pPr indent="0" lvl="3" marL="0" algn="r">
+            <a:lvl4pPr marL="0" lvl="3" indent="0" algn="r">
               <a:spcBef>
                 <a:spcPts val="0"/>
               </a:spcBef>
               <a:buNone/>
               <a:defRPr/>
             </a:lvl4pPr>
-            <a:lvl5pPr indent="0" lvl="4" marL="0" algn="r">
+            <a:lvl5pPr marL="0" lvl="4" indent="0" algn="r">
               <a:spcBef>
                 <a:spcPts val="0"/>
               </a:spcBef>
               <a:buNone/>
               <a:defRPr/>
             </a:lvl5pPr>
-            <a:lvl6pPr indent="0" lvl="5" marL="0" algn="r">
+            <a:lvl6pPr marL="0" lvl="5" indent="0" algn="r">
               <a:spcBef>
                 <a:spcPts val="0"/>
               </a:spcBef>
               <a:buNone/>
               <a:defRPr/>
             </a:lvl6pPr>
-            <a:lvl7pPr indent="0" lvl="6" marL="0" algn="r">
+            <a:lvl7pPr marL="0" lvl="6" indent="0" algn="r">
               <a:spcBef>
                 <a:spcPts val="0"/>
               </a:spcBef>
               <a:buNone/>
               <a:defRPr/>
             </a:lvl7pPr>
-            <a:lvl8pPr indent="0" lvl="7" marL="0" algn="r">
+            <a:lvl8pPr marL="0" lvl="7" indent="0" algn="r">
               <a:spcBef>
                 <a:spcPts val="0"/>
               </a:spcBef>
               <a:buNone/>
               <a:defRPr/>
             </a:lvl8pPr>
-            <a:lvl9pPr indent="0" lvl="8" marL="0" algn="r">
+            <a:lvl9pPr marL="0" lvl="8" indent="0" algn="r">
               <a:spcBef>
                 <a:spcPts val="0"/>
               </a:spcBef>
@@ -5715,7 +5862,7 @@
             </a:lvl9pPr>
           </a:lstStyle>
           <a:p>
-            <a:pPr indent="0" lvl="0" marL="0" rtl="0" algn="r">
+            <a:pPr marL="0" lvl="0" indent="0" algn="r" rtl="0">
               <a:spcBef>
                 <a:spcPts val="0"/>
               </a:spcBef>
@@ -5741,11 +5888,11 @@
 </file>
 
 <file path=ppt/slideLayouts/slideLayout6.xml><?xml version="1.0" encoding="utf-8"?>
-<p:sldLayout xmlns:a="http://schemas.openxmlformats.org/drawingml/2006/main" xmlns:r="http://schemas.openxmlformats.org/officeDocument/2006/relationships" xmlns:mc="http://schemas.openxmlformats.org/markup-compatibility/2006" xmlns:mv="urn:schemas-microsoft-com:mac:vml" xmlns:p="http://schemas.openxmlformats.org/presentationml/2006/main" xmlns:c="http://schemas.openxmlformats.org/drawingml/2006/chart" xmlns:dgm="http://schemas.openxmlformats.org/drawingml/2006/diagram" xmlns:o="urn:schemas-microsoft-com:office:office" xmlns:v="urn:schemas-microsoft-com:vml" xmlns:pvml="urn:schemas-microsoft-com:office:powerpoint" xmlns:com="http://schemas.openxmlformats.org/drawingml/2006/compatibility" xmlns:p14="http://schemas.microsoft.com/office/powerpoint/2010/main" xmlns:p15="http://schemas.microsoft.com/office/powerpoint/2012/main" xmlns:ahyp="http://schemas.microsoft.com/office/drawing/2018/hyperlinkcolor" matchingName="Comparison" type="twoTxTwoObj">
+<p:sldLayout xmlns:a="http://schemas.openxmlformats.org/drawingml/2006/main" xmlns:r="http://schemas.openxmlformats.org/officeDocument/2006/relationships" xmlns:p="http://schemas.openxmlformats.org/presentationml/2006/main" matchingName="Comparison" type="twoTxTwoObj">
   <p:cSld name="TWO_OBJECTS_WITH_TEXT">
     <p:spTree>
       <p:nvGrpSpPr>
-        <p:cNvPr id="40" name="Shape 40"/>
+        <p:cNvPr id="1" name="Shape 40"/>
         <p:cNvGrpSpPr/>
         <p:nvPr/>
       </p:nvGrpSpPr>
@@ -5760,7 +5907,9 @@
       <p:sp>
         <p:nvSpPr>
           <p:cNvPr id="41" name="Google Shape;41;p9"/>
-          <p:cNvSpPr txBox="1"/>
+          <p:cNvSpPr txBox="1">
+            <a:spLocks noGrp="1"/>
+          </p:cNvSpPr>
           <p:nvPr>
             <p:ph type="title"/>
           </p:nvPr>
@@ -5779,7 +5928,7 @@
           </a:ln>
         </p:spPr>
         <p:txBody>
-          <a:bodyPr anchorCtr="0" anchor="ctr" bIns="45700" lIns="91425" spcFirstLastPara="1" rIns="91425" wrap="square" tIns="45700">
+          <a:bodyPr spcFirstLastPara="1" wrap="square" lIns="91425" tIns="45700" rIns="91425" bIns="45700" anchor="ctr" anchorCtr="0">
             <a:normAutofit/>
           </a:bodyPr>
           <a:lstStyle>
@@ -5889,15 +6038,19 @@
               <a:defRPr/>
             </a:lvl9pPr>
           </a:lstStyle>
-          <a:p/>
+          <a:p>
+            <a:endParaRPr/>
+          </a:p>
         </p:txBody>
       </p:sp>
       <p:sp>
         <p:nvSpPr>
           <p:cNvPr id="42" name="Google Shape;42;p9"/>
-          <p:cNvSpPr txBox="1"/>
+          <p:cNvSpPr txBox="1">
+            <a:spLocks noGrp="1"/>
+          </p:cNvSpPr>
           <p:nvPr>
-            <p:ph idx="1" type="body"/>
+            <p:ph type="body" idx="1"/>
           </p:nvPr>
         </p:nvSpPr>
         <p:spPr>
@@ -5914,11 +6067,11 @@
           </a:ln>
         </p:spPr>
         <p:txBody>
-          <a:bodyPr anchorCtr="0" anchor="b" bIns="45700" lIns="91425" spcFirstLastPara="1" rIns="91425" wrap="square" tIns="45700">
+          <a:bodyPr spcFirstLastPara="1" wrap="square" lIns="91425" tIns="45700" rIns="91425" bIns="45700" anchor="b" anchorCtr="0">
             <a:normAutofit/>
           </a:bodyPr>
           <a:lstStyle>
-            <a:lvl1pPr indent="-228600" lvl="0" marL="457200" algn="l">
+            <a:lvl1pPr marL="457200" lvl="0" indent="-228600" algn="l">
               <a:lnSpc>
                 <a:spcPct val="90000"/>
               </a:lnSpc>
@@ -5933,9 +6086,9 @@
               </a:buClr>
               <a:buSzPts val="2400"/>
               <a:buNone/>
-              <a:defRPr b="1" sz="2400"/>
+              <a:defRPr sz="2400" b="1"/>
             </a:lvl1pPr>
-            <a:lvl2pPr indent="-228600" lvl="1" marL="914400" algn="l">
+            <a:lvl2pPr marL="914400" lvl="1" indent="-228600" algn="l">
               <a:lnSpc>
                 <a:spcPct val="90000"/>
               </a:lnSpc>
@@ -5950,9 +6103,9 @@
               </a:buClr>
               <a:buSzPts val="2000"/>
               <a:buNone/>
-              <a:defRPr b="1" sz="2000"/>
+              <a:defRPr sz="2000" b="1"/>
             </a:lvl2pPr>
-            <a:lvl3pPr indent="-228600" lvl="2" marL="1371600" algn="l">
+            <a:lvl3pPr marL="1371600" lvl="2" indent="-228600" algn="l">
               <a:lnSpc>
                 <a:spcPct val="90000"/>
               </a:lnSpc>
@@ -5967,9 +6120,9 @@
               </a:buClr>
               <a:buSzPts val="1800"/>
               <a:buNone/>
-              <a:defRPr b="1" sz="1800"/>
+              <a:defRPr sz="1800" b="1"/>
             </a:lvl3pPr>
-            <a:lvl4pPr indent="-228600" lvl="3" marL="1828800" algn="l">
+            <a:lvl4pPr marL="1828800" lvl="3" indent="-228600" algn="l">
               <a:lnSpc>
                 <a:spcPct val="90000"/>
               </a:lnSpc>
@@ -5984,9 +6137,9 @@
               </a:buClr>
               <a:buSzPts val="1600"/>
               <a:buNone/>
-              <a:defRPr b="1" sz="1600"/>
+              <a:defRPr sz="1600" b="1"/>
             </a:lvl4pPr>
-            <a:lvl5pPr indent="-228600" lvl="4" marL="2286000" algn="l">
+            <a:lvl5pPr marL="2286000" lvl="4" indent="-228600" algn="l">
               <a:lnSpc>
                 <a:spcPct val="90000"/>
               </a:lnSpc>
@@ -6001,9 +6154,9 @@
               </a:buClr>
               <a:buSzPts val="1600"/>
               <a:buNone/>
-              <a:defRPr b="1" sz="1600"/>
+              <a:defRPr sz="1600" b="1"/>
             </a:lvl5pPr>
-            <a:lvl6pPr indent="-228600" lvl="5" marL="2743200" algn="l">
+            <a:lvl6pPr marL="2743200" lvl="5" indent="-228600" algn="l">
               <a:lnSpc>
                 <a:spcPct val="90000"/>
               </a:lnSpc>
@@ -6018,9 +6171,9 @@
               </a:buClr>
               <a:buSzPts val="1600"/>
               <a:buNone/>
-              <a:defRPr b="1" sz="1600"/>
+              <a:defRPr sz="1600" b="1"/>
             </a:lvl6pPr>
-            <a:lvl7pPr indent="-228600" lvl="6" marL="3200400" algn="l">
+            <a:lvl7pPr marL="3200400" lvl="6" indent="-228600" algn="l">
               <a:lnSpc>
                 <a:spcPct val="90000"/>
               </a:lnSpc>
@@ -6035,9 +6188,9 @@
               </a:buClr>
               <a:buSzPts val="1600"/>
               <a:buNone/>
-              <a:defRPr b="1" sz="1600"/>
+              <a:defRPr sz="1600" b="1"/>
             </a:lvl7pPr>
-            <a:lvl8pPr indent="-228600" lvl="7" marL="3657600" algn="l">
+            <a:lvl8pPr marL="3657600" lvl="7" indent="-228600" algn="l">
               <a:lnSpc>
                 <a:spcPct val="90000"/>
               </a:lnSpc>
@@ -6052,9 +6205,9 @@
               </a:buClr>
               <a:buSzPts val="1600"/>
               <a:buNone/>
-              <a:defRPr b="1" sz="1600"/>
+              <a:defRPr sz="1600" b="1"/>
             </a:lvl8pPr>
-            <a:lvl9pPr indent="-228600" lvl="8" marL="4114800" algn="l">
+            <a:lvl9pPr marL="4114800" lvl="8" indent="-228600" algn="l">
               <a:lnSpc>
                 <a:spcPct val="90000"/>
               </a:lnSpc>
@@ -6069,18 +6222,22 @@
               </a:buClr>
               <a:buSzPts val="1600"/>
               <a:buNone/>
-              <a:defRPr b="1" sz="1600"/>
+              <a:defRPr sz="1600" b="1"/>
             </a:lvl9pPr>
           </a:lstStyle>
-          <a:p/>
+          <a:p>
+            <a:endParaRPr/>
+          </a:p>
         </p:txBody>
       </p:sp>
       <p:sp>
         <p:nvSpPr>
           <p:cNvPr id="43" name="Google Shape;43;p9"/>
-          <p:cNvSpPr txBox="1"/>
+          <p:cNvSpPr txBox="1">
+            <a:spLocks noGrp="1"/>
+          </p:cNvSpPr>
           <p:nvPr>
-            <p:ph idx="2" type="body"/>
+            <p:ph type="body" idx="2"/>
           </p:nvPr>
         </p:nvSpPr>
         <p:spPr>
@@ -6097,11 +6254,11 @@
           </a:ln>
         </p:spPr>
         <p:txBody>
-          <a:bodyPr anchorCtr="0" anchor="t" bIns="45700" lIns="91425" spcFirstLastPara="1" rIns="91425" wrap="square" tIns="45700">
+          <a:bodyPr spcFirstLastPara="1" wrap="square" lIns="91425" tIns="45700" rIns="91425" bIns="45700" anchor="t" anchorCtr="0">
             <a:normAutofit/>
           </a:bodyPr>
           <a:lstStyle>
-            <a:lvl1pPr indent="-342900" lvl="0" marL="457200" algn="l">
+            <a:lvl1pPr marL="457200" lvl="0" indent="-342900" algn="l">
               <a:lnSpc>
                 <a:spcPct val="90000"/>
               </a:lnSpc>
@@ -6118,7 +6275,7 @@
               <a:buChar char="•"/>
               <a:defRPr/>
             </a:lvl1pPr>
-            <a:lvl2pPr indent="-342900" lvl="1" marL="914400" algn="l">
+            <a:lvl2pPr marL="914400" lvl="1" indent="-342900" algn="l">
               <a:lnSpc>
                 <a:spcPct val="90000"/>
               </a:lnSpc>
@@ -6135,7 +6292,7 @@
               <a:buChar char="•"/>
               <a:defRPr/>
             </a:lvl2pPr>
-            <a:lvl3pPr indent="-342900" lvl="2" marL="1371600" algn="l">
+            <a:lvl3pPr marL="1371600" lvl="2" indent="-342900" algn="l">
               <a:lnSpc>
                 <a:spcPct val="90000"/>
               </a:lnSpc>
@@ -6152,7 +6309,7 @@
               <a:buChar char="•"/>
               <a:defRPr/>
             </a:lvl3pPr>
-            <a:lvl4pPr indent="-342900" lvl="3" marL="1828800" algn="l">
+            <a:lvl4pPr marL="1828800" lvl="3" indent="-342900" algn="l">
               <a:lnSpc>
                 <a:spcPct val="90000"/>
               </a:lnSpc>
@@ -6169,7 +6326,7 @@
               <a:buChar char="•"/>
               <a:defRPr/>
             </a:lvl4pPr>
-            <a:lvl5pPr indent="-342900" lvl="4" marL="2286000" algn="l">
+            <a:lvl5pPr marL="2286000" lvl="4" indent="-342900" algn="l">
               <a:lnSpc>
                 <a:spcPct val="90000"/>
               </a:lnSpc>
@@ -6186,7 +6343,7 @@
               <a:buChar char="•"/>
               <a:defRPr/>
             </a:lvl5pPr>
-            <a:lvl6pPr indent="-342900" lvl="5" marL="2743200" algn="l">
+            <a:lvl6pPr marL="2743200" lvl="5" indent="-342900" algn="l">
               <a:lnSpc>
                 <a:spcPct val="90000"/>
               </a:lnSpc>
@@ -6203,7 +6360,7 @@
               <a:buChar char="•"/>
               <a:defRPr/>
             </a:lvl6pPr>
-            <a:lvl7pPr indent="-342900" lvl="6" marL="3200400" algn="l">
+            <a:lvl7pPr marL="3200400" lvl="6" indent="-342900" algn="l">
               <a:lnSpc>
                 <a:spcPct val="90000"/>
               </a:lnSpc>
@@ -6220,7 +6377,7 @@
               <a:buChar char="•"/>
               <a:defRPr/>
             </a:lvl7pPr>
-            <a:lvl8pPr indent="-342900" lvl="7" marL="3657600" algn="l">
+            <a:lvl8pPr marL="3657600" lvl="7" indent="-342900" algn="l">
               <a:lnSpc>
                 <a:spcPct val="90000"/>
               </a:lnSpc>
@@ -6237,7 +6394,7 @@
               <a:buChar char="•"/>
               <a:defRPr/>
             </a:lvl8pPr>
-            <a:lvl9pPr indent="-342900" lvl="8" marL="4114800" algn="l">
+            <a:lvl9pPr marL="4114800" lvl="8" indent="-342900" algn="l">
               <a:lnSpc>
                 <a:spcPct val="90000"/>
               </a:lnSpc>
@@ -6255,15 +6412,19 @@
               <a:defRPr/>
             </a:lvl9pPr>
           </a:lstStyle>
-          <a:p/>
+          <a:p>
+            <a:endParaRPr/>
+          </a:p>
         </p:txBody>
       </p:sp>
       <p:sp>
         <p:nvSpPr>
           <p:cNvPr id="44" name="Google Shape;44;p9"/>
-          <p:cNvSpPr txBox="1"/>
+          <p:cNvSpPr txBox="1">
+            <a:spLocks noGrp="1"/>
+          </p:cNvSpPr>
           <p:nvPr>
-            <p:ph idx="3" type="body"/>
+            <p:ph type="body" idx="3"/>
           </p:nvPr>
         </p:nvSpPr>
         <p:spPr>
@@ -6280,11 +6441,11 @@
           </a:ln>
         </p:spPr>
         <p:txBody>
-          <a:bodyPr anchorCtr="0" anchor="b" bIns="45700" lIns="91425" spcFirstLastPara="1" rIns="91425" wrap="square" tIns="45700">
+          <a:bodyPr spcFirstLastPara="1" wrap="square" lIns="91425" tIns="45700" rIns="91425" bIns="45700" anchor="b" anchorCtr="0">
             <a:normAutofit/>
           </a:bodyPr>
           <a:lstStyle>
-            <a:lvl1pPr indent="-228600" lvl="0" marL="457200" algn="l">
+            <a:lvl1pPr marL="457200" lvl="0" indent="-228600" algn="l">
               <a:lnSpc>
                 <a:spcPct val="90000"/>
               </a:lnSpc>
@@ -6299,9 +6460,9 @@
               </a:buClr>
               <a:buSzPts val="2400"/>
               <a:buNone/>
-              <a:defRPr b="1" sz="2400"/>
+              <a:defRPr sz="2400" b="1"/>
             </a:lvl1pPr>
-            <a:lvl2pPr indent="-228600" lvl="1" marL="914400" algn="l">
+            <a:lvl2pPr marL="914400" lvl="1" indent="-228600" algn="l">
               <a:lnSpc>
                 <a:spcPct val="90000"/>
               </a:lnSpc>
@@ -6316,9 +6477,9 @@
               </a:buClr>
               <a:buSzPts val="2000"/>
               <a:buNone/>
-              <a:defRPr b="1" sz="2000"/>
+              <a:defRPr sz="2000" b="1"/>
             </a:lvl2pPr>
-            <a:lvl3pPr indent="-228600" lvl="2" marL="1371600" algn="l">
+            <a:lvl3pPr marL="1371600" lvl="2" indent="-228600" algn="l">
               <a:lnSpc>
                 <a:spcPct val="90000"/>
               </a:lnSpc>
@@ -6333,9 +6494,9 @@
               </a:buClr>
               <a:buSzPts val="1800"/>
               <a:buNone/>
-              <a:defRPr b="1" sz="1800"/>
+              <a:defRPr sz="1800" b="1"/>
             </a:lvl3pPr>
-            <a:lvl4pPr indent="-228600" lvl="3" marL="1828800" algn="l">
+            <a:lvl4pPr marL="1828800" lvl="3" indent="-228600" algn="l">
               <a:lnSpc>
                 <a:spcPct val="90000"/>
               </a:lnSpc>
@@ -6350,9 +6511,9 @@
               </a:buClr>
               <a:buSzPts val="1600"/>
               <a:buNone/>
-              <a:defRPr b="1" sz="1600"/>
+              <a:defRPr sz="1600" b="1"/>
             </a:lvl4pPr>
-            <a:lvl5pPr indent="-228600" lvl="4" marL="2286000" algn="l">
+            <a:lvl5pPr marL="2286000" lvl="4" indent="-228600" algn="l">
               <a:lnSpc>
                 <a:spcPct val="90000"/>
               </a:lnSpc>
@@ -6367,9 +6528,9 @@
               </a:buClr>
               <a:buSzPts val="1600"/>
               <a:buNone/>
-              <a:defRPr b="1" sz="1600"/>
+              <a:defRPr sz="1600" b="1"/>
             </a:lvl5pPr>
-            <a:lvl6pPr indent="-228600" lvl="5" marL="2743200" algn="l">
+            <a:lvl6pPr marL="2743200" lvl="5" indent="-228600" algn="l">
               <a:lnSpc>
                 <a:spcPct val="90000"/>
               </a:lnSpc>
@@ -6384,9 +6545,9 @@
               </a:buClr>
               <a:buSzPts val="1600"/>
               <a:buNone/>
-              <a:defRPr b="1" sz="1600"/>
+              <a:defRPr sz="1600" b="1"/>
             </a:lvl6pPr>
-            <a:lvl7pPr indent="-228600" lvl="6" marL="3200400" algn="l">
+            <a:lvl7pPr marL="3200400" lvl="6" indent="-228600" algn="l">
               <a:lnSpc>
                 <a:spcPct val="90000"/>
               </a:lnSpc>
@@ -6401,9 +6562,9 @@
               </a:buClr>
               <a:buSzPts val="1600"/>
               <a:buNone/>
-              <a:defRPr b="1" sz="1600"/>
+              <a:defRPr sz="1600" b="1"/>
             </a:lvl7pPr>
-            <a:lvl8pPr indent="-228600" lvl="7" marL="3657600" algn="l">
+            <a:lvl8pPr marL="3657600" lvl="7" indent="-228600" algn="l">
               <a:lnSpc>
                 <a:spcPct val="90000"/>
               </a:lnSpc>
@@ -6418,9 +6579,9 @@
               </a:buClr>
               <a:buSzPts val="1600"/>
               <a:buNone/>
-              <a:defRPr b="1" sz="1600"/>
+              <a:defRPr sz="1600" b="1"/>
             </a:lvl8pPr>
-            <a:lvl9pPr indent="-228600" lvl="8" marL="4114800" algn="l">
+            <a:lvl9pPr marL="4114800" lvl="8" indent="-228600" algn="l">
               <a:lnSpc>
                 <a:spcPct val="90000"/>
               </a:lnSpc>
@@ -6435,18 +6596,22 @@
               </a:buClr>
               <a:buSzPts val="1600"/>
               <a:buNone/>
-              <a:defRPr b="1" sz="1600"/>
+              <a:defRPr sz="1600" b="1"/>
             </a:lvl9pPr>
           </a:lstStyle>
-          <a:p/>
+          <a:p>
+            <a:endParaRPr/>
+          </a:p>
         </p:txBody>
       </p:sp>
       <p:sp>
         <p:nvSpPr>
           <p:cNvPr id="45" name="Google Shape;45;p9"/>
-          <p:cNvSpPr txBox="1"/>
+          <p:cNvSpPr txBox="1">
+            <a:spLocks noGrp="1"/>
+          </p:cNvSpPr>
           <p:nvPr>
-            <p:ph idx="4" type="body"/>
+            <p:ph type="body" idx="4"/>
           </p:nvPr>
         </p:nvSpPr>
         <p:spPr>
@@ -6463,11 +6628,11 @@
           </a:ln>
         </p:spPr>
         <p:txBody>
-          <a:bodyPr anchorCtr="0" anchor="t" bIns="45700" lIns="91425" spcFirstLastPara="1" rIns="91425" wrap="square" tIns="45700">
+          <a:bodyPr spcFirstLastPara="1" wrap="square" lIns="91425" tIns="45700" rIns="91425" bIns="45700" anchor="t" anchorCtr="0">
             <a:normAutofit/>
           </a:bodyPr>
           <a:lstStyle>
-            <a:lvl1pPr indent="-342900" lvl="0" marL="457200" algn="l">
+            <a:lvl1pPr marL="457200" lvl="0" indent="-342900" algn="l">
               <a:lnSpc>
                 <a:spcPct val="90000"/>
               </a:lnSpc>
@@ -6484,7 +6649,7 @@
               <a:buChar char="•"/>
               <a:defRPr/>
             </a:lvl1pPr>
-            <a:lvl2pPr indent="-342900" lvl="1" marL="914400" algn="l">
+            <a:lvl2pPr marL="914400" lvl="1" indent="-342900" algn="l">
               <a:lnSpc>
                 <a:spcPct val="90000"/>
               </a:lnSpc>
@@ -6501,7 +6666,7 @@
               <a:buChar char="•"/>
               <a:defRPr/>
             </a:lvl2pPr>
-            <a:lvl3pPr indent="-342900" lvl="2" marL="1371600" algn="l">
+            <a:lvl3pPr marL="1371600" lvl="2" indent="-342900" algn="l">
               <a:lnSpc>
                 <a:spcPct val="90000"/>
               </a:lnSpc>
@@ -6518,7 +6683,7 @@
               <a:buChar char="•"/>
               <a:defRPr/>
             </a:lvl3pPr>
-            <a:lvl4pPr indent="-342900" lvl="3" marL="1828800" algn="l">
+            <a:lvl4pPr marL="1828800" lvl="3" indent="-342900" algn="l">
               <a:lnSpc>
                 <a:spcPct val="90000"/>
               </a:lnSpc>
@@ -6535,7 +6700,7 @@
               <a:buChar char="•"/>
               <a:defRPr/>
             </a:lvl4pPr>
-            <a:lvl5pPr indent="-342900" lvl="4" marL="2286000" algn="l">
+            <a:lvl5pPr marL="2286000" lvl="4" indent="-342900" algn="l">
               <a:lnSpc>
                 <a:spcPct val="90000"/>
               </a:lnSpc>
@@ -6552,7 +6717,7 @@
               <a:buChar char="•"/>
               <a:defRPr/>
             </a:lvl5pPr>
-            <a:lvl6pPr indent="-342900" lvl="5" marL="2743200" algn="l">
+            <a:lvl6pPr marL="2743200" lvl="5" indent="-342900" algn="l">
               <a:lnSpc>
                 <a:spcPct val="90000"/>
               </a:lnSpc>
@@ -6569,7 +6734,7 @@
               <a:buChar char="•"/>
               <a:defRPr/>
             </a:lvl6pPr>
-            <a:lvl7pPr indent="-342900" lvl="6" marL="3200400" algn="l">
+            <a:lvl7pPr marL="3200400" lvl="6" indent="-342900" algn="l">
               <a:lnSpc>
                 <a:spcPct val="90000"/>
               </a:lnSpc>
@@ -6586,7 +6751,7 @@
               <a:buChar char="•"/>
               <a:defRPr/>
             </a:lvl7pPr>
-            <a:lvl8pPr indent="-342900" lvl="7" marL="3657600" algn="l">
+            <a:lvl8pPr marL="3657600" lvl="7" indent="-342900" algn="l">
               <a:lnSpc>
                 <a:spcPct val="90000"/>
               </a:lnSpc>
@@ -6603,7 +6768,7 @@
               <a:buChar char="•"/>
               <a:defRPr/>
             </a:lvl8pPr>
-            <a:lvl9pPr indent="-342900" lvl="8" marL="4114800" algn="l">
+            <a:lvl9pPr marL="4114800" lvl="8" indent="-342900" algn="l">
               <a:lnSpc>
                 <a:spcPct val="90000"/>
               </a:lnSpc>
@@ -6621,15 +6786,19 @@
               <a:defRPr/>
             </a:lvl9pPr>
           </a:lstStyle>
-          <a:p/>
+          <a:p>
+            <a:endParaRPr/>
+          </a:p>
         </p:txBody>
       </p:sp>
       <p:sp>
         <p:nvSpPr>
           <p:cNvPr id="46" name="Google Shape;46;p9"/>
-          <p:cNvSpPr txBox="1"/>
+          <p:cNvSpPr txBox="1">
+            <a:spLocks noGrp="1"/>
+          </p:cNvSpPr>
           <p:nvPr>
-            <p:ph idx="10" type="dt"/>
+            <p:ph type="dt" idx="10"/>
           </p:nvPr>
         </p:nvSpPr>
         <p:spPr>
@@ -6646,7 +6815,7 @@
           </a:ln>
         </p:spPr>
         <p:txBody>
-          <a:bodyPr anchorCtr="0" anchor="ctr" bIns="45700" lIns="91425" spcFirstLastPara="1" rIns="91425" wrap="square" tIns="45700">
+          <a:bodyPr spcFirstLastPara="1" wrap="square" lIns="91425" tIns="45700" rIns="91425" bIns="45700" anchor="ctr" anchorCtr="0">
             <a:noAutofit/>
           </a:bodyPr>
           <a:lstStyle>
@@ -6750,15 +6919,19 @@
               <a:defRPr/>
             </a:lvl9pPr>
           </a:lstStyle>
-          <a:p/>
+          <a:p>
+            <a:endParaRPr/>
+          </a:p>
         </p:txBody>
       </p:sp>
       <p:sp>
         <p:nvSpPr>
           <p:cNvPr id="47" name="Google Shape;47;p9"/>
-          <p:cNvSpPr txBox="1"/>
+          <p:cNvSpPr txBox="1">
+            <a:spLocks noGrp="1"/>
+          </p:cNvSpPr>
           <p:nvPr>
-            <p:ph idx="11" type="ftr"/>
+            <p:ph type="ftr" idx="11"/>
           </p:nvPr>
         </p:nvSpPr>
         <p:spPr>
@@ -6775,7 +6948,7 @@
           </a:ln>
         </p:spPr>
         <p:txBody>
-          <a:bodyPr anchorCtr="0" anchor="ctr" bIns="45700" lIns="91425" spcFirstLastPara="1" rIns="91425" wrap="square" tIns="45700">
+          <a:bodyPr spcFirstLastPara="1" wrap="square" lIns="91425" tIns="45700" rIns="91425" bIns="45700" anchor="ctr" anchorCtr="0">
             <a:noAutofit/>
           </a:bodyPr>
           <a:lstStyle>
@@ -6879,15 +7052,19 @@
               <a:defRPr/>
             </a:lvl9pPr>
           </a:lstStyle>
-          <a:p/>
+          <a:p>
+            <a:endParaRPr/>
+          </a:p>
         </p:txBody>
       </p:sp>
       <p:sp>
         <p:nvSpPr>
           <p:cNvPr id="48" name="Google Shape;48;p9"/>
-          <p:cNvSpPr txBox="1"/>
+          <p:cNvSpPr txBox="1">
+            <a:spLocks noGrp="1"/>
+          </p:cNvSpPr>
           <p:nvPr>
-            <p:ph idx="12" type="sldNum"/>
+            <p:ph type="sldNum" idx="12"/>
           </p:nvPr>
         </p:nvSpPr>
         <p:spPr>
@@ -6904,67 +7081,67 @@
           </a:ln>
         </p:spPr>
         <p:txBody>
-          <a:bodyPr anchorCtr="0" anchor="ctr" bIns="45700" lIns="91425" spcFirstLastPara="1" rIns="91425" wrap="square" tIns="45700">
+          <a:bodyPr spcFirstLastPara="1" wrap="square" lIns="91425" tIns="45700" rIns="91425" bIns="45700" anchor="ctr" anchorCtr="0">
             <a:noAutofit/>
           </a:bodyPr>
           <a:lstStyle>
-            <a:lvl1pPr indent="0" lvl="0" marL="0" algn="r">
+            <a:lvl1pPr marL="0" lvl="0" indent="0" algn="r">
               <a:spcBef>
                 <a:spcPts val="0"/>
               </a:spcBef>
               <a:buNone/>
               <a:defRPr/>
             </a:lvl1pPr>
-            <a:lvl2pPr indent="0" lvl="1" marL="0" algn="r">
+            <a:lvl2pPr marL="0" lvl="1" indent="0" algn="r">
               <a:spcBef>
                 <a:spcPts val="0"/>
               </a:spcBef>
               <a:buNone/>
               <a:defRPr/>
             </a:lvl2pPr>
-            <a:lvl3pPr indent="0" lvl="2" marL="0" algn="r">
+            <a:lvl3pPr marL="0" lvl="2" indent="0" algn="r">
               <a:spcBef>
                 <a:spcPts val="0"/>
               </a:spcBef>
               <a:buNone/>
               <a:defRPr/>
             </a:lvl3pPr>
-            <a:lvl4pPr indent="0" lvl="3" marL="0" algn="r">
+            <a:lvl4pPr marL="0" lvl="3" indent="0" algn="r">
               <a:spcBef>
                 <a:spcPts val="0"/>
               </a:spcBef>
               <a:buNone/>
               <a:defRPr/>
             </a:lvl4pPr>
-            <a:lvl5pPr indent="0" lvl="4" marL="0" algn="r">
+            <a:lvl5pPr marL="0" lvl="4" indent="0" algn="r">
               <a:spcBef>
                 <a:spcPts val="0"/>
               </a:spcBef>
               <a:buNone/>
               <a:defRPr/>
             </a:lvl5pPr>
-            <a:lvl6pPr indent="0" lvl="5" marL="0" algn="r">
+            <a:lvl6pPr marL="0" lvl="5" indent="0" algn="r">
               <a:spcBef>
                 <a:spcPts val="0"/>
               </a:spcBef>
               <a:buNone/>
               <a:defRPr/>
             </a:lvl6pPr>
-            <a:lvl7pPr indent="0" lvl="6" marL="0" algn="r">
+            <a:lvl7pPr marL="0" lvl="6" indent="0" algn="r">
               <a:spcBef>
                 <a:spcPts val="0"/>
               </a:spcBef>
               <a:buNone/>
               <a:defRPr/>
             </a:lvl7pPr>
-            <a:lvl8pPr indent="0" lvl="7" marL="0" algn="r">
+            <a:lvl8pPr marL="0" lvl="7" indent="0" algn="r">
               <a:spcBef>
                 <a:spcPts val="0"/>
               </a:spcBef>
               <a:buNone/>
               <a:defRPr/>
             </a:lvl8pPr>
-            <a:lvl9pPr indent="0" lvl="8" marL="0" algn="r">
+            <a:lvl9pPr marL="0" lvl="8" indent="0" algn="r">
               <a:spcBef>
                 <a:spcPts val="0"/>
               </a:spcBef>
@@ -6973,7 +7150,7 @@
             </a:lvl9pPr>
           </a:lstStyle>
           <a:p>
-            <a:pPr indent="0" lvl="0" marL="0" rtl="0" algn="r">
+            <a:pPr marL="0" lvl="0" indent="0" algn="r" rtl="0">
               <a:spcBef>
                 <a:spcPts val="0"/>
               </a:spcBef>
@@ -6999,11 +7176,11 @@
 </file>
 
 <file path=ppt/slideLayouts/slideLayout7.xml><?xml version="1.0" encoding="utf-8"?>
-<p:sldLayout xmlns:a="http://schemas.openxmlformats.org/drawingml/2006/main" xmlns:r="http://schemas.openxmlformats.org/officeDocument/2006/relationships" xmlns:mc="http://schemas.openxmlformats.org/markup-compatibility/2006" xmlns:mv="urn:schemas-microsoft-com:mac:vml" xmlns:p="http://schemas.openxmlformats.org/presentationml/2006/main" xmlns:c="http://schemas.openxmlformats.org/drawingml/2006/chart" xmlns:dgm="http://schemas.openxmlformats.org/drawingml/2006/diagram" xmlns:o="urn:schemas-microsoft-com:office:office" xmlns:v="urn:schemas-microsoft-com:vml" xmlns:pvml="urn:schemas-microsoft-com:office:powerpoint" xmlns:com="http://schemas.openxmlformats.org/drawingml/2006/compatibility" xmlns:p14="http://schemas.microsoft.com/office/powerpoint/2010/main" xmlns:p15="http://schemas.microsoft.com/office/powerpoint/2012/main" xmlns:ahyp="http://schemas.microsoft.com/office/drawing/2018/hyperlinkcolor" matchingName="Title Only" type="titleOnly">
+<p:sldLayout xmlns:a="http://schemas.openxmlformats.org/drawingml/2006/main" xmlns:r="http://schemas.openxmlformats.org/officeDocument/2006/relationships" xmlns:p="http://schemas.openxmlformats.org/presentationml/2006/main" matchingName="Title Only" type="titleOnly">
   <p:cSld name="TITLE_ONLY">
     <p:spTree>
       <p:nvGrpSpPr>
-        <p:cNvPr id="49" name="Shape 49"/>
+        <p:cNvPr id="1" name="Shape 49"/>
         <p:cNvGrpSpPr/>
         <p:nvPr/>
       </p:nvGrpSpPr>
@@ -7018,7 +7195,9 @@
       <p:sp>
         <p:nvSpPr>
           <p:cNvPr id="50" name="Google Shape;50;p10"/>
-          <p:cNvSpPr txBox="1"/>
+          <p:cNvSpPr txBox="1">
+            <a:spLocks noGrp="1"/>
+          </p:cNvSpPr>
           <p:nvPr>
             <p:ph type="title"/>
           </p:nvPr>
@@ -7037,7 +7216,7 @@
           </a:ln>
         </p:spPr>
         <p:txBody>
-          <a:bodyPr anchorCtr="0" anchor="ctr" bIns="45700" lIns="91425" spcFirstLastPara="1" rIns="91425" wrap="square" tIns="45700">
+          <a:bodyPr spcFirstLastPara="1" wrap="square" lIns="91425" tIns="45700" rIns="91425" bIns="45700" anchor="ctr" anchorCtr="0">
             <a:normAutofit/>
           </a:bodyPr>
           <a:lstStyle>
@@ -7147,15 +7326,19 @@
               <a:defRPr/>
             </a:lvl9pPr>
           </a:lstStyle>
-          <a:p/>
+          <a:p>
+            <a:endParaRPr/>
+          </a:p>
         </p:txBody>
       </p:sp>
       <p:sp>
         <p:nvSpPr>
           <p:cNvPr id="51" name="Google Shape;51;p10"/>
-          <p:cNvSpPr txBox="1"/>
+          <p:cNvSpPr txBox="1">
+            <a:spLocks noGrp="1"/>
+          </p:cNvSpPr>
           <p:nvPr>
-            <p:ph idx="10" type="dt"/>
+            <p:ph type="dt" idx="10"/>
           </p:nvPr>
         </p:nvSpPr>
         <p:spPr>
@@ -7172,7 +7355,7 @@
           </a:ln>
         </p:spPr>
         <p:txBody>
-          <a:bodyPr anchorCtr="0" anchor="ctr" bIns="45700" lIns="91425" spcFirstLastPara="1" rIns="91425" wrap="square" tIns="45700">
+          <a:bodyPr spcFirstLastPara="1" wrap="square" lIns="91425" tIns="45700" rIns="91425" bIns="45700" anchor="ctr" anchorCtr="0">
             <a:noAutofit/>
           </a:bodyPr>
           <a:lstStyle>
@@ -7276,15 +7459,19 @@
               <a:defRPr/>
             </a:lvl9pPr>
           </a:lstStyle>
-          <a:p/>
+          <a:p>
+            <a:endParaRPr/>
+          </a:p>
         </p:txBody>
       </p:sp>
       <p:sp>
         <p:nvSpPr>
           <p:cNvPr id="52" name="Google Shape;52;p10"/>
-          <p:cNvSpPr txBox="1"/>
+          <p:cNvSpPr txBox="1">
+            <a:spLocks noGrp="1"/>
+          </p:cNvSpPr>
           <p:nvPr>
-            <p:ph idx="11" type="ftr"/>
+            <p:ph type="ftr" idx="11"/>
           </p:nvPr>
         </p:nvSpPr>
         <p:spPr>
@@ -7301,7 +7488,7 @@
           </a:ln>
         </p:spPr>
         <p:txBody>
-          <a:bodyPr anchorCtr="0" anchor="ctr" bIns="45700" lIns="91425" spcFirstLastPara="1" rIns="91425" wrap="square" tIns="45700">
+          <a:bodyPr spcFirstLastPara="1" wrap="square" lIns="91425" tIns="45700" rIns="91425" bIns="45700" anchor="ctr" anchorCtr="0">
             <a:noAutofit/>
           </a:bodyPr>
           <a:lstStyle>
@@ -7405,15 +7592,19 @@
               <a:defRPr/>
             </a:lvl9pPr>
           </a:lstStyle>
-          <a:p/>
+          <a:p>
+            <a:endParaRPr/>
+          </a:p>
         </p:txBody>
       </p:sp>
       <p:sp>
         <p:nvSpPr>
           <p:cNvPr id="53" name="Google Shape;53;p10"/>
-          <p:cNvSpPr txBox="1"/>
+          <p:cNvSpPr txBox="1">
+            <a:spLocks noGrp="1"/>
+          </p:cNvSpPr>
           <p:nvPr>
-            <p:ph idx="12" type="sldNum"/>
+            <p:ph type="sldNum" idx="12"/>
           </p:nvPr>
         </p:nvSpPr>
         <p:spPr>
@@ -7430,67 +7621,67 @@
           </a:ln>
         </p:spPr>
         <p:txBody>
-          <a:bodyPr anchorCtr="0" anchor="ctr" bIns="45700" lIns="91425" spcFirstLastPara="1" rIns="91425" wrap="square" tIns="45700">
+          <a:bodyPr spcFirstLastPara="1" wrap="square" lIns="91425" tIns="45700" rIns="91425" bIns="45700" anchor="ctr" anchorCtr="0">
             <a:noAutofit/>
           </a:bodyPr>
           <a:lstStyle>
-            <a:lvl1pPr indent="0" lvl="0" marL="0" algn="r">
+            <a:lvl1pPr marL="0" lvl="0" indent="0" algn="r">
               <a:spcBef>
                 <a:spcPts val="0"/>
               </a:spcBef>
               <a:buNone/>
               <a:defRPr/>
             </a:lvl1pPr>
-            <a:lvl2pPr indent="0" lvl="1" marL="0" algn="r">
+            <a:lvl2pPr marL="0" lvl="1" indent="0" algn="r">
               <a:spcBef>
                 <a:spcPts val="0"/>
               </a:spcBef>
               <a:buNone/>
               <a:defRPr/>
             </a:lvl2pPr>
-            <a:lvl3pPr indent="0" lvl="2" marL="0" algn="r">
+            <a:lvl3pPr marL="0" lvl="2" indent="0" algn="r">
               <a:spcBef>
                 <a:spcPts val="0"/>
               </a:spcBef>
               <a:buNone/>
               <a:defRPr/>
             </a:lvl3pPr>
-            <a:lvl4pPr indent="0" lvl="3" marL="0" algn="r">
+            <a:lvl4pPr marL="0" lvl="3" indent="0" algn="r">
               <a:spcBef>
                 <a:spcPts val="0"/>
               </a:spcBef>
               <a:buNone/>
               <a:defRPr/>
             </a:lvl4pPr>
-            <a:lvl5pPr indent="0" lvl="4" marL="0" algn="r">
+            <a:lvl5pPr marL="0" lvl="4" indent="0" algn="r">
               <a:spcBef>
                 <a:spcPts val="0"/>
               </a:spcBef>
               <a:buNone/>
               <a:defRPr/>
             </a:lvl5pPr>
-            <a:lvl6pPr indent="0" lvl="5" marL="0" algn="r">
+            <a:lvl6pPr marL="0" lvl="5" indent="0" algn="r">
               <a:spcBef>
                 <a:spcPts val="0"/>
               </a:spcBef>
               <a:buNone/>
               <a:defRPr/>
             </a:lvl6pPr>
-            <a:lvl7pPr indent="0" lvl="6" marL="0" algn="r">
+            <a:lvl7pPr marL="0" lvl="6" indent="0" algn="r">
               <a:spcBef>
                 <a:spcPts val="0"/>
               </a:spcBef>
               <a:buNone/>
               <a:defRPr/>
             </a:lvl7pPr>
-            <a:lvl8pPr indent="0" lvl="7" marL="0" algn="r">
+            <a:lvl8pPr marL="0" lvl="7" indent="0" algn="r">
               <a:spcBef>
                 <a:spcPts val="0"/>
               </a:spcBef>
               <a:buNone/>
               <a:defRPr/>
             </a:lvl8pPr>
-            <a:lvl9pPr indent="0" lvl="8" marL="0" algn="r">
+            <a:lvl9pPr marL="0" lvl="8" indent="0" algn="r">
               <a:spcBef>
                 <a:spcPts val="0"/>
               </a:spcBef>
@@ -7499,7 +7690,7 @@
             </a:lvl9pPr>
           </a:lstStyle>
           <a:p>
-            <a:pPr indent="0" lvl="0" marL="0" rtl="0" algn="r">
+            <a:pPr marL="0" lvl="0" indent="0" algn="r" rtl="0">
               <a:spcBef>
                 <a:spcPts val="0"/>
               </a:spcBef>
@@ -7525,11 +7716,11 @@
 </file>
 
 <file path=ppt/slideLayouts/slideLayout8.xml><?xml version="1.0" encoding="utf-8"?>
-<p:sldLayout xmlns:a="http://schemas.openxmlformats.org/drawingml/2006/main" xmlns:r="http://schemas.openxmlformats.org/officeDocument/2006/relationships" xmlns:mc="http://schemas.openxmlformats.org/markup-compatibility/2006" xmlns:mv="urn:schemas-microsoft-com:mac:vml" xmlns:p="http://schemas.openxmlformats.org/presentationml/2006/main" xmlns:c="http://schemas.openxmlformats.org/drawingml/2006/chart" xmlns:dgm="http://schemas.openxmlformats.org/drawingml/2006/diagram" xmlns:o="urn:schemas-microsoft-com:office:office" xmlns:v="urn:schemas-microsoft-com:vml" xmlns:pvml="urn:schemas-microsoft-com:office:powerpoint" xmlns:com="http://schemas.openxmlformats.org/drawingml/2006/compatibility" xmlns:p14="http://schemas.microsoft.com/office/powerpoint/2010/main" xmlns:p15="http://schemas.microsoft.com/office/powerpoint/2012/main" xmlns:ahyp="http://schemas.microsoft.com/office/drawing/2018/hyperlinkcolor" matchingName="Content with Caption" type="objTx">
+<p:sldLayout xmlns:a="http://schemas.openxmlformats.org/drawingml/2006/main" xmlns:r="http://schemas.openxmlformats.org/officeDocument/2006/relationships" xmlns:p="http://schemas.openxmlformats.org/presentationml/2006/main" matchingName="Content with Caption" type="objTx">
   <p:cSld name="OBJECT_WITH_CAPTION_TEXT">
     <p:spTree>
       <p:nvGrpSpPr>
-        <p:cNvPr id="54" name="Shape 54"/>
+        <p:cNvPr id="1" name="Shape 54"/>
         <p:cNvGrpSpPr/>
         <p:nvPr/>
       </p:nvGrpSpPr>
@@ -7544,7 +7735,9 @@
       <p:sp>
         <p:nvSpPr>
           <p:cNvPr id="55" name="Google Shape;55;p11"/>
-          <p:cNvSpPr txBox="1"/>
+          <p:cNvSpPr txBox="1">
+            <a:spLocks noGrp="1"/>
+          </p:cNvSpPr>
           <p:nvPr>
             <p:ph type="title"/>
           </p:nvPr>
@@ -7563,7 +7756,7 @@
           </a:ln>
         </p:spPr>
         <p:txBody>
-          <a:bodyPr anchorCtr="0" anchor="b" bIns="45700" lIns="91425" spcFirstLastPara="1" rIns="91425" wrap="square" tIns="45700">
+          <a:bodyPr spcFirstLastPara="1" wrap="square" lIns="91425" tIns="45700" rIns="91425" bIns="45700" anchor="b" anchorCtr="0">
             <a:normAutofit/>
           </a:bodyPr>
           <a:lstStyle>
@@ -7674,15 +7867,19 @@
               <a:defRPr/>
             </a:lvl9pPr>
           </a:lstStyle>
-          <a:p/>
+          <a:p>
+            <a:endParaRPr/>
+          </a:p>
         </p:txBody>
       </p:sp>
       <p:sp>
         <p:nvSpPr>
           <p:cNvPr id="56" name="Google Shape;56;p11"/>
-          <p:cNvSpPr txBox="1"/>
+          <p:cNvSpPr txBox="1">
+            <a:spLocks noGrp="1"/>
+          </p:cNvSpPr>
           <p:nvPr>
-            <p:ph idx="1" type="body"/>
+            <p:ph type="body" idx="1"/>
           </p:nvPr>
         </p:nvSpPr>
         <p:spPr>
@@ -7699,11 +7896,11 @@
           </a:ln>
         </p:spPr>
         <p:txBody>
-          <a:bodyPr anchorCtr="0" anchor="t" bIns="45700" lIns="91425" spcFirstLastPara="1" rIns="91425" wrap="square" tIns="45700">
+          <a:bodyPr spcFirstLastPara="1" wrap="square" lIns="91425" tIns="45700" rIns="91425" bIns="45700" anchor="t" anchorCtr="0">
             <a:normAutofit/>
           </a:bodyPr>
           <a:lstStyle>
-            <a:lvl1pPr indent="-431800" lvl="0" marL="457200" algn="l">
+            <a:lvl1pPr marL="457200" lvl="0" indent="-431800" algn="l">
               <a:lnSpc>
                 <a:spcPct val="90000"/>
               </a:lnSpc>
@@ -7720,7 +7917,7 @@
               <a:buChar char="•"/>
               <a:defRPr sz="3200"/>
             </a:lvl1pPr>
-            <a:lvl2pPr indent="-406400" lvl="1" marL="914400" algn="l">
+            <a:lvl2pPr marL="914400" lvl="1" indent="-406400" algn="l">
               <a:lnSpc>
                 <a:spcPct val="90000"/>
               </a:lnSpc>
@@ -7737,7 +7934,7 @@
               <a:buChar char="•"/>
               <a:defRPr sz="2800"/>
             </a:lvl2pPr>
-            <a:lvl3pPr indent="-381000" lvl="2" marL="1371600" algn="l">
+            <a:lvl3pPr marL="1371600" lvl="2" indent="-381000" algn="l">
               <a:lnSpc>
                 <a:spcPct val="90000"/>
               </a:lnSpc>
@@ -7754,7 +7951,7 @@
               <a:buChar char="•"/>
               <a:defRPr sz="2400"/>
             </a:lvl3pPr>
-            <a:lvl4pPr indent="-355600" lvl="3" marL="1828800" algn="l">
+            <a:lvl4pPr marL="1828800" lvl="3" indent="-355600" algn="l">
               <a:lnSpc>
                 <a:spcPct val="90000"/>
               </a:lnSpc>
@@ -7771,7 +7968,7 @@
               <a:buChar char="•"/>
               <a:defRPr sz="2000"/>
             </a:lvl4pPr>
-            <a:lvl5pPr indent="-355600" lvl="4" marL="2286000" algn="l">
+            <a:lvl5pPr marL="2286000" lvl="4" indent="-355600" algn="l">
               <a:lnSpc>
                 <a:spcPct val="90000"/>
               </a:lnSpc>
@@ -7788,7 +7985,7 @@
               <a:buChar char="•"/>
               <a:defRPr sz="2000"/>
             </a:lvl5pPr>
-            <a:lvl6pPr indent="-355600" lvl="5" marL="2743200" algn="l">
+            <a:lvl6pPr marL="2743200" lvl="5" indent="-355600" algn="l">
               <a:lnSpc>
                 <a:spcPct val="90000"/>
               </a:lnSpc>
@@ -7805,7 +8002,7 @@
               <a:buChar char="•"/>
               <a:defRPr sz="2000"/>
             </a:lvl6pPr>
-            <a:lvl7pPr indent="-355600" lvl="6" marL="3200400" algn="l">
+            <a:lvl7pPr marL="3200400" lvl="6" indent="-355600" algn="l">
               <a:lnSpc>
                 <a:spcPct val="90000"/>
               </a:lnSpc>
@@ -7822,7 +8019,7 @@
               <a:buChar char="•"/>
               <a:defRPr sz="2000"/>
             </a:lvl7pPr>
-            <a:lvl8pPr indent="-355600" lvl="7" marL="3657600" algn="l">
+            <a:lvl8pPr marL="3657600" lvl="7" indent="-355600" algn="l">
               <a:lnSpc>
                 <a:spcPct val="90000"/>
               </a:lnSpc>
@@ -7839,7 +8036,7 @@
               <a:buChar char="•"/>
               <a:defRPr sz="2000"/>
             </a:lvl8pPr>
-            <a:lvl9pPr indent="-355600" lvl="8" marL="4114800" algn="l">
+            <a:lvl9pPr marL="4114800" lvl="8" indent="-355600" algn="l">
               <a:lnSpc>
                 <a:spcPct val="90000"/>
               </a:lnSpc>
@@ -7857,15 +8054,19 @@
               <a:defRPr sz="2000"/>
             </a:lvl9pPr>
           </a:lstStyle>
-          <a:p/>
+          <a:p>
+            <a:endParaRPr/>
+          </a:p>
         </p:txBody>
       </p:sp>
       <p:sp>
         <p:nvSpPr>
           <p:cNvPr id="57" name="Google Shape;57;p11"/>
-          <p:cNvSpPr txBox="1"/>
+          <p:cNvSpPr txBox="1">
+            <a:spLocks noGrp="1"/>
+          </p:cNvSpPr>
           <p:nvPr>
-            <p:ph idx="2" type="body"/>
+            <p:ph type="body" idx="2"/>
           </p:nvPr>
         </p:nvSpPr>
         <p:spPr>
@@ -7882,11 +8083,11 @@
           </a:ln>
         </p:spPr>
         <p:txBody>
-          <a:bodyPr anchorCtr="0" anchor="t" bIns="45700" lIns="91425" spcFirstLastPara="1" rIns="91425" wrap="square" tIns="45700">
+          <a:bodyPr spcFirstLastPara="1" wrap="square" lIns="91425" tIns="45700" rIns="91425" bIns="45700" anchor="t" anchorCtr="0">
             <a:normAutofit/>
           </a:bodyPr>
           <a:lstStyle>
-            <a:lvl1pPr indent="-228600" lvl="0" marL="457200" algn="l">
+            <a:lvl1pPr marL="457200" lvl="0" indent="-228600" algn="l">
               <a:lnSpc>
                 <a:spcPct val="90000"/>
               </a:lnSpc>
@@ -7903,7 +8104,7 @@
               <a:buNone/>
               <a:defRPr sz="1600"/>
             </a:lvl1pPr>
-            <a:lvl2pPr indent="-228600" lvl="1" marL="914400" algn="l">
+            <a:lvl2pPr marL="914400" lvl="1" indent="-228600" algn="l">
               <a:lnSpc>
                 <a:spcPct val="90000"/>
               </a:lnSpc>
@@ -7920,7 +8121,7 @@
               <a:buNone/>
               <a:defRPr sz="1400"/>
             </a:lvl2pPr>
-            <a:lvl3pPr indent="-228600" lvl="2" marL="1371600" algn="l">
+            <a:lvl3pPr marL="1371600" lvl="2" indent="-228600" algn="l">
               <a:lnSpc>
                 <a:spcPct val="90000"/>
               </a:lnSpc>
@@ -7937,7 +8138,7 @@
               <a:buNone/>
               <a:defRPr sz="1200"/>
             </a:lvl3pPr>
-            <a:lvl4pPr indent="-228600" lvl="3" marL="1828800" algn="l">
+            <a:lvl4pPr marL="1828800" lvl="3" indent="-228600" algn="l">
               <a:lnSpc>
                 <a:spcPct val="90000"/>
               </a:lnSpc>
@@ -7954,7 +8155,7 @@
               <a:buNone/>
               <a:defRPr sz="1000"/>
             </a:lvl4pPr>
-            <a:lvl5pPr indent="-228600" lvl="4" marL="2286000" algn="l">
+            <a:lvl5pPr marL="2286000" lvl="4" indent="-228600" algn="l">
               <a:lnSpc>
                 <a:spcPct val="90000"/>
               </a:lnSpc>
@@ -7971,7 +8172,7 @@
               <a:buNone/>
               <a:defRPr sz="1000"/>
             </a:lvl5pPr>
-            <a:lvl6pPr indent="-228600" lvl="5" marL="2743200" algn="l">
+            <a:lvl6pPr marL="2743200" lvl="5" indent="-228600" algn="l">
               <a:lnSpc>
                 <a:spcPct val="90000"/>
               </a:lnSpc>
@@ -7988,7 +8189,7 @@
               <a:buNone/>
               <a:defRPr sz="1000"/>
             </a:lvl6pPr>
-            <a:lvl7pPr indent="-228600" lvl="6" marL="3200400" algn="l">
+            <a:lvl7pPr marL="3200400" lvl="6" indent="-228600" algn="l">
               <a:lnSpc>
                 <a:spcPct val="90000"/>
               </a:lnSpc>
@@ -8005,7 +8206,7 @@
               <a:buNone/>
               <a:defRPr sz="1000"/>
             </a:lvl7pPr>
-            <a:lvl8pPr indent="-228600" lvl="7" marL="3657600" algn="l">
+            <a:lvl8pPr marL="3657600" lvl="7" indent="-228600" algn="l">
               <a:lnSpc>
                 <a:spcPct val="90000"/>
               </a:lnSpc>
@@ -8022,7 +8223,7 @@
               <a:buNone/>
               <a:defRPr sz="1000"/>
             </a:lvl8pPr>
-            <a:lvl9pPr indent="-228600" lvl="8" marL="4114800" algn="l">
+            <a:lvl9pPr marL="4114800" lvl="8" indent="-228600" algn="l">
               <a:lnSpc>
                 <a:spcPct val="90000"/>
               </a:lnSpc>
@@ -8040,15 +8241,19 @@
               <a:defRPr sz="1000"/>
             </a:lvl9pPr>
           </a:lstStyle>
-          <a:p/>
+          <a:p>
+            <a:endParaRPr/>
+          </a:p>
         </p:txBody>
       </p:sp>
       <p:sp>
         <p:nvSpPr>
           <p:cNvPr id="58" name="Google Shape;58;p11"/>
-          <p:cNvSpPr txBox="1"/>
+          <p:cNvSpPr txBox="1">
+            <a:spLocks noGrp="1"/>
+          </p:cNvSpPr>
           <p:nvPr>
-            <p:ph idx="10" type="dt"/>
+            <p:ph type="dt" idx="10"/>
           </p:nvPr>
         </p:nvSpPr>
         <p:spPr>
@@ -8065,7 +8270,7 @@
           </a:ln>
         </p:spPr>
         <p:txBody>
-          <a:bodyPr anchorCtr="0" anchor="ctr" bIns="45700" lIns="91425" spcFirstLastPara="1" rIns="91425" wrap="square" tIns="45700">
+          <a:bodyPr spcFirstLastPara="1" wrap="square" lIns="91425" tIns="45700" rIns="91425" bIns="45700" anchor="ctr" anchorCtr="0">
             <a:noAutofit/>
           </a:bodyPr>
           <a:lstStyle>
@@ -8169,15 +8374,19 @@
               <a:defRPr/>
             </a:lvl9pPr>
           </a:lstStyle>
-          <a:p/>
+          <a:p>
+            <a:endParaRPr/>
+          </a:p>
         </p:txBody>
       </p:sp>
       <p:sp>
         <p:nvSpPr>
           <p:cNvPr id="59" name="Google Shape;59;p11"/>
-          <p:cNvSpPr txBox="1"/>
+          <p:cNvSpPr txBox="1">
+            <a:spLocks noGrp="1"/>
+          </p:cNvSpPr>
           <p:nvPr>
-            <p:ph idx="11" type="ftr"/>
+            <p:ph type="ftr" idx="11"/>
           </p:nvPr>
         </p:nvSpPr>
         <p:spPr>
@@ -8194,7 +8403,7 @@
           </a:ln>
         </p:spPr>
         <p:txBody>
-          <a:bodyPr anchorCtr="0" anchor="ctr" bIns="45700" lIns="91425" spcFirstLastPara="1" rIns="91425" wrap="square" tIns="45700">
+          <a:bodyPr spcFirstLastPara="1" wrap="square" lIns="91425" tIns="45700" rIns="91425" bIns="45700" anchor="ctr" anchorCtr="0">
             <a:noAutofit/>
           </a:bodyPr>
           <a:lstStyle>
@@ -8298,15 +8507,19 @@
               <a:defRPr/>
             </a:lvl9pPr>
           </a:lstStyle>
-          <a:p/>
+          <a:p>
+            <a:endParaRPr/>
+          </a:p>
         </p:txBody>
       </p:sp>
       <p:sp>
         <p:nvSpPr>
           <p:cNvPr id="60" name="Google Shape;60;p11"/>
-          <p:cNvSpPr txBox="1"/>
+          <p:cNvSpPr txBox="1">
+            <a:spLocks noGrp="1"/>
+          </p:cNvSpPr>
           <p:nvPr>
-            <p:ph idx="12" type="sldNum"/>
+            <p:ph type="sldNum" idx="12"/>
           </p:nvPr>
         </p:nvSpPr>
         <p:spPr>
@@ -8323,67 +8536,67 @@
           </a:ln>
         </p:spPr>
         <p:txBody>
-          <a:bodyPr anchorCtr="0" anchor="ctr" bIns="45700" lIns="91425" spcFirstLastPara="1" rIns="91425" wrap="square" tIns="45700">
+          <a:bodyPr spcFirstLastPara="1" wrap="square" lIns="91425" tIns="45700" rIns="91425" bIns="45700" anchor="ctr" anchorCtr="0">
             <a:noAutofit/>
           </a:bodyPr>
           <a:lstStyle>
-            <a:lvl1pPr indent="0" lvl="0" marL="0" algn="r">
+            <a:lvl1pPr marL="0" lvl="0" indent="0" algn="r">
               <a:spcBef>
                 <a:spcPts val="0"/>
               </a:spcBef>
               <a:buNone/>
               <a:defRPr/>
             </a:lvl1pPr>
-            <a:lvl2pPr indent="0" lvl="1" marL="0" algn="r">
+            <a:lvl2pPr marL="0" lvl="1" indent="0" algn="r">
               <a:spcBef>
                 <a:spcPts val="0"/>
               </a:spcBef>
               <a:buNone/>
               <a:defRPr/>
             </a:lvl2pPr>
-            <a:lvl3pPr indent="0" lvl="2" marL="0" algn="r">
+            <a:lvl3pPr marL="0" lvl="2" indent="0" algn="r">
               <a:spcBef>
                 <a:spcPts val="0"/>
               </a:spcBef>
               <a:buNone/>
               <a:defRPr/>
             </a:lvl3pPr>
-            <a:lvl4pPr indent="0" lvl="3" marL="0" algn="r">
+            <a:lvl4pPr marL="0" lvl="3" indent="0" algn="r">
               <a:spcBef>
                 <a:spcPts val="0"/>
               </a:spcBef>
               <a:buNone/>
               <a:defRPr/>
             </a:lvl4pPr>
-            <a:lvl5pPr indent="0" lvl="4" marL="0" algn="r">
+            <a:lvl5pPr marL="0" lvl="4" indent="0" algn="r">
               <a:spcBef>
                 <a:spcPts val="0"/>
               </a:spcBef>
               <a:buNone/>
               <a:defRPr/>
             </a:lvl5pPr>
-            <a:lvl6pPr indent="0" lvl="5" marL="0" algn="r">
+            <a:lvl6pPr marL="0" lvl="5" indent="0" algn="r">
               <a:spcBef>
                 <a:spcPts val="0"/>
               </a:spcBef>
               <a:buNone/>
               <a:defRPr/>
             </a:lvl6pPr>
-            <a:lvl7pPr indent="0" lvl="6" marL="0" algn="r">
+            <a:lvl7pPr marL="0" lvl="6" indent="0" algn="r">
               <a:spcBef>
                 <a:spcPts val="0"/>
               </a:spcBef>
               <a:buNone/>
               <a:defRPr/>
             </a:lvl7pPr>
-            <a:lvl8pPr indent="0" lvl="7" marL="0" algn="r">
+            <a:lvl8pPr marL="0" lvl="7" indent="0" algn="r">
               <a:spcBef>
                 <a:spcPts val="0"/>
               </a:spcBef>
               <a:buNone/>
               <a:defRPr/>
             </a:lvl8pPr>
-            <a:lvl9pPr indent="0" lvl="8" marL="0" algn="r">
+            <a:lvl9pPr marL="0" lvl="8" indent="0" algn="r">
               <a:spcBef>
                 <a:spcPts val="0"/>
               </a:spcBef>
@@ -8392,7 +8605,7 @@
             </a:lvl9pPr>
           </a:lstStyle>
           <a:p>
-            <a:pPr indent="0" lvl="0" marL="0" rtl="0" algn="r">
+            <a:pPr marL="0" lvl="0" indent="0" algn="r" rtl="0">
               <a:spcBef>
                 <a:spcPts val="0"/>
               </a:spcBef>
@@ -8418,11 +8631,11 @@
 </file>
 
 <file path=ppt/slideLayouts/slideLayout9.xml><?xml version="1.0" encoding="utf-8"?>
-<p:sldLayout xmlns:a="http://schemas.openxmlformats.org/drawingml/2006/main" xmlns:r="http://schemas.openxmlformats.org/officeDocument/2006/relationships" xmlns:mc="http://schemas.openxmlformats.org/markup-compatibility/2006" xmlns:mv="urn:schemas-microsoft-com:mac:vml" xmlns:p="http://schemas.openxmlformats.org/presentationml/2006/main" xmlns:c="http://schemas.openxmlformats.org/drawingml/2006/chart" xmlns:dgm="http://schemas.openxmlformats.org/drawingml/2006/diagram" xmlns:o="urn:schemas-microsoft-com:office:office" xmlns:v="urn:schemas-microsoft-com:vml" xmlns:pvml="urn:schemas-microsoft-com:office:powerpoint" xmlns:com="http://schemas.openxmlformats.org/drawingml/2006/compatibility" xmlns:p14="http://schemas.microsoft.com/office/powerpoint/2010/main" xmlns:p15="http://schemas.microsoft.com/office/powerpoint/2012/main" xmlns:ahyp="http://schemas.microsoft.com/office/drawing/2018/hyperlinkcolor" matchingName="Picture with Caption" type="picTx">
+<p:sldLayout xmlns:a="http://schemas.openxmlformats.org/drawingml/2006/main" xmlns:r="http://schemas.openxmlformats.org/officeDocument/2006/relationships" xmlns:p="http://schemas.openxmlformats.org/presentationml/2006/main" matchingName="Picture with Caption" type="picTx">
   <p:cSld name="PICTURE_WITH_CAPTION_TEXT">
     <p:spTree>
       <p:nvGrpSpPr>
-        <p:cNvPr id="61" name="Shape 61"/>
+        <p:cNvPr id="1" name="Shape 61"/>
         <p:cNvGrpSpPr/>
         <p:nvPr/>
       </p:nvGrpSpPr>
@@ -8437,7 +8650,9 @@
       <p:sp>
         <p:nvSpPr>
           <p:cNvPr id="62" name="Google Shape;62;p12"/>
-          <p:cNvSpPr txBox="1"/>
+          <p:cNvSpPr txBox="1">
+            <a:spLocks noGrp="1"/>
+          </p:cNvSpPr>
           <p:nvPr>
             <p:ph type="title"/>
           </p:nvPr>
@@ -8456,7 +8671,7 @@
           </a:ln>
         </p:spPr>
         <p:txBody>
-          <a:bodyPr anchorCtr="0" anchor="b" bIns="45700" lIns="91425" spcFirstLastPara="1" rIns="91425" wrap="square" tIns="45700">
+          <a:bodyPr spcFirstLastPara="1" wrap="square" lIns="91425" tIns="45700" rIns="91425" bIns="45700" anchor="b" anchorCtr="0">
             <a:normAutofit/>
           </a:bodyPr>
           <a:lstStyle>
@@ -8567,15 +8782,19 @@
               <a:defRPr/>
             </a:lvl9pPr>
           </a:lstStyle>
-          <a:p/>
+          <a:p>
+            <a:endParaRPr/>
+          </a:p>
         </p:txBody>
       </p:sp>
       <p:sp>
         <p:nvSpPr>
           <p:cNvPr id="63" name="Google Shape;63;p12"/>
-          <p:cNvSpPr/>
+          <p:cNvSpPr>
+            <a:spLocks noGrp="1"/>
+          </p:cNvSpPr>
           <p:nvPr>
-            <p:ph idx="2" type="pic"/>
+            <p:ph type="pic" idx="2"/>
           </p:nvPr>
         </p:nvSpPr>
         <p:spPr>
@@ -8595,9 +8814,11 @@
       <p:sp>
         <p:nvSpPr>
           <p:cNvPr id="64" name="Google Shape;64;p12"/>
-          <p:cNvSpPr txBox="1"/>
+          <p:cNvSpPr txBox="1">
+            <a:spLocks noGrp="1"/>
+          </p:cNvSpPr>
           <p:nvPr>
-            <p:ph idx="1" type="body"/>
+            <p:ph type="body" idx="1"/>
           </p:nvPr>
         </p:nvSpPr>
         <p:spPr>
@@ -8614,11 +8835,11 @@
           </a:ln>
         </p:spPr>
         <p:txBody>
-          <a:bodyPr anchorCtr="0" anchor="t" bIns="45700" lIns="91425" spcFirstLastPara="1" rIns="91425" wrap="square" tIns="45700">
+          <a:bodyPr spcFirstLastPara="1" wrap="square" lIns="91425" tIns="45700" rIns="91425" bIns="45700" anchor="t" anchorCtr="0">
             <a:normAutofit/>
           </a:bodyPr>
           <a:lstStyle>
-            <a:lvl1pPr indent="-228600" lvl="0" marL="457200" algn="l">
+            <a:lvl1pPr marL="457200" lvl="0" indent="-228600" algn="l">
               <a:lnSpc>
                 <a:spcPct val="90000"/>
               </a:lnSpc>
@@ -8635,7 +8856,7 @@
               <a:buNone/>
               <a:defRPr sz="1600"/>
             </a:lvl1pPr>
-            <a:lvl2pPr indent="-228600" lvl="1" marL="914400" algn="l">
+            <a:lvl2pPr marL="914400" lvl="1" indent="-228600" algn="l">
               <a:lnSpc>
                 <a:spcPct val="90000"/>
               </a:lnSpc>
@@ -8652,7 +8873,7 @@
               <a:buNone/>
               <a:defRPr sz="1400"/>
             </a:lvl2pPr>
-            <a:lvl3pPr indent="-228600" lvl="2" marL="1371600" algn="l">
+            <a:lvl3pPr marL="1371600" lvl="2" indent="-228600" algn="l">
               <a:lnSpc>
                 <a:spcPct val="90000"/>
               </a:lnSpc>
@@ -8669,7 +8890,7 @@
               <a:buNone/>
               <a:defRPr sz="1200"/>
             </a:lvl3pPr>
-            <a:lvl4pPr indent="-228600" lvl="3" marL="1828800" algn="l">
+            <a:lvl4pPr marL="1828800" lvl="3" indent="-228600" algn="l">
               <a:lnSpc>
                 <a:spcPct val="90000"/>
               </a:lnSpc>
@@ -8686,7 +8907,7 @@
               <a:buNone/>
               <a:defRPr sz="1000"/>
             </a:lvl4pPr>
-            <a:lvl5pPr indent="-228600" lvl="4" marL="2286000" algn="l">
+            <a:lvl5pPr marL="2286000" lvl="4" indent="-228600" algn="l">
               <a:lnSpc>
                 <a:spcPct val="90000"/>
               </a:lnSpc>
@@ -8703,7 +8924,7 @@
               <a:buNone/>
               <a:defRPr sz="1000"/>
             </a:lvl5pPr>
-            <a:lvl6pPr indent="-228600" lvl="5" marL="2743200" algn="l">
+            <a:lvl6pPr marL="2743200" lvl="5" indent="-228600" algn="l">
               <a:lnSpc>
                 <a:spcPct val="90000"/>
               </a:lnSpc>
@@ -8720,7 +8941,7 @@
               <a:buNone/>
               <a:defRPr sz="1000"/>
             </a:lvl6pPr>
-            <a:lvl7pPr indent="-228600" lvl="6" marL="3200400" algn="l">
+            <a:lvl7pPr marL="3200400" lvl="6" indent="-228600" algn="l">
               <a:lnSpc>
                 <a:spcPct val="90000"/>
               </a:lnSpc>
@@ -8737,7 +8958,7 @@
               <a:buNone/>
               <a:defRPr sz="1000"/>
             </a:lvl7pPr>
-            <a:lvl8pPr indent="-228600" lvl="7" marL="3657600" algn="l">
+            <a:lvl8pPr marL="3657600" lvl="7" indent="-228600" algn="l">
               <a:lnSpc>
                 <a:spcPct val="90000"/>
               </a:lnSpc>
@@ -8754,7 +8975,7 @@
               <a:buNone/>
               <a:defRPr sz="1000"/>
             </a:lvl8pPr>
-            <a:lvl9pPr indent="-228600" lvl="8" marL="4114800" algn="l">
+            <a:lvl9pPr marL="4114800" lvl="8" indent="-228600" algn="l">
               <a:lnSpc>
                 <a:spcPct val="90000"/>
               </a:lnSpc>
@@ -8772,15 +8993,19 @@
               <a:defRPr sz="1000"/>
             </a:lvl9pPr>
           </a:lstStyle>
-          <a:p/>
+          <a:p>
+            <a:endParaRPr/>
+          </a:p>
         </p:txBody>
       </p:sp>
       <p:sp>
         <p:nvSpPr>
           <p:cNvPr id="65" name="Google Shape;65;p12"/>
-          <p:cNvSpPr txBox="1"/>
+          <p:cNvSpPr txBox="1">
+            <a:spLocks noGrp="1"/>
+          </p:cNvSpPr>
           <p:nvPr>
-            <p:ph idx="10" type="dt"/>
+            <p:ph type="dt" idx="10"/>
           </p:nvPr>
         </p:nvSpPr>
         <p:spPr>
@@ -8797,7 +9022,7 @@
           </a:ln>
         </p:spPr>
         <p:txBody>
-          <a:bodyPr anchorCtr="0" anchor="ctr" bIns="45700" lIns="91425" spcFirstLastPara="1" rIns="91425" wrap="square" tIns="45700">
+          <a:bodyPr spcFirstLastPara="1" wrap="square" lIns="91425" tIns="45700" rIns="91425" bIns="45700" anchor="ctr" anchorCtr="0">
             <a:noAutofit/>
           </a:bodyPr>
           <a:lstStyle>
@@ -8901,15 +9126,19 @@
               <a:defRPr/>
             </a:lvl9pPr>
           </a:lstStyle>
-          <a:p/>
+          <a:p>
+            <a:endParaRPr/>
+          </a:p>
         </p:txBody>
       </p:sp>
       <p:sp>
         <p:nvSpPr>
           <p:cNvPr id="66" name="Google Shape;66;p12"/>
-          <p:cNvSpPr txBox="1"/>
+          <p:cNvSpPr txBox="1">
+            <a:spLocks noGrp="1"/>
+          </p:cNvSpPr>
           <p:nvPr>
-            <p:ph idx="11" type="ftr"/>
+            <p:ph type="ftr" idx="11"/>
           </p:nvPr>
         </p:nvSpPr>
         <p:spPr>
@@ -8926,7 +9155,7 @@
           </a:ln>
         </p:spPr>
         <p:txBody>
-          <a:bodyPr anchorCtr="0" anchor="ctr" bIns="45700" lIns="91425" spcFirstLastPara="1" rIns="91425" wrap="square" tIns="45700">
+          <a:bodyPr spcFirstLastPara="1" wrap="square" lIns="91425" tIns="45700" rIns="91425" bIns="45700" anchor="ctr" anchorCtr="0">
             <a:noAutofit/>
           </a:bodyPr>
           <a:lstStyle>
@@ -9030,15 +9259,19 @@
               <a:defRPr/>
             </a:lvl9pPr>
           </a:lstStyle>
-          <a:p/>
+          <a:p>
+            <a:endParaRPr/>
+          </a:p>
         </p:txBody>
       </p:sp>
       <p:sp>
         <p:nvSpPr>
           <p:cNvPr id="67" name="Google Shape;67;p12"/>
-          <p:cNvSpPr txBox="1"/>
+          <p:cNvSpPr txBox="1">
+            <a:spLocks noGrp="1"/>
+          </p:cNvSpPr>
           <p:nvPr>
-            <p:ph idx="12" type="sldNum"/>
+            <p:ph type="sldNum" idx="12"/>
           </p:nvPr>
         </p:nvSpPr>
         <p:spPr>
@@ -9055,67 +9288,67 @@
           </a:ln>
         </p:spPr>
         <p:txBody>
-          <a:bodyPr anchorCtr="0" anchor="ctr" bIns="45700" lIns="91425" spcFirstLastPara="1" rIns="91425" wrap="square" tIns="45700">
+          <a:bodyPr spcFirstLastPara="1" wrap="square" lIns="91425" tIns="45700" rIns="91425" bIns="45700" anchor="ctr" anchorCtr="0">
             <a:noAutofit/>
           </a:bodyPr>
           <a:lstStyle>
-            <a:lvl1pPr indent="0" lvl="0" marL="0" algn="r">
+            <a:lvl1pPr marL="0" lvl="0" indent="0" algn="r">
               <a:spcBef>
                 <a:spcPts val="0"/>
               </a:spcBef>
               <a:buNone/>
               <a:defRPr/>
             </a:lvl1pPr>
-            <a:lvl2pPr indent="0" lvl="1" marL="0" algn="r">
+            <a:lvl2pPr marL="0" lvl="1" indent="0" algn="r">
               <a:spcBef>
                 <a:spcPts val="0"/>
               </a:spcBef>
               <a:buNone/>
               <a:defRPr/>
             </a:lvl2pPr>
-            <a:lvl3pPr indent="0" lvl="2" marL="0" algn="r">
+            <a:lvl3pPr marL="0" lvl="2" indent="0" algn="r">
               <a:spcBef>
                 <a:spcPts val="0"/>
               </a:spcBef>
               <a:buNone/>
               <a:defRPr/>
             </a:lvl3pPr>
-            <a:lvl4pPr indent="0" lvl="3" marL="0" algn="r">
+            <a:lvl4pPr marL="0" lvl="3" indent="0" algn="r">
               <a:spcBef>
                 <a:spcPts val="0"/>
               </a:spcBef>
               <a:buNone/>
               <a:defRPr/>
             </a:lvl4pPr>
-            <a:lvl5pPr indent="0" lvl="4" marL="0" algn="r">
+            <a:lvl5pPr marL="0" lvl="4" indent="0" algn="r">
               <a:spcBef>
                 <a:spcPts val="0"/>
               </a:spcBef>
               <a:buNone/>
               <a:defRPr/>
             </a:lvl5pPr>
-            <a:lvl6pPr indent="0" lvl="5" marL="0" algn="r">
+            <a:lvl6pPr marL="0" lvl="5" indent="0" algn="r">
               <a:spcBef>
                 <a:spcPts val="0"/>
               </a:spcBef>
               <a:buNone/>
               <a:defRPr/>
             </a:lvl6pPr>
-            <a:lvl7pPr indent="0" lvl="6" marL="0" algn="r">
+            <a:lvl7pPr marL="0" lvl="6" indent="0" algn="r">
               <a:spcBef>
                 <a:spcPts val="0"/>
               </a:spcBef>
               <a:buNone/>
               <a:defRPr/>
             </a:lvl7pPr>
-            <a:lvl8pPr indent="0" lvl="7" marL="0" algn="r">
+            <a:lvl8pPr marL="0" lvl="7" indent="0" algn="r">
               <a:spcBef>
                 <a:spcPts val="0"/>
               </a:spcBef>
               <a:buNone/>
               <a:defRPr/>
             </a:lvl8pPr>
-            <a:lvl9pPr indent="0" lvl="8" marL="0" algn="r">
+            <a:lvl9pPr marL="0" lvl="8" indent="0" algn="r">
               <a:spcBef>
                 <a:spcPts val="0"/>
               </a:spcBef>
@@ -9124,7 +9357,7 @@
             </a:lvl9pPr>
           </a:lstStyle>
           <a:p>
-            <a:pPr indent="0" lvl="0" marL="0" rtl="0" algn="r">
+            <a:pPr marL="0" lvl="0" indent="0" algn="r" rtl="0">
               <a:spcBef>
                 <a:spcPts val="0"/>
               </a:spcBef>
@@ -9150,18 +9383,19 @@
 </file>
 
 <file path=ppt/slideMasters/slideMaster1.xml><?xml version="1.0" encoding="utf-8"?>
-<p:sldMaster xmlns:a="http://schemas.openxmlformats.org/drawingml/2006/main" xmlns:r="http://schemas.openxmlformats.org/officeDocument/2006/relationships" xmlns:mc="http://schemas.openxmlformats.org/markup-compatibility/2006" xmlns:mv="urn:schemas-microsoft-com:mac:vml" xmlns:p="http://schemas.openxmlformats.org/presentationml/2006/main" xmlns:c="http://schemas.openxmlformats.org/drawingml/2006/chart" xmlns:dgm="http://schemas.openxmlformats.org/drawingml/2006/diagram" xmlns:o="urn:schemas-microsoft-com:office:office" xmlns:v="urn:schemas-microsoft-com:vml" xmlns:pvml="urn:schemas-microsoft-com:office:powerpoint" xmlns:com="http://schemas.openxmlformats.org/drawingml/2006/compatibility" xmlns:p14="http://schemas.microsoft.com/office/powerpoint/2010/main" xmlns:p15="http://schemas.microsoft.com/office/powerpoint/2012/main" xmlns:ahyp="http://schemas.microsoft.com/office/drawing/2018/hyperlinkcolor">
+<p:sldMaster xmlns:a="http://schemas.openxmlformats.org/drawingml/2006/main" xmlns:r="http://schemas.openxmlformats.org/officeDocument/2006/relationships" xmlns:p="http://schemas.openxmlformats.org/presentationml/2006/main">
   <p:cSld>
     <p:bg>
       <p:bgPr>
         <a:solidFill>
           <a:schemeClr val="lt1"/>
         </a:solidFill>
+        <a:effectLst/>
       </p:bgPr>
     </p:bg>
     <p:spTree>
       <p:nvGrpSpPr>
-        <p:cNvPr id="5" name="Shape 5"/>
+        <p:cNvPr id="1" name="Shape 5"/>
         <p:cNvGrpSpPr/>
         <p:nvPr/>
       </p:nvGrpSpPr>
@@ -9176,7 +9410,9 @@
       <p:sp>
         <p:nvSpPr>
           <p:cNvPr id="6" name="Google Shape;6;p3"/>
-          <p:cNvSpPr txBox="1"/>
+          <p:cNvSpPr txBox="1">
+            <a:spLocks noGrp="1"/>
+          </p:cNvSpPr>
           <p:nvPr>
             <p:ph type="title"/>
           </p:nvPr>
@@ -9195,11 +9431,11 @@
           </a:ln>
         </p:spPr>
         <p:txBody>
-          <a:bodyPr anchorCtr="0" anchor="ctr" bIns="45700" lIns="91425" spcFirstLastPara="1" rIns="91425" wrap="square" tIns="45700">
+          <a:bodyPr spcFirstLastPara="1" wrap="square" lIns="91425" tIns="45700" rIns="91425" bIns="45700" anchor="ctr" anchorCtr="0">
             <a:normAutofit/>
           </a:bodyPr>
           <a:lstStyle>
-            <a:lvl1pPr lvl="0" marR="0" rtl="0" algn="l">
+            <a:lvl1pPr marR="0" lvl="0" algn="l" rtl="0">
               <a:lnSpc>
                 <a:spcPct val="90000"/>
               </a:lnSpc>
@@ -9215,7 +9451,7 @@
               <a:buSzPts val="4400"/>
               <a:buFont typeface="Calibri"/>
               <a:buNone/>
-              <a:defRPr b="0" i="0" sz="4400" u="none" cap="none" strike="noStrike">
+              <a:defRPr sz="4400" b="0" i="0" u="none" strike="noStrike" cap="none">
                 <a:solidFill>
                   <a:schemeClr val="dk1"/>
                 </a:solidFill>
@@ -9314,15 +9550,19 @@
               <a:defRPr sz="1800"/>
             </a:lvl9pPr>
           </a:lstStyle>
-          <a:p/>
+          <a:p>
+            <a:endParaRPr/>
+          </a:p>
         </p:txBody>
       </p:sp>
       <p:sp>
         <p:nvSpPr>
           <p:cNvPr id="7" name="Google Shape;7;p3"/>
-          <p:cNvSpPr txBox="1"/>
+          <p:cNvSpPr txBox="1">
+            <a:spLocks noGrp="1"/>
+          </p:cNvSpPr>
           <p:nvPr>
-            <p:ph idx="1" type="body"/>
+            <p:ph type="body" idx="1"/>
           </p:nvPr>
         </p:nvSpPr>
         <p:spPr>
@@ -9339,11 +9579,11 @@
           </a:ln>
         </p:spPr>
         <p:txBody>
-          <a:bodyPr anchorCtr="0" anchor="t" bIns="45700" lIns="91425" spcFirstLastPara="1" rIns="91425" wrap="square" tIns="45700">
+          <a:bodyPr spcFirstLastPara="1" wrap="square" lIns="91425" tIns="45700" rIns="91425" bIns="45700" anchor="t" anchorCtr="0">
             <a:normAutofit/>
           </a:bodyPr>
           <a:lstStyle>
-            <a:lvl1pPr indent="-406400" lvl="0" marL="457200" marR="0" rtl="0" algn="l">
+            <a:lvl1pPr marL="457200" marR="0" lvl="0" indent="-406400" algn="l" rtl="0">
               <a:lnSpc>
                 <a:spcPct val="90000"/>
               </a:lnSpc>
@@ -9359,7 +9599,7 @@
               <a:buSzPts val="2800"/>
               <a:buFont typeface="Arial"/>
               <a:buChar char="•"/>
-              <a:defRPr b="0" i="0" sz="2800" u="none" cap="none" strike="noStrike">
+              <a:defRPr sz="2800" b="0" i="0" u="none" strike="noStrike" cap="none">
                 <a:solidFill>
                   <a:schemeClr val="dk1"/>
                 </a:solidFill>
@@ -9369,7 +9609,7 @@
                 <a:sym typeface="Calibri"/>
               </a:defRPr>
             </a:lvl1pPr>
-            <a:lvl2pPr indent="-381000" lvl="1" marL="914400" marR="0" rtl="0" algn="l">
+            <a:lvl2pPr marL="914400" marR="0" lvl="1" indent="-381000" algn="l" rtl="0">
               <a:lnSpc>
                 <a:spcPct val="90000"/>
               </a:lnSpc>
@@ -9385,7 +9625,7 @@
               <a:buSzPts val="2400"/>
               <a:buFont typeface="Arial"/>
               <a:buChar char="•"/>
-              <a:defRPr b="0" i="0" sz="2400" u="none" cap="none" strike="noStrike">
+              <a:defRPr sz="2400" b="0" i="0" u="none" strike="noStrike" cap="none">
                 <a:solidFill>
                   <a:schemeClr val="dk1"/>
                 </a:solidFill>
@@ -9395,7 +9635,7 @@
                 <a:sym typeface="Calibri"/>
               </a:defRPr>
             </a:lvl2pPr>
-            <a:lvl3pPr indent="-355600" lvl="2" marL="1371600" marR="0" rtl="0" algn="l">
+            <a:lvl3pPr marL="1371600" marR="0" lvl="2" indent="-355600" algn="l" rtl="0">
               <a:lnSpc>
                 <a:spcPct val="90000"/>
               </a:lnSpc>
@@ -9411,7 +9651,7 @@
               <a:buSzPts val="2000"/>
               <a:buFont typeface="Arial"/>
               <a:buChar char="•"/>
-              <a:defRPr b="0" i="0" sz="2000" u="none" cap="none" strike="noStrike">
+              <a:defRPr sz="2000" b="0" i="0" u="none" strike="noStrike" cap="none">
                 <a:solidFill>
                   <a:schemeClr val="dk1"/>
                 </a:solidFill>
@@ -9421,7 +9661,7 @@
                 <a:sym typeface="Calibri"/>
               </a:defRPr>
             </a:lvl3pPr>
-            <a:lvl4pPr indent="-342900" lvl="3" marL="1828800" marR="0" rtl="0" algn="l">
+            <a:lvl4pPr marL="1828800" marR="0" lvl="3" indent="-342900" algn="l" rtl="0">
               <a:lnSpc>
                 <a:spcPct val="90000"/>
               </a:lnSpc>
@@ -9437,7 +9677,7 @@
               <a:buSzPts val="1800"/>
               <a:buFont typeface="Arial"/>
               <a:buChar char="•"/>
-              <a:defRPr b="0" i="0" sz="1800" u="none" cap="none" strike="noStrike">
+              <a:defRPr sz="1800" b="0" i="0" u="none" strike="noStrike" cap="none">
                 <a:solidFill>
                   <a:schemeClr val="dk1"/>
                 </a:solidFill>
@@ -9447,7 +9687,7 @@
                 <a:sym typeface="Calibri"/>
               </a:defRPr>
             </a:lvl4pPr>
-            <a:lvl5pPr indent="-342900" lvl="4" marL="2286000" marR="0" rtl="0" algn="l">
+            <a:lvl5pPr marL="2286000" marR="0" lvl="4" indent="-342900" algn="l" rtl="0">
               <a:lnSpc>
                 <a:spcPct val="90000"/>
               </a:lnSpc>
@@ -9463,7 +9703,7 @@
               <a:buSzPts val="1800"/>
               <a:buFont typeface="Arial"/>
               <a:buChar char="•"/>
-              <a:defRPr b="0" i="0" sz="1800" u="none" cap="none" strike="noStrike">
+              <a:defRPr sz="1800" b="0" i="0" u="none" strike="noStrike" cap="none">
                 <a:solidFill>
                   <a:schemeClr val="dk1"/>
                 </a:solidFill>
@@ -9473,7 +9713,7 @@
                 <a:sym typeface="Calibri"/>
               </a:defRPr>
             </a:lvl5pPr>
-            <a:lvl6pPr indent="-342900" lvl="5" marL="2743200" marR="0" rtl="0" algn="l">
+            <a:lvl6pPr marL="2743200" marR="0" lvl="5" indent="-342900" algn="l" rtl="0">
               <a:lnSpc>
                 <a:spcPct val="90000"/>
               </a:lnSpc>
@@ -9489,7 +9729,7 @@
               <a:buSzPts val="1800"/>
               <a:buFont typeface="Arial"/>
               <a:buChar char="•"/>
-              <a:defRPr b="0" i="0" sz="1800" u="none" cap="none" strike="noStrike">
+              <a:defRPr sz="1800" b="0" i="0" u="none" strike="noStrike" cap="none">
                 <a:solidFill>
                   <a:schemeClr val="dk1"/>
                 </a:solidFill>
@@ -9499,7 +9739,7 @@
                 <a:sym typeface="Calibri"/>
               </a:defRPr>
             </a:lvl6pPr>
-            <a:lvl7pPr indent="-342900" lvl="6" marL="3200400" marR="0" rtl="0" algn="l">
+            <a:lvl7pPr marL="3200400" marR="0" lvl="6" indent="-342900" algn="l" rtl="0">
               <a:lnSpc>
                 <a:spcPct val="90000"/>
               </a:lnSpc>
@@ -9515,7 +9755,7 @@
               <a:buSzPts val="1800"/>
               <a:buFont typeface="Arial"/>
               <a:buChar char="•"/>
-              <a:defRPr b="0" i="0" sz="1800" u="none" cap="none" strike="noStrike">
+              <a:defRPr sz="1800" b="0" i="0" u="none" strike="noStrike" cap="none">
                 <a:solidFill>
                   <a:schemeClr val="dk1"/>
                 </a:solidFill>
@@ -9525,7 +9765,7 @@
                 <a:sym typeface="Calibri"/>
               </a:defRPr>
             </a:lvl7pPr>
-            <a:lvl8pPr indent="-342900" lvl="7" marL="3657600" marR="0" rtl="0" algn="l">
+            <a:lvl8pPr marL="3657600" marR="0" lvl="7" indent="-342900" algn="l" rtl="0">
               <a:lnSpc>
                 <a:spcPct val="90000"/>
               </a:lnSpc>
@@ -9541,7 +9781,7 @@
               <a:buSzPts val="1800"/>
               <a:buFont typeface="Arial"/>
               <a:buChar char="•"/>
-              <a:defRPr b="0" i="0" sz="1800" u="none" cap="none" strike="noStrike">
+              <a:defRPr sz="1800" b="0" i="0" u="none" strike="noStrike" cap="none">
                 <a:solidFill>
                   <a:schemeClr val="dk1"/>
                 </a:solidFill>
@@ -9551,7 +9791,7 @@
                 <a:sym typeface="Calibri"/>
               </a:defRPr>
             </a:lvl8pPr>
-            <a:lvl9pPr indent="-342900" lvl="8" marL="4114800" marR="0" rtl="0" algn="l">
+            <a:lvl9pPr marL="4114800" marR="0" lvl="8" indent="-342900" algn="l" rtl="0">
               <a:lnSpc>
                 <a:spcPct val="90000"/>
               </a:lnSpc>
@@ -9567,7 +9807,7 @@
               <a:buSzPts val="1800"/>
               <a:buFont typeface="Arial"/>
               <a:buChar char="•"/>
-              <a:defRPr b="0" i="0" sz="1800" u="none" cap="none" strike="noStrike">
+              <a:defRPr sz="1800" b="0" i="0" u="none" strike="noStrike" cap="none">
                 <a:solidFill>
                   <a:schemeClr val="dk1"/>
                 </a:solidFill>
@@ -9578,15 +9818,19 @@
               </a:defRPr>
             </a:lvl9pPr>
           </a:lstStyle>
-          <a:p/>
+          <a:p>
+            <a:endParaRPr/>
+          </a:p>
         </p:txBody>
       </p:sp>
       <p:sp>
         <p:nvSpPr>
           <p:cNvPr id="8" name="Google Shape;8;p3"/>
-          <p:cNvSpPr txBox="1"/>
+          <p:cNvSpPr txBox="1">
+            <a:spLocks noGrp="1"/>
+          </p:cNvSpPr>
           <p:nvPr>
-            <p:ph idx="10" type="dt"/>
+            <p:ph type="dt" idx="10"/>
           </p:nvPr>
         </p:nvSpPr>
         <p:spPr>
@@ -9603,20 +9847,20 @@
           </a:ln>
         </p:spPr>
         <p:txBody>
-          <a:bodyPr anchorCtr="0" anchor="ctr" bIns="45700" lIns="91425" spcFirstLastPara="1" rIns="91425" wrap="square" tIns="45700">
+          <a:bodyPr spcFirstLastPara="1" wrap="square" lIns="91425" tIns="45700" rIns="91425" bIns="45700" anchor="ctr" anchorCtr="0">
             <a:noAutofit/>
           </a:bodyPr>
           <a:lstStyle>
-            <a:lvl1pPr lvl="0" marR="0" rtl="0" algn="l">
-              <a:spcBef>
-                <a:spcPts val="0"/>
-              </a:spcBef>
-              <a:spcAft>
-                <a:spcPts val="0"/>
-              </a:spcAft>
-              <a:buSzPts val="1400"/>
-              <a:buNone/>
-              <a:defRPr b="0" i="0" sz="1200" u="none" cap="none" strike="noStrike">
+            <a:lvl1pPr marR="0" lvl="0" algn="l" rtl="0">
+              <a:spcBef>
+                <a:spcPts val="0"/>
+              </a:spcBef>
+              <a:spcAft>
+                <a:spcPts val="0"/>
+              </a:spcAft>
+              <a:buSzPts val="1400"/>
+              <a:buNone/>
+              <a:defRPr sz="1200" b="0" i="0" u="none" strike="noStrike" cap="none">
                 <a:solidFill>
                   <a:srgbClr val="888888"/>
                 </a:solidFill>
@@ -9626,16 +9870,16 @@
                 <a:sym typeface="Calibri"/>
               </a:defRPr>
             </a:lvl1pPr>
-            <a:lvl2pPr lvl="1" marR="0" rtl="0" algn="l">
-              <a:spcBef>
-                <a:spcPts val="0"/>
-              </a:spcBef>
-              <a:spcAft>
-                <a:spcPts val="0"/>
-              </a:spcAft>
-              <a:buSzPts val="1400"/>
-              <a:buNone/>
-              <a:defRPr b="0" i="0" sz="1800" u="none" cap="none" strike="noStrike">
+            <a:lvl2pPr marR="0" lvl="1" algn="l" rtl="0">
+              <a:spcBef>
+                <a:spcPts val="0"/>
+              </a:spcBef>
+              <a:spcAft>
+                <a:spcPts val="0"/>
+              </a:spcAft>
+              <a:buSzPts val="1400"/>
+              <a:buNone/>
+              <a:defRPr sz="1800" b="0" i="0" u="none" strike="noStrike" cap="none">
                 <a:solidFill>
                   <a:schemeClr val="dk1"/>
                 </a:solidFill>
@@ -9645,16 +9889,16 @@
                 <a:sym typeface="Calibri"/>
               </a:defRPr>
             </a:lvl2pPr>
-            <a:lvl3pPr lvl="2" marR="0" rtl="0" algn="l">
-              <a:spcBef>
-                <a:spcPts val="0"/>
-              </a:spcBef>
-              <a:spcAft>
-                <a:spcPts val="0"/>
-              </a:spcAft>
-              <a:buSzPts val="1400"/>
-              <a:buNone/>
-              <a:defRPr b="0" i="0" sz="1800" u="none" cap="none" strike="noStrike">
+            <a:lvl3pPr marR="0" lvl="2" algn="l" rtl="0">
+              <a:spcBef>
+                <a:spcPts val="0"/>
+              </a:spcBef>
+              <a:spcAft>
+                <a:spcPts val="0"/>
+              </a:spcAft>
+              <a:buSzPts val="1400"/>
+              <a:buNone/>
+              <a:defRPr sz="1800" b="0" i="0" u="none" strike="noStrike" cap="none">
                 <a:solidFill>
                   <a:schemeClr val="dk1"/>
                 </a:solidFill>
@@ -9664,16 +9908,16 @@
                 <a:sym typeface="Calibri"/>
               </a:defRPr>
             </a:lvl3pPr>
-            <a:lvl4pPr lvl="3" marR="0" rtl="0" algn="l">
-              <a:spcBef>
-                <a:spcPts val="0"/>
-              </a:spcBef>
-              <a:spcAft>
-                <a:spcPts val="0"/>
-              </a:spcAft>
-              <a:buSzPts val="1400"/>
-              <a:buNone/>
-              <a:defRPr b="0" i="0" sz="1800" u="none" cap="none" strike="noStrike">
+            <a:lvl4pPr marR="0" lvl="3" algn="l" rtl="0">
+              <a:spcBef>
+                <a:spcPts val="0"/>
+              </a:spcBef>
+              <a:spcAft>
+                <a:spcPts val="0"/>
+              </a:spcAft>
+              <a:buSzPts val="1400"/>
+              <a:buNone/>
+              <a:defRPr sz="1800" b="0" i="0" u="none" strike="noStrike" cap="none">
                 <a:solidFill>
                   <a:schemeClr val="dk1"/>
                 </a:solidFill>
@@ -9683,16 +9927,16 @@
                 <a:sym typeface="Calibri"/>
               </a:defRPr>
             </a:lvl4pPr>
-            <a:lvl5pPr lvl="4" marR="0" rtl="0" algn="l">
-              <a:spcBef>
-                <a:spcPts val="0"/>
-              </a:spcBef>
-              <a:spcAft>
-                <a:spcPts val="0"/>
-              </a:spcAft>
-              <a:buSzPts val="1400"/>
-              <a:buNone/>
-              <a:defRPr b="0" i="0" sz="1800" u="none" cap="none" strike="noStrike">
+            <a:lvl5pPr marR="0" lvl="4" algn="l" rtl="0">
+              <a:spcBef>
+                <a:spcPts val="0"/>
+              </a:spcBef>
+              <a:spcAft>
+                <a:spcPts val="0"/>
+              </a:spcAft>
+              <a:buSzPts val="1400"/>
+              <a:buNone/>
+              <a:defRPr sz="1800" b="0" i="0" u="none" strike="noStrike" cap="none">
                 <a:solidFill>
                   <a:schemeClr val="dk1"/>
                 </a:solidFill>
@@ -9702,16 +9946,16 @@
                 <a:sym typeface="Calibri"/>
               </a:defRPr>
             </a:lvl5pPr>
-            <a:lvl6pPr lvl="5" marR="0" rtl="0" algn="l">
-              <a:spcBef>
-                <a:spcPts val="0"/>
-              </a:spcBef>
-              <a:spcAft>
-                <a:spcPts val="0"/>
-              </a:spcAft>
-              <a:buSzPts val="1400"/>
-              <a:buNone/>
-              <a:defRPr b="0" i="0" sz="1800" u="none" cap="none" strike="noStrike">
+            <a:lvl6pPr marR="0" lvl="5" algn="l" rtl="0">
+              <a:spcBef>
+                <a:spcPts val="0"/>
+              </a:spcBef>
+              <a:spcAft>
+                <a:spcPts val="0"/>
+              </a:spcAft>
+              <a:buSzPts val="1400"/>
+              <a:buNone/>
+              <a:defRPr sz="1800" b="0" i="0" u="none" strike="noStrike" cap="none">
                 <a:solidFill>
                   <a:schemeClr val="dk1"/>
                 </a:solidFill>
@@ -9721,16 +9965,16 @@
                 <a:sym typeface="Calibri"/>
               </a:defRPr>
             </a:lvl6pPr>
-            <a:lvl7pPr lvl="6" marR="0" rtl="0" algn="l">
-              <a:spcBef>
-                <a:spcPts val="0"/>
-              </a:spcBef>
-              <a:spcAft>
-                <a:spcPts val="0"/>
-              </a:spcAft>
-              <a:buSzPts val="1400"/>
-              <a:buNone/>
-              <a:defRPr b="0" i="0" sz="1800" u="none" cap="none" strike="noStrike">
+            <a:lvl7pPr marR="0" lvl="6" algn="l" rtl="0">
+              <a:spcBef>
+                <a:spcPts val="0"/>
+              </a:spcBef>
+              <a:spcAft>
+                <a:spcPts val="0"/>
+              </a:spcAft>
+              <a:buSzPts val="1400"/>
+              <a:buNone/>
+              <a:defRPr sz="1800" b="0" i="0" u="none" strike="noStrike" cap="none">
                 <a:solidFill>
                   <a:schemeClr val="dk1"/>
                 </a:solidFill>
@@ -9740,16 +9984,16 @@
                 <a:sym typeface="Calibri"/>
               </a:defRPr>
             </a:lvl7pPr>
-            <a:lvl8pPr lvl="7" marR="0" rtl="0" algn="l">
-              <a:spcBef>
-                <a:spcPts val="0"/>
-              </a:spcBef>
-              <a:spcAft>
-                <a:spcPts val="0"/>
-              </a:spcAft>
-              <a:buSzPts val="1400"/>
-              <a:buNone/>
-              <a:defRPr b="0" i="0" sz="1800" u="none" cap="none" strike="noStrike">
+            <a:lvl8pPr marR="0" lvl="7" algn="l" rtl="0">
+              <a:spcBef>
+                <a:spcPts val="0"/>
+              </a:spcBef>
+              <a:spcAft>
+                <a:spcPts val="0"/>
+              </a:spcAft>
+              <a:buSzPts val="1400"/>
+              <a:buNone/>
+              <a:defRPr sz="1800" b="0" i="0" u="none" strike="noStrike" cap="none">
                 <a:solidFill>
                   <a:schemeClr val="dk1"/>
                 </a:solidFill>
@@ -9759,16 +10003,16 @@
                 <a:sym typeface="Calibri"/>
               </a:defRPr>
             </a:lvl8pPr>
-            <a:lvl9pPr lvl="8" marR="0" rtl="0" algn="l">
-              <a:spcBef>
-                <a:spcPts val="0"/>
-              </a:spcBef>
-              <a:spcAft>
-                <a:spcPts val="0"/>
-              </a:spcAft>
-              <a:buSzPts val="1400"/>
-              <a:buNone/>
-              <a:defRPr b="0" i="0" sz="1800" u="none" cap="none" strike="noStrike">
+            <a:lvl9pPr marR="0" lvl="8" algn="l" rtl="0">
+              <a:spcBef>
+                <a:spcPts val="0"/>
+              </a:spcBef>
+              <a:spcAft>
+                <a:spcPts val="0"/>
+              </a:spcAft>
+              <a:buSzPts val="1400"/>
+              <a:buNone/>
+              <a:defRPr sz="1800" b="0" i="0" u="none" strike="noStrike" cap="none">
                 <a:solidFill>
                   <a:schemeClr val="dk1"/>
                 </a:solidFill>
@@ -9779,15 +10023,19 @@
               </a:defRPr>
             </a:lvl9pPr>
           </a:lstStyle>
-          <a:p/>
+          <a:p>
+            <a:endParaRPr/>
+          </a:p>
         </p:txBody>
       </p:sp>
       <p:sp>
         <p:nvSpPr>
           <p:cNvPr id="9" name="Google Shape;9;p3"/>
-          <p:cNvSpPr txBox="1"/>
+          <p:cNvSpPr txBox="1">
+            <a:spLocks noGrp="1"/>
+          </p:cNvSpPr>
           <p:nvPr>
-            <p:ph idx="11" type="ftr"/>
+            <p:ph type="ftr" idx="11"/>
           </p:nvPr>
         </p:nvSpPr>
         <p:spPr>
@@ -9804,20 +10052,20 @@
           </a:ln>
         </p:spPr>
         <p:txBody>
-          <a:bodyPr anchorCtr="0" anchor="ctr" bIns="45700" lIns="91425" spcFirstLastPara="1" rIns="91425" wrap="square" tIns="45700">
+          <a:bodyPr spcFirstLastPara="1" wrap="square" lIns="91425" tIns="45700" rIns="91425" bIns="45700" anchor="ctr" anchorCtr="0">
             <a:noAutofit/>
           </a:bodyPr>
           <a:lstStyle>
-            <a:lvl1pPr lvl="0" marR="0" rtl="0" algn="ctr">
-              <a:spcBef>
-                <a:spcPts val="0"/>
-              </a:spcBef>
-              <a:spcAft>
-                <a:spcPts val="0"/>
-              </a:spcAft>
-              <a:buSzPts val="1400"/>
-              <a:buNone/>
-              <a:defRPr b="0" i="0" sz="1200" u="none" cap="none" strike="noStrike">
+            <a:lvl1pPr marR="0" lvl="0" algn="ctr" rtl="0">
+              <a:spcBef>
+                <a:spcPts val="0"/>
+              </a:spcBef>
+              <a:spcAft>
+                <a:spcPts val="0"/>
+              </a:spcAft>
+              <a:buSzPts val="1400"/>
+              <a:buNone/>
+              <a:defRPr sz="1200" b="0" i="0" u="none" strike="noStrike" cap="none">
                 <a:solidFill>
                   <a:srgbClr val="888888"/>
                 </a:solidFill>
@@ -9827,16 +10075,16 @@
                 <a:sym typeface="Calibri"/>
               </a:defRPr>
             </a:lvl1pPr>
-            <a:lvl2pPr lvl="1" marR="0" rtl="0" algn="l">
-              <a:spcBef>
-                <a:spcPts val="0"/>
-              </a:spcBef>
-              <a:spcAft>
-                <a:spcPts val="0"/>
-              </a:spcAft>
-              <a:buSzPts val="1400"/>
-              <a:buNone/>
-              <a:defRPr b="0" i="0" sz="1800" u="none" cap="none" strike="noStrike">
+            <a:lvl2pPr marR="0" lvl="1" algn="l" rtl="0">
+              <a:spcBef>
+                <a:spcPts val="0"/>
+              </a:spcBef>
+              <a:spcAft>
+                <a:spcPts val="0"/>
+              </a:spcAft>
+              <a:buSzPts val="1400"/>
+              <a:buNone/>
+              <a:defRPr sz="1800" b="0" i="0" u="none" strike="noStrike" cap="none">
                 <a:solidFill>
                   <a:schemeClr val="dk1"/>
                 </a:solidFill>
@@ -9846,16 +10094,16 @@
                 <a:sym typeface="Calibri"/>
               </a:defRPr>
             </a:lvl2pPr>
-            <a:lvl3pPr lvl="2" marR="0" rtl="0" algn="l">
-              <a:spcBef>
-                <a:spcPts val="0"/>
-              </a:spcBef>
-              <a:spcAft>
-                <a:spcPts val="0"/>
-              </a:spcAft>
-              <a:buSzPts val="1400"/>
-              <a:buNone/>
-              <a:defRPr b="0" i="0" sz="1800" u="none" cap="none" strike="noStrike">
+            <a:lvl3pPr marR="0" lvl="2" algn="l" rtl="0">
+              <a:spcBef>
+                <a:spcPts val="0"/>
+              </a:spcBef>
+              <a:spcAft>
+                <a:spcPts val="0"/>
+              </a:spcAft>
+              <a:buSzPts val="1400"/>
+              <a:buNone/>
+              <a:defRPr sz="1800" b="0" i="0" u="none" strike="noStrike" cap="none">
                 <a:solidFill>
                   <a:schemeClr val="dk1"/>
                 </a:solidFill>
@@ -9865,16 +10113,16 @@
                 <a:sym typeface="Calibri"/>
               </a:defRPr>
             </a:lvl3pPr>
-            <a:lvl4pPr lvl="3" marR="0" rtl="0" algn="l">
-              <a:spcBef>
-                <a:spcPts val="0"/>
-              </a:spcBef>
-              <a:spcAft>
-                <a:spcPts val="0"/>
-              </a:spcAft>
-              <a:buSzPts val="1400"/>
-              <a:buNone/>
-              <a:defRPr b="0" i="0" sz="1800" u="none" cap="none" strike="noStrike">
+            <a:lvl4pPr marR="0" lvl="3" algn="l" rtl="0">
+              <a:spcBef>
+                <a:spcPts val="0"/>
+              </a:spcBef>
+              <a:spcAft>
+                <a:spcPts val="0"/>
+              </a:spcAft>
+              <a:buSzPts val="1400"/>
+              <a:buNone/>
+              <a:defRPr sz="1800" b="0" i="0" u="none" strike="noStrike" cap="none">
                 <a:solidFill>
                   <a:schemeClr val="dk1"/>
                 </a:solidFill>
@@ -9884,16 +10132,16 @@
                 <a:sym typeface="Calibri"/>
               </a:defRPr>
             </a:lvl4pPr>
-            <a:lvl5pPr lvl="4" marR="0" rtl="0" algn="l">
-              <a:spcBef>
-                <a:spcPts val="0"/>
-              </a:spcBef>
-              <a:spcAft>
-                <a:spcPts val="0"/>
-              </a:spcAft>
-              <a:buSzPts val="1400"/>
-              <a:buNone/>
-              <a:defRPr b="0" i="0" sz="1800" u="none" cap="none" strike="noStrike">
+            <a:lvl5pPr marR="0" lvl="4" algn="l" rtl="0">
+              <a:spcBef>
+                <a:spcPts val="0"/>
+              </a:spcBef>
+              <a:spcAft>
+                <a:spcPts val="0"/>
+              </a:spcAft>
+              <a:buSzPts val="1400"/>
+              <a:buNone/>
+              <a:defRPr sz="1800" b="0" i="0" u="none" strike="noStrike" cap="none">
                 <a:solidFill>
                   <a:schemeClr val="dk1"/>
                 </a:solidFill>
@@ -9903,16 +10151,16 @@
                 <a:sym typeface="Calibri"/>
               </a:defRPr>
             </a:lvl5pPr>
-            <a:lvl6pPr lvl="5" marR="0" rtl="0" algn="l">
-              <a:spcBef>
-                <a:spcPts val="0"/>
-              </a:spcBef>
-              <a:spcAft>
-                <a:spcPts val="0"/>
-              </a:spcAft>
-              <a:buSzPts val="1400"/>
-              <a:buNone/>
-              <a:defRPr b="0" i="0" sz="1800" u="none" cap="none" strike="noStrike">
+            <a:lvl6pPr marR="0" lvl="5" algn="l" rtl="0">
+              <a:spcBef>
+                <a:spcPts val="0"/>
+              </a:spcBef>
+              <a:spcAft>
+                <a:spcPts val="0"/>
+              </a:spcAft>
+              <a:buSzPts val="1400"/>
+              <a:buNone/>
+              <a:defRPr sz="1800" b="0" i="0" u="none" strike="noStrike" cap="none">
                 <a:solidFill>
                   <a:schemeClr val="dk1"/>
                 </a:solidFill>
@@ -9922,16 +10170,16 @@
                 <a:sym typeface="Calibri"/>
               </a:defRPr>
             </a:lvl6pPr>
-            <a:lvl7pPr lvl="6" marR="0" rtl="0" algn="l">
-              <a:spcBef>
-                <a:spcPts val="0"/>
-              </a:spcBef>
-              <a:spcAft>
-                <a:spcPts val="0"/>
-              </a:spcAft>
-              <a:buSzPts val="1400"/>
-              <a:buNone/>
-              <a:defRPr b="0" i="0" sz="1800" u="none" cap="none" strike="noStrike">
+            <a:lvl7pPr marR="0" lvl="6" algn="l" rtl="0">
+              <a:spcBef>
+                <a:spcPts val="0"/>
+              </a:spcBef>
+              <a:spcAft>
+                <a:spcPts val="0"/>
+              </a:spcAft>
+              <a:buSzPts val="1400"/>
+              <a:buNone/>
+              <a:defRPr sz="1800" b="0" i="0" u="none" strike="noStrike" cap="none">
                 <a:solidFill>
                   <a:schemeClr val="dk1"/>
                 </a:solidFill>
@@ -9941,16 +10189,16 @@
                 <a:sym typeface="Calibri"/>
               </a:defRPr>
             </a:lvl7pPr>
-            <a:lvl8pPr lvl="7" marR="0" rtl="0" algn="l">
-              <a:spcBef>
-                <a:spcPts val="0"/>
-              </a:spcBef>
-              <a:spcAft>
-                <a:spcPts val="0"/>
-              </a:spcAft>
-              <a:buSzPts val="1400"/>
-              <a:buNone/>
-              <a:defRPr b="0" i="0" sz="1800" u="none" cap="none" strike="noStrike">
+            <a:lvl8pPr marR="0" lvl="7" algn="l" rtl="0">
+              <a:spcBef>
+                <a:spcPts val="0"/>
+              </a:spcBef>
+              <a:spcAft>
+                <a:spcPts val="0"/>
+              </a:spcAft>
+              <a:buSzPts val="1400"/>
+              <a:buNone/>
+              <a:defRPr sz="1800" b="0" i="0" u="none" strike="noStrike" cap="none">
                 <a:solidFill>
                   <a:schemeClr val="dk1"/>
                 </a:solidFill>
@@ -9960,16 +10208,16 @@
                 <a:sym typeface="Calibri"/>
               </a:defRPr>
             </a:lvl8pPr>
-            <a:lvl9pPr lvl="8" marR="0" rtl="0" algn="l">
-              <a:spcBef>
-                <a:spcPts val="0"/>
-              </a:spcBef>
-              <a:spcAft>
-                <a:spcPts val="0"/>
-              </a:spcAft>
-              <a:buSzPts val="1400"/>
-              <a:buNone/>
-              <a:defRPr b="0" i="0" sz="1800" u="none" cap="none" strike="noStrike">
+            <a:lvl9pPr marR="0" lvl="8" algn="l" rtl="0">
+              <a:spcBef>
+                <a:spcPts val="0"/>
+              </a:spcBef>
+              <a:spcAft>
+                <a:spcPts val="0"/>
+              </a:spcAft>
+              <a:buSzPts val="1400"/>
+              <a:buNone/>
+              <a:defRPr sz="1800" b="0" i="0" u="none" strike="noStrike" cap="none">
                 <a:solidFill>
                   <a:schemeClr val="dk1"/>
                 </a:solidFill>
@@ -9980,15 +10228,19 @@
               </a:defRPr>
             </a:lvl9pPr>
           </a:lstStyle>
-          <a:p/>
+          <a:p>
+            <a:endParaRPr/>
+          </a:p>
         </p:txBody>
       </p:sp>
       <p:sp>
         <p:nvSpPr>
           <p:cNvPr id="10" name="Google Shape;10;p3"/>
-          <p:cNvSpPr txBox="1"/>
+          <p:cNvSpPr txBox="1">
+            <a:spLocks noGrp="1"/>
+          </p:cNvSpPr>
           <p:nvPr>
-            <p:ph idx="12" type="sldNum"/>
+            <p:ph type="sldNum" idx="12"/>
           </p:nvPr>
         </p:nvSpPr>
         <p:spPr>
@@ -10005,16 +10257,16 @@
           </a:ln>
         </p:spPr>
         <p:txBody>
-          <a:bodyPr anchorCtr="0" anchor="ctr" bIns="45700" lIns="91425" spcFirstLastPara="1" rIns="91425" wrap="square" tIns="45700">
+          <a:bodyPr spcFirstLastPara="1" wrap="square" lIns="91425" tIns="45700" rIns="91425" bIns="45700" anchor="ctr" anchorCtr="0">
             <a:noAutofit/>
           </a:bodyPr>
           <a:lstStyle>
-            <a:lvl1pPr indent="0" lvl="0" marL="0" marR="0" rtl="0" algn="r">
-              <a:spcBef>
-                <a:spcPts val="0"/>
-              </a:spcBef>
-              <a:buNone/>
-              <a:defRPr b="0" i="0" sz="1200" u="none" cap="none" strike="noStrike">
+            <a:lvl1pPr marL="0" marR="0" lvl="0" indent="0" algn="r" rtl="0">
+              <a:spcBef>
+                <a:spcPts val="0"/>
+              </a:spcBef>
+              <a:buNone/>
+              <a:defRPr sz="1200" b="0" i="0" u="none" strike="noStrike" cap="none">
                 <a:solidFill>
                   <a:srgbClr val="888888"/>
                 </a:solidFill>
@@ -10024,12 +10276,12 @@
                 <a:sym typeface="Calibri"/>
               </a:defRPr>
             </a:lvl1pPr>
-            <a:lvl2pPr indent="0" lvl="1" marL="0" marR="0" rtl="0" algn="r">
-              <a:spcBef>
-                <a:spcPts val="0"/>
-              </a:spcBef>
-              <a:buNone/>
-              <a:defRPr b="0" i="0" sz="1200" u="none" cap="none" strike="noStrike">
+            <a:lvl2pPr marL="0" marR="0" lvl="1" indent="0" algn="r" rtl="0">
+              <a:spcBef>
+                <a:spcPts val="0"/>
+              </a:spcBef>
+              <a:buNone/>
+              <a:defRPr sz="1200" b="0" i="0" u="none" strike="noStrike" cap="none">
                 <a:solidFill>
                   <a:srgbClr val="888888"/>
                 </a:solidFill>
@@ -10039,12 +10291,12 @@
                 <a:sym typeface="Calibri"/>
               </a:defRPr>
             </a:lvl2pPr>
-            <a:lvl3pPr indent="0" lvl="2" marL="0" marR="0" rtl="0" algn="r">
-              <a:spcBef>
-                <a:spcPts val="0"/>
-              </a:spcBef>
-              <a:buNone/>
-              <a:defRPr b="0" i="0" sz="1200" u="none" cap="none" strike="noStrike">
+            <a:lvl3pPr marL="0" marR="0" lvl="2" indent="0" algn="r" rtl="0">
+              <a:spcBef>
+                <a:spcPts val="0"/>
+              </a:spcBef>
+              <a:buNone/>
+              <a:defRPr sz="1200" b="0" i="0" u="none" strike="noStrike" cap="none">
                 <a:solidFill>
                   <a:srgbClr val="888888"/>
                 </a:solidFill>
@@ -10054,12 +10306,12 @@
                 <a:sym typeface="Calibri"/>
               </a:defRPr>
             </a:lvl3pPr>
-            <a:lvl4pPr indent="0" lvl="3" marL="0" marR="0" rtl="0" algn="r">
-              <a:spcBef>
-                <a:spcPts val="0"/>
-              </a:spcBef>
-              <a:buNone/>
-              <a:defRPr b="0" i="0" sz="1200" u="none" cap="none" strike="noStrike">
+            <a:lvl4pPr marL="0" marR="0" lvl="3" indent="0" algn="r" rtl="0">
+              <a:spcBef>
+                <a:spcPts val="0"/>
+              </a:spcBef>
+              <a:buNone/>
+              <a:defRPr sz="1200" b="0" i="0" u="none" strike="noStrike" cap="none">
                 <a:solidFill>
                   <a:srgbClr val="888888"/>
                 </a:solidFill>
@@ -10069,12 +10321,12 @@
                 <a:sym typeface="Calibri"/>
               </a:defRPr>
             </a:lvl4pPr>
-            <a:lvl5pPr indent="0" lvl="4" marL="0" marR="0" rtl="0" algn="r">
-              <a:spcBef>
-                <a:spcPts val="0"/>
-              </a:spcBef>
-              <a:buNone/>
-              <a:defRPr b="0" i="0" sz="1200" u="none" cap="none" strike="noStrike">
+            <a:lvl5pPr marL="0" marR="0" lvl="4" indent="0" algn="r" rtl="0">
+              <a:spcBef>
+                <a:spcPts val="0"/>
+              </a:spcBef>
+              <a:buNone/>
+              <a:defRPr sz="1200" b="0" i="0" u="none" strike="noStrike" cap="none">
                 <a:solidFill>
                   <a:srgbClr val="888888"/>
                 </a:solidFill>
@@ -10084,12 +10336,12 @@
                 <a:sym typeface="Calibri"/>
               </a:defRPr>
             </a:lvl5pPr>
-            <a:lvl6pPr indent="0" lvl="5" marL="0" marR="0" rtl="0" algn="r">
-              <a:spcBef>
-                <a:spcPts val="0"/>
-              </a:spcBef>
-              <a:buNone/>
-              <a:defRPr b="0" i="0" sz="1200" u="none" cap="none" strike="noStrike">
+            <a:lvl6pPr marL="0" marR="0" lvl="5" indent="0" algn="r" rtl="0">
+              <a:spcBef>
+                <a:spcPts val="0"/>
+              </a:spcBef>
+              <a:buNone/>
+              <a:defRPr sz="1200" b="0" i="0" u="none" strike="noStrike" cap="none">
                 <a:solidFill>
                   <a:srgbClr val="888888"/>
                 </a:solidFill>
@@ -10099,12 +10351,12 @@
                 <a:sym typeface="Calibri"/>
               </a:defRPr>
             </a:lvl6pPr>
-            <a:lvl7pPr indent="0" lvl="6" marL="0" marR="0" rtl="0" algn="r">
-              <a:spcBef>
-                <a:spcPts val="0"/>
-              </a:spcBef>
-              <a:buNone/>
-              <a:defRPr b="0" i="0" sz="1200" u="none" cap="none" strike="noStrike">
+            <a:lvl7pPr marL="0" marR="0" lvl="6" indent="0" algn="r" rtl="0">
+              <a:spcBef>
+                <a:spcPts val="0"/>
+              </a:spcBef>
+              <a:buNone/>
+              <a:defRPr sz="1200" b="0" i="0" u="none" strike="noStrike" cap="none">
                 <a:solidFill>
                   <a:srgbClr val="888888"/>
                 </a:solidFill>
@@ -10114,12 +10366,12 @@
                 <a:sym typeface="Calibri"/>
               </a:defRPr>
             </a:lvl7pPr>
-            <a:lvl8pPr indent="0" lvl="7" marL="0" marR="0" rtl="0" algn="r">
-              <a:spcBef>
-                <a:spcPts val="0"/>
-              </a:spcBef>
-              <a:buNone/>
-              <a:defRPr b="0" i="0" sz="1200" u="none" cap="none" strike="noStrike">
+            <a:lvl8pPr marL="0" marR="0" lvl="7" indent="0" algn="r" rtl="0">
+              <a:spcBef>
+                <a:spcPts val="0"/>
+              </a:spcBef>
+              <a:buNone/>
+              <a:defRPr sz="1200" b="0" i="0" u="none" strike="noStrike" cap="none">
                 <a:solidFill>
                   <a:srgbClr val="888888"/>
                 </a:solidFill>
@@ -10129,12 +10381,12 @@
                 <a:sym typeface="Calibri"/>
               </a:defRPr>
             </a:lvl8pPr>
-            <a:lvl9pPr indent="0" lvl="8" marL="0" marR="0" rtl="0" algn="r">
-              <a:spcBef>
-                <a:spcPts val="0"/>
-              </a:spcBef>
-              <a:buNone/>
-              <a:defRPr b="0" i="0" sz="1200" u="none" cap="none" strike="noStrike">
+            <a:lvl9pPr marL="0" marR="0" lvl="8" indent="0" algn="r" rtl="0">
+              <a:spcBef>
+                <a:spcPts val="0"/>
+              </a:spcBef>
+              <a:buNone/>
+              <a:defRPr sz="1200" b="0" i="0" u="none" strike="noStrike" cap="none">
                 <a:solidFill>
                   <a:srgbClr val="888888"/>
                 </a:solidFill>
@@ -10146,7 +10398,7 @@
             </a:lvl9pPr>
           </a:lstStyle>
           <a:p>
-            <a:pPr indent="0" lvl="0" marL="0" rtl="0" algn="r">
+            <a:pPr marL="0" lvl="0" indent="0" algn="r" rtl="0">
               <a:spcBef>
                 <a:spcPts val="0"/>
               </a:spcBef>
@@ -10165,7 +10417,7 @@
       </p:sp>
     </p:spTree>
   </p:cSld>
-  <p:clrMap accent1="accent1" accent2="accent2" accent3="accent3" accent4="accent4" accent5="accent5" accent6="accent6" bg1="lt1" bg2="dk2" tx1="dk1" tx2="lt2" folHlink="folHlink" hlink="hlink"/>
+  <p:clrMap bg1="lt1" tx1="dk1" bg2="dk2" tx2="lt2" accent1="accent1" accent2="accent2" accent3="accent3" accent4="accent4" accent5="accent5" accent6="accent6" hlink="hlink" folHlink="folHlink"/>
   <p:sldLayoutIdLst>
     <p:sldLayoutId id="2147483649" r:id="rId1"/>
     <p:sldLayoutId id="2147483650" r:id="rId2"/>
@@ -10179,10 +10431,10 @@
     <p:sldLayoutId id="2147483658" r:id="rId10"/>
     <p:sldLayoutId id="2147483659" r:id="rId11"/>
   </p:sldLayoutIdLst>
-  <p:hf dt="0" ftr="0" hdr="0" sldNum="0"/>
+  <p:hf sldNum="0" hdr="0" ftr="0" dt="0"/>
   <p:txStyles>
     <p:titleStyle>
-      <a:defPPr lvl="0" marR="0" rtl="0" algn="l">
+      <a:defPPr marR="0" lvl="0" algn="l" rtl="0">
         <a:lnSpc>
           <a:spcPct val="100000"/>
         </a:lnSpc>
@@ -10193,7 +10445,7 @@
           <a:spcPts val="0"/>
         </a:spcAft>
       </a:defPPr>
-      <a:lvl1pPr lvl="0" marR="0" rtl="0" algn="l">
+      <a:lvl1pPr marR="0" lvl="0" algn="l" rtl="0">
         <a:lnSpc>
           <a:spcPct val="100000"/>
         </a:lnSpc>
@@ -10207,7 +10459,7 @@
           <a:srgbClr val="000000"/>
         </a:buClr>
         <a:buFont typeface="Arial"/>
-        <a:defRPr b="0" i="0" sz="1400" u="none" cap="none" strike="noStrike">
+        <a:defRPr sz="1400" b="0" i="0" u="none" strike="noStrike" cap="none">
           <a:solidFill>
             <a:srgbClr val="000000"/>
           </a:solidFill>
@@ -10217,7 +10469,7 @@
           <a:sym typeface="Arial"/>
         </a:defRPr>
       </a:lvl1pPr>
-      <a:lvl2pPr lvl="1" marR="0" rtl="0" algn="l">
+      <a:lvl2pPr marR="0" lvl="1" algn="l" rtl="0">
         <a:lnSpc>
           <a:spcPct val="100000"/>
         </a:lnSpc>
@@ -10231,7 +10483,7 @@
           <a:srgbClr val="000000"/>
         </a:buClr>
         <a:buFont typeface="Arial"/>
-        <a:defRPr b="0" i="0" sz="1400" u="none" cap="none" strike="noStrike">
+        <a:defRPr sz="1400" b="0" i="0" u="none" strike="noStrike" cap="none">
           <a:solidFill>
             <a:srgbClr val="000000"/>
           </a:solidFill>
@@ -10241,7 +10493,7 @@
           <a:sym typeface="Arial"/>
         </a:defRPr>
       </a:lvl2pPr>
-      <a:lvl3pPr lvl="2" marR="0" rtl="0" algn="l">
+      <a:lvl3pPr marR="0" lvl="2" algn="l" rtl="0">
         <a:lnSpc>
           <a:spcPct val="100000"/>
         </a:lnSpc>
@@ -10255,7 +10507,7 @@
           <a:srgbClr val="000000"/>
         </a:buClr>
         <a:buFont typeface="Arial"/>
-        <a:defRPr b="0" i="0" sz="1400" u="none" cap="none" strike="noStrike">
+        <a:defRPr sz="1400" b="0" i="0" u="none" strike="noStrike" cap="none">
           <a:solidFill>
             <a:srgbClr val="000000"/>
           </a:solidFill>
@@ -10265,7 +10517,7 @@
           <a:sym typeface="Arial"/>
         </a:defRPr>
       </a:lvl3pPr>
-      <a:lvl4pPr lvl="3" marR="0" rtl="0" algn="l">
+      <a:lvl4pPr marR="0" lvl="3" algn="l" rtl="0">
         <a:lnSpc>
           <a:spcPct val="100000"/>
         </a:lnSpc>
@@ -10279,7 +10531,7 @@
           <a:srgbClr val="000000"/>
         </a:buClr>
         <a:buFont typeface="Arial"/>
-        <a:defRPr b="0" i="0" sz="1400" u="none" cap="none" strike="noStrike">
+        <a:defRPr sz="1400" b="0" i="0" u="none" strike="noStrike" cap="none">
           <a:solidFill>
             <a:srgbClr val="000000"/>
           </a:solidFill>
@@ -10289,7 +10541,7 @@
           <a:sym typeface="Arial"/>
         </a:defRPr>
       </a:lvl4pPr>
-      <a:lvl5pPr lvl="4" marR="0" rtl="0" algn="l">
+      <a:lvl5pPr marR="0" lvl="4" algn="l" rtl="0">
         <a:lnSpc>
           <a:spcPct val="100000"/>
         </a:lnSpc>
@@ -10303,7 +10555,7 @@
           <a:srgbClr val="000000"/>
         </a:buClr>
         <a:buFont typeface="Arial"/>
-        <a:defRPr b="0" i="0" sz="1400" u="none" cap="none" strike="noStrike">
+        <a:defRPr sz="1400" b="0" i="0" u="none" strike="noStrike" cap="none">
           <a:solidFill>
             <a:srgbClr val="000000"/>
           </a:solidFill>
@@ -10313,7 +10565,7 @@
           <a:sym typeface="Arial"/>
         </a:defRPr>
       </a:lvl5pPr>
-      <a:lvl6pPr lvl="5" marR="0" rtl="0" algn="l">
+      <a:lvl6pPr marR="0" lvl="5" algn="l" rtl="0">
         <a:lnSpc>
           <a:spcPct val="100000"/>
         </a:lnSpc>
@@ -10327,7 +10579,7 @@
           <a:srgbClr val="000000"/>
         </a:buClr>
         <a:buFont typeface="Arial"/>
-        <a:defRPr b="0" i="0" sz="1400" u="none" cap="none" strike="noStrike">
+        <a:defRPr sz="1400" b="0" i="0" u="none" strike="noStrike" cap="none">
           <a:solidFill>
             <a:srgbClr val="000000"/>
           </a:solidFill>
@@ -10337,7 +10589,7 @@
           <a:sym typeface="Arial"/>
         </a:defRPr>
       </a:lvl6pPr>
-      <a:lvl7pPr lvl="6" marR="0" rtl="0" algn="l">
+      <a:lvl7pPr marR="0" lvl="6" algn="l" rtl="0">
         <a:lnSpc>
           <a:spcPct val="100000"/>
         </a:lnSpc>
@@ -10351,7 +10603,7 @@
           <a:srgbClr val="000000"/>
         </a:buClr>
         <a:buFont typeface="Arial"/>
-        <a:defRPr b="0" i="0" sz="1400" u="none" cap="none" strike="noStrike">
+        <a:defRPr sz="1400" b="0" i="0" u="none" strike="noStrike" cap="none">
           <a:solidFill>
             <a:srgbClr val="000000"/>
           </a:solidFill>
@@ -10361,7 +10613,7 @@
           <a:sym typeface="Arial"/>
         </a:defRPr>
       </a:lvl7pPr>
-      <a:lvl8pPr lvl="7" marR="0" rtl="0" algn="l">
+      <a:lvl8pPr marR="0" lvl="7" algn="l" rtl="0">
         <a:lnSpc>
           <a:spcPct val="100000"/>
         </a:lnSpc>
@@ -10375,7 +10627,7 @@
           <a:srgbClr val="000000"/>
         </a:buClr>
         <a:buFont typeface="Arial"/>
-        <a:defRPr b="0" i="0" sz="1400" u="none" cap="none" strike="noStrike">
+        <a:defRPr sz="1400" b="0" i="0" u="none" strike="noStrike" cap="none">
           <a:solidFill>
             <a:srgbClr val="000000"/>
           </a:solidFill>
@@ -10385,7 +10637,7 @@
           <a:sym typeface="Arial"/>
         </a:defRPr>
       </a:lvl8pPr>
-      <a:lvl9pPr lvl="8" marR="0" rtl="0" algn="l">
+      <a:lvl9pPr marR="0" lvl="8" algn="l" rtl="0">
         <a:lnSpc>
           <a:spcPct val="100000"/>
         </a:lnSpc>
@@ -10399,7 +10651,7 @@
           <a:srgbClr val="000000"/>
         </a:buClr>
         <a:buFont typeface="Arial"/>
-        <a:defRPr b="0" i="0" sz="1400" u="none" cap="none" strike="noStrike">
+        <a:defRPr sz="1400" b="0" i="0" u="none" strike="noStrike" cap="none">
           <a:solidFill>
             <a:srgbClr val="000000"/>
           </a:solidFill>
@@ -10411,7 +10663,7 @@
       </a:lvl9pPr>
     </p:titleStyle>
     <p:bodyStyle>
-      <a:defPPr lvl="0" marR="0" rtl="0" algn="l">
+      <a:defPPr marR="0" lvl="0" algn="l" rtl="0">
         <a:lnSpc>
           <a:spcPct val="100000"/>
         </a:lnSpc>
@@ -10422,7 +10674,7 @@
           <a:spcPts val="0"/>
         </a:spcAft>
       </a:defPPr>
-      <a:lvl1pPr lvl="0" marR="0" rtl="0" algn="l">
+      <a:lvl1pPr marR="0" lvl="0" algn="l" rtl="0">
         <a:lnSpc>
           <a:spcPct val="100000"/>
         </a:lnSpc>
@@ -10436,7 +10688,7 @@
           <a:srgbClr val="000000"/>
         </a:buClr>
         <a:buFont typeface="Arial"/>
-        <a:defRPr b="0" i="0" sz="1400" u="none" cap="none" strike="noStrike">
+        <a:defRPr sz="1400" b="0" i="0" u="none" strike="noStrike" cap="none">
           <a:solidFill>
             <a:srgbClr val="000000"/>
           </a:solidFill>
@@ -10446,7 +10698,7 @@
           <a:sym typeface="Arial"/>
         </a:defRPr>
       </a:lvl1pPr>
-      <a:lvl2pPr lvl="1" marR="0" rtl="0" algn="l">
+      <a:lvl2pPr marR="0" lvl="1" algn="l" rtl="0">
         <a:lnSpc>
           <a:spcPct val="100000"/>
         </a:lnSpc>
@@ -10460,7 +10712,7 @@
           <a:srgbClr val="000000"/>
         </a:buClr>
         <a:buFont typeface="Arial"/>
-        <a:defRPr b="0" i="0" sz="1400" u="none" cap="none" strike="noStrike">
+        <a:defRPr sz="1400" b="0" i="0" u="none" strike="noStrike" cap="none">
           <a:solidFill>
             <a:srgbClr val="000000"/>
           </a:solidFill>
@@ -10470,7 +10722,7 @@
           <a:sym typeface="Arial"/>
         </a:defRPr>
       </a:lvl2pPr>
-      <a:lvl3pPr lvl="2" marR="0" rtl="0" algn="l">
+      <a:lvl3pPr marR="0" lvl="2" algn="l" rtl="0">
         <a:lnSpc>
           <a:spcPct val="100000"/>
         </a:lnSpc>
@@ -10484,7 +10736,7 @@
           <a:srgbClr val="000000"/>
         </a:buClr>
         <a:buFont typeface="Arial"/>
-        <a:defRPr b="0" i="0" sz="1400" u="none" cap="none" strike="noStrike">
+        <a:defRPr sz="1400" b="0" i="0" u="none" strike="noStrike" cap="none">
           <a:solidFill>
             <a:srgbClr val="000000"/>
           </a:solidFill>
@@ -10494,7 +10746,7 @@
           <a:sym typeface="Arial"/>
         </a:defRPr>
       </a:lvl3pPr>
-      <a:lvl4pPr lvl="3" marR="0" rtl="0" algn="l">
+      <a:lvl4pPr marR="0" lvl="3" algn="l" rtl="0">
         <a:lnSpc>
           <a:spcPct val="100000"/>
         </a:lnSpc>
@@ -10508,7 +10760,7 @@
           <a:srgbClr val="000000"/>
         </a:buClr>
         <a:buFont typeface="Arial"/>
-        <a:defRPr b="0" i="0" sz="1400" u="none" cap="none" strike="noStrike">
+        <a:defRPr sz="1400" b="0" i="0" u="none" strike="noStrike" cap="none">
           <a:solidFill>
             <a:srgbClr val="000000"/>
           </a:solidFill>
@@ -10518,7 +10770,7 @@
           <a:sym typeface="Arial"/>
         </a:defRPr>
       </a:lvl4pPr>
-      <a:lvl5pPr lvl="4" marR="0" rtl="0" algn="l">
+      <a:lvl5pPr marR="0" lvl="4" algn="l" rtl="0">
         <a:lnSpc>
           <a:spcPct val="100000"/>
         </a:lnSpc>
@@ -10532,7 +10784,7 @@
           <a:srgbClr val="000000"/>
         </a:buClr>
         <a:buFont typeface="Arial"/>
-        <a:defRPr b="0" i="0" sz="1400" u="none" cap="none" strike="noStrike">
+        <a:defRPr sz="1400" b="0" i="0" u="none" strike="noStrike" cap="none">
           <a:solidFill>
             <a:srgbClr val="000000"/>
           </a:solidFill>
@@ -10542,7 +10794,7 @@
           <a:sym typeface="Arial"/>
         </a:defRPr>
       </a:lvl5pPr>
-      <a:lvl6pPr lvl="5" marR="0" rtl="0" algn="l">
+      <a:lvl6pPr marR="0" lvl="5" algn="l" rtl="0">
         <a:lnSpc>
           <a:spcPct val="100000"/>
         </a:lnSpc>
@@ -10556,7 +10808,7 @@
           <a:srgbClr val="000000"/>
         </a:buClr>
         <a:buFont typeface="Arial"/>
-        <a:defRPr b="0" i="0" sz="1400" u="none" cap="none" strike="noStrike">
+        <a:defRPr sz="1400" b="0" i="0" u="none" strike="noStrike" cap="none">
           <a:solidFill>
             <a:srgbClr val="000000"/>
           </a:solidFill>
@@ -10566,7 +10818,7 @@
           <a:sym typeface="Arial"/>
         </a:defRPr>
       </a:lvl6pPr>
-      <a:lvl7pPr lvl="6" marR="0" rtl="0" algn="l">
+      <a:lvl7pPr marR="0" lvl="6" algn="l" rtl="0">
         <a:lnSpc>
           <a:spcPct val="100000"/>
         </a:lnSpc>
@@ -10580,7 +10832,7 @@
           <a:srgbClr val="000000"/>
         </a:buClr>
         <a:buFont typeface="Arial"/>
-        <a:defRPr b="0" i="0" sz="1400" u="none" cap="none" strike="noStrike">
+        <a:defRPr sz="1400" b="0" i="0" u="none" strike="noStrike" cap="none">
           <a:solidFill>
             <a:srgbClr val="000000"/>
           </a:solidFill>
@@ -10590,7 +10842,7 @@
           <a:sym typeface="Arial"/>
         </a:defRPr>
       </a:lvl7pPr>
-      <a:lvl8pPr lvl="7" marR="0" rtl="0" algn="l">
+      <a:lvl8pPr marR="0" lvl="7" algn="l" rtl="0">
         <a:lnSpc>
           <a:spcPct val="100000"/>
         </a:lnSpc>
@@ -10604,7 +10856,7 @@
           <a:srgbClr val="000000"/>
         </a:buClr>
         <a:buFont typeface="Arial"/>
-        <a:defRPr b="0" i="0" sz="1400" u="none" cap="none" strike="noStrike">
+        <a:defRPr sz="1400" b="0" i="0" u="none" strike="noStrike" cap="none">
           <a:solidFill>
             <a:srgbClr val="000000"/>
           </a:solidFill>
@@ -10614,7 +10866,7 @@
           <a:sym typeface="Arial"/>
         </a:defRPr>
       </a:lvl8pPr>
-      <a:lvl9pPr lvl="8" marR="0" rtl="0" algn="l">
+      <a:lvl9pPr marR="0" lvl="8" algn="l" rtl="0">
         <a:lnSpc>
           <a:spcPct val="100000"/>
         </a:lnSpc>
@@ -10628,7 +10880,7 @@
           <a:srgbClr val="000000"/>
         </a:buClr>
         <a:buFont typeface="Arial"/>
-        <a:defRPr b="0" i="0" sz="1400" u="none" cap="none" strike="noStrike">
+        <a:defRPr sz="1400" b="0" i="0" u="none" strike="noStrike" cap="none">
           <a:solidFill>
             <a:srgbClr val="000000"/>
           </a:solidFill>
@@ -10640,7 +10892,7 @@
       </a:lvl9pPr>
     </p:bodyStyle>
     <p:otherStyle>
-      <a:defPPr lvl="0" marR="0" rtl="0" algn="l">
+      <a:defPPr marR="0" lvl="0" algn="l" rtl="0">
         <a:lnSpc>
           <a:spcPct val="100000"/>
         </a:lnSpc>
@@ -10651,7 +10903,7 @@
           <a:spcPts val="0"/>
         </a:spcAft>
       </a:defPPr>
-      <a:lvl1pPr lvl="0" marR="0" rtl="0" algn="l">
+      <a:lvl1pPr marR="0" lvl="0" algn="l" rtl="0">
         <a:lnSpc>
           <a:spcPct val="100000"/>
         </a:lnSpc>
@@ -10665,7 +10917,7 @@
           <a:srgbClr val="000000"/>
         </a:buClr>
         <a:buFont typeface="Arial"/>
-        <a:defRPr b="0" i="0" sz="1400" u="none" cap="none" strike="noStrike">
+        <a:defRPr sz="1400" b="0" i="0" u="none" strike="noStrike" cap="none">
           <a:solidFill>
             <a:srgbClr val="000000"/>
           </a:solidFill>
@@ -10675,7 +10927,7 @@
           <a:sym typeface="Arial"/>
         </a:defRPr>
       </a:lvl1pPr>
-      <a:lvl2pPr lvl="1" marR="0" rtl="0" algn="l">
+      <a:lvl2pPr marR="0" lvl="1" algn="l" rtl="0">
         <a:lnSpc>
           <a:spcPct val="100000"/>
         </a:lnSpc>
@@ -10689,7 +10941,7 @@
           <a:srgbClr val="000000"/>
         </a:buClr>
         <a:buFont typeface="Arial"/>
-        <a:defRPr b="0" i="0" sz="1400" u="none" cap="none" strike="noStrike">
+        <a:defRPr sz="1400" b="0" i="0" u="none" strike="noStrike" cap="none">
           <a:solidFill>
             <a:srgbClr val="000000"/>
           </a:solidFill>
@@ -10699,7 +10951,7 @@
           <a:sym typeface="Arial"/>
         </a:defRPr>
       </a:lvl2pPr>
-      <a:lvl3pPr lvl="2" marR="0" rtl="0" algn="l">
+      <a:lvl3pPr marR="0" lvl="2" algn="l" rtl="0">
         <a:lnSpc>
           <a:spcPct val="100000"/>
         </a:lnSpc>
@@ -10713,7 +10965,7 @@
           <a:srgbClr val="000000"/>
         </a:buClr>
         <a:buFont typeface="Arial"/>
-        <a:defRPr b="0" i="0" sz="1400" u="none" cap="none" strike="noStrike">
+        <a:defRPr sz="1400" b="0" i="0" u="none" strike="noStrike" cap="none">
           <a:solidFill>
             <a:srgbClr val="000000"/>
           </a:solidFill>
@@ -10723,7 +10975,7 @@
           <a:sym typeface="Arial"/>
         </a:defRPr>
       </a:lvl3pPr>
-      <a:lvl4pPr lvl="3" marR="0" rtl="0" algn="l">
+      <a:lvl4pPr marR="0" lvl="3" algn="l" rtl="0">
         <a:lnSpc>
           <a:spcPct val="100000"/>
         </a:lnSpc>
@@ -10737,7 +10989,7 @@
           <a:srgbClr val="000000"/>
         </a:buClr>
         <a:buFont typeface="Arial"/>
-        <a:defRPr b="0" i="0" sz="1400" u="none" cap="none" strike="noStrike">
+        <a:defRPr sz="1400" b="0" i="0" u="none" strike="noStrike" cap="none">
           <a:solidFill>
             <a:srgbClr val="000000"/>
           </a:solidFill>
@@ -10747,7 +10999,7 @@
           <a:sym typeface="Arial"/>
         </a:defRPr>
       </a:lvl4pPr>
-      <a:lvl5pPr lvl="4" marR="0" rtl="0" algn="l">
+      <a:lvl5pPr marR="0" lvl="4" algn="l" rtl="0">
         <a:lnSpc>
           <a:spcPct val="100000"/>
         </a:lnSpc>
@@ -10761,7 +11013,7 @@
           <a:srgbClr val="000000"/>
         </a:buClr>
         <a:buFont typeface="Arial"/>
-        <a:defRPr b="0" i="0" sz="1400" u="none" cap="none" strike="noStrike">
+        <a:defRPr sz="1400" b="0" i="0" u="none" strike="noStrike" cap="none">
           <a:solidFill>
             <a:srgbClr val="000000"/>
           </a:solidFill>
@@ -10771,7 +11023,7 @@
           <a:sym typeface="Arial"/>
         </a:defRPr>
       </a:lvl5pPr>
-      <a:lvl6pPr lvl="5" marR="0" rtl="0" algn="l">
+      <a:lvl6pPr marR="0" lvl="5" algn="l" rtl="0">
         <a:lnSpc>
           <a:spcPct val="100000"/>
         </a:lnSpc>
@@ -10785,7 +11037,7 @@
           <a:srgbClr val="000000"/>
         </a:buClr>
         <a:buFont typeface="Arial"/>
-        <a:defRPr b="0" i="0" sz="1400" u="none" cap="none" strike="noStrike">
+        <a:defRPr sz="1400" b="0" i="0" u="none" strike="noStrike" cap="none">
           <a:solidFill>
             <a:srgbClr val="000000"/>
           </a:solidFill>
@@ -10795,7 +11047,7 @@
           <a:sym typeface="Arial"/>
         </a:defRPr>
       </a:lvl6pPr>
-      <a:lvl7pPr lvl="6" marR="0" rtl="0" algn="l">
+      <a:lvl7pPr marR="0" lvl="6" algn="l" rtl="0">
         <a:lnSpc>
           <a:spcPct val="100000"/>
         </a:lnSpc>
@@ -10809,7 +11061,7 @@
           <a:srgbClr val="000000"/>
         </a:buClr>
         <a:buFont typeface="Arial"/>
-        <a:defRPr b="0" i="0" sz="1400" u="none" cap="none" strike="noStrike">
+        <a:defRPr sz="1400" b="0" i="0" u="none" strike="noStrike" cap="none">
           <a:solidFill>
             <a:srgbClr val="000000"/>
           </a:solidFill>
@@ -10819,7 +11071,7 @@
           <a:sym typeface="Arial"/>
         </a:defRPr>
       </a:lvl7pPr>
-      <a:lvl8pPr lvl="7" marR="0" rtl="0" algn="l">
+      <a:lvl8pPr marR="0" lvl="7" algn="l" rtl="0">
         <a:lnSpc>
           <a:spcPct val="100000"/>
         </a:lnSpc>
@@ -10833,7 +11085,7 @@
           <a:srgbClr val="000000"/>
         </a:buClr>
         <a:buFont typeface="Arial"/>
-        <a:defRPr b="0" i="0" sz="1400" u="none" cap="none" strike="noStrike">
+        <a:defRPr sz="1400" b="0" i="0" u="none" strike="noStrike" cap="none">
           <a:solidFill>
             <a:srgbClr val="000000"/>
           </a:solidFill>
@@ -10843,7 +11095,7 @@
           <a:sym typeface="Arial"/>
         </a:defRPr>
       </a:lvl8pPr>
-      <a:lvl9pPr lvl="8" marR="0" rtl="0" algn="l">
+      <a:lvl9pPr marR="0" lvl="8" algn="l" rtl="0">
         <a:lnSpc>
           <a:spcPct val="100000"/>
         </a:lnSpc>
@@ -10857,7 +11109,7 @@
           <a:srgbClr val="000000"/>
         </a:buClr>
         <a:buFont typeface="Arial"/>
-        <a:defRPr b="0" i="0" sz="1400" u="none" cap="none" strike="noStrike">
+        <a:defRPr sz="1400" b="0" i="0" u="none" strike="noStrike" cap="none">
           <a:solidFill>
             <a:srgbClr val="000000"/>
           </a:solidFill>
@@ -10873,11 +11125,11 @@
 </file>
 
 <file path=ppt/slides/slide1.xml><?xml version="1.0" encoding="utf-8"?>
-<p:sld xmlns:a="http://schemas.openxmlformats.org/drawingml/2006/main" xmlns:r="http://schemas.openxmlformats.org/officeDocument/2006/relationships" xmlns:mc="http://schemas.openxmlformats.org/markup-compatibility/2006" xmlns:mv="urn:schemas-microsoft-com:mac:vml" xmlns:p="http://schemas.openxmlformats.org/presentationml/2006/main" xmlns:c="http://schemas.openxmlformats.org/drawingml/2006/chart" xmlns:dgm="http://schemas.openxmlformats.org/drawingml/2006/diagram" xmlns:o="urn:schemas-microsoft-com:office:office" xmlns:v="urn:schemas-microsoft-com:vml" xmlns:pvml="urn:schemas-microsoft-com:office:powerpoint" xmlns:com="http://schemas.openxmlformats.org/drawingml/2006/compatibility" xmlns:p14="http://schemas.microsoft.com/office/powerpoint/2010/main" xmlns:p15="http://schemas.microsoft.com/office/powerpoint/2012/main" xmlns:ahyp="http://schemas.microsoft.com/office/drawing/2018/hyperlinkcolor">
+<p:sld xmlns:a="http://schemas.openxmlformats.org/drawingml/2006/main" xmlns:r="http://schemas.openxmlformats.org/officeDocument/2006/relationships" xmlns:p="http://schemas.openxmlformats.org/presentationml/2006/main">
   <p:cSld>
     <p:spTree>
       <p:nvGrpSpPr>
-        <p:cNvPr id="83" name="Shape 83"/>
+        <p:cNvPr id="1" name="Shape 83"/>
         <p:cNvGrpSpPr/>
         <p:nvPr/>
       </p:nvGrpSpPr>
@@ -10911,12 +11163,12 @@
           </a:ln>
         </p:spPr>
         <p:txBody>
-          <a:bodyPr anchorCtr="0" anchor="t" bIns="45700" lIns="91425" spcFirstLastPara="1" rIns="91425" wrap="square" tIns="45700">
+          <a:bodyPr spcFirstLastPara="1" wrap="square" lIns="91425" tIns="45700" rIns="91425" bIns="45700" anchor="t" anchorCtr="0">
             <a:spAutoFit/>
           </a:bodyPr>
           <a:lstStyle/>
           <a:p>
-            <a:pPr indent="0" lvl="0" marL="0" marR="0" rtl="0" algn="l">
+            <a:pPr marL="0" marR="0" lvl="0" indent="0" algn="l" rtl="0">
               <a:spcBef>
                 <a:spcPts val="0"/>
               </a:spcBef>
@@ -10926,7 +11178,7 @@
               <a:buNone/>
             </a:pPr>
             <a:r>
-              <a:rPr b="0" i="0" lang="en-GB" sz="1800" u="none" cap="none" strike="noStrike">
+              <a:rPr lang="en-GB" sz="1800" b="0" i="0" u="none" strike="noStrike" cap="none">
                 <a:solidFill>
                   <a:schemeClr val="dk1"/>
                 </a:solidFill>
@@ -10961,12 +11213,12 @@
           </a:ln>
         </p:spPr>
         <p:txBody>
-          <a:bodyPr anchorCtr="0" anchor="t" bIns="45700" lIns="91425" spcFirstLastPara="1" rIns="91425" wrap="square" tIns="45700">
+          <a:bodyPr spcFirstLastPara="1" wrap="square" lIns="91425" tIns="45700" rIns="91425" bIns="45700" anchor="t" anchorCtr="0">
             <a:spAutoFit/>
           </a:bodyPr>
           <a:lstStyle/>
           <a:p>
-            <a:pPr indent="0" lvl="0" marL="0" marR="0" rtl="0" algn="l">
+            <a:pPr marL="0" marR="0" lvl="0" indent="0" algn="l" rtl="0">
               <a:spcBef>
                 <a:spcPts val="0"/>
               </a:spcBef>
@@ -11025,12 +11277,12 @@
             </a:ln>
           </p:spPr>
           <p:txBody>
-            <a:bodyPr anchorCtr="0" anchor="t" bIns="45700" lIns="91425" spcFirstLastPara="1" rIns="91425" wrap="square" tIns="45700">
+            <a:bodyPr spcFirstLastPara="1" wrap="square" lIns="91425" tIns="45700" rIns="91425" bIns="45700" anchor="t" anchorCtr="0">
               <a:spAutoFit/>
             </a:bodyPr>
             <a:lstStyle/>
             <a:p>
-              <a:pPr indent="0" lvl="0" marL="0" marR="0" rtl="0" algn="l">
+              <a:pPr marL="0" marR="0" lvl="0" indent="0" algn="l" rtl="0">
                 <a:spcBef>
                   <a:spcPts val="0"/>
                 </a:spcBef>
@@ -11054,7 +11306,7 @@
               <a:endParaRPr/>
             </a:p>
             <a:p>
-              <a:pPr indent="0" lvl="0" marL="0" marR="0" rtl="0" algn="l">
+              <a:pPr marL="0" marR="0" lvl="0" indent="0" algn="l" rtl="0">
                 <a:spcBef>
                   <a:spcPts val="0"/>
                 </a:spcBef>
@@ -11064,7 +11316,7 @@
                 <a:buNone/>
               </a:pPr>
               <a:r>
-                <a:rPr i="1" lang="en-GB" sz="1600">
+                <a:rPr lang="en-GB" sz="1600" i="1">
                   <a:solidFill>
                     <a:srgbClr val="000000"/>
                   </a:solidFill>
@@ -11078,7 +11330,7 @@
               <a:endParaRPr/>
             </a:p>
             <a:p>
-              <a:pPr indent="0" lvl="0" marL="0" marR="0" rtl="0" algn="l">
+              <a:pPr marL="0" marR="0" lvl="0" indent="0" algn="l" rtl="0">
                 <a:spcBef>
                   <a:spcPts val="0"/>
                 </a:spcBef>
@@ -11088,7 +11340,7 @@
                 <a:buNone/>
               </a:pPr>
               <a:r>
-                <a:rPr i="1" lang="en-GB" sz="1600">
+                <a:rPr lang="en-GB" sz="1600" i="1">
                   <a:solidFill>
                     <a:schemeClr val="dk1"/>
                   </a:solidFill>
@@ -11102,7 +11354,7 @@
               <a:endParaRPr/>
             </a:p>
             <a:p>
-              <a:pPr indent="0" lvl="0" marL="0" marR="0" rtl="0" algn="l">
+              <a:pPr marL="0" marR="0" lvl="0" indent="0" algn="l" rtl="0">
                 <a:spcBef>
                   <a:spcPts val="0"/>
                 </a:spcBef>
@@ -11111,9 +11363,6 @@
                 </a:spcAft>
                 <a:buNone/>
               </a:pPr>
-              <a:r>
-                <a:t/>
-              </a:r>
               <a:endParaRPr sz="1800">
                 <a:solidFill>
                   <a:schemeClr val="dk1"/>
@@ -11169,14 +11418,14 @@
                   <a:avLst/>
                 </a:prstGeom>
                 <a:noFill/>
-                <a:ln cap="flat" cmpd="sng" w="9525">
+                <a:ln w="9525" cap="flat" cmpd="sng">
                   <a:solidFill>
                     <a:srgbClr val="262626"/>
                   </a:solidFill>
                   <a:prstDash val="solid"/>
                   <a:miter lim="800000"/>
-                  <a:headEnd len="sm" w="sm" type="none"/>
-                  <a:tailEnd len="sm" w="sm" type="none"/>
+                  <a:headEnd type="none" w="sm" len="sm"/>
+                  <a:tailEnd type="none" w="sm" len="sm"/>
                 </a:ln>
               </p:spPr>
             </p:cxnSp>
@@ -11195,14 +11444,14 @@
                   <a:avLst/>
                 </a:prstGeom>
                 <a:noFill/>
-                <a:ln cap="flat" cmpd="sng" w="9525">
+                <a:ln w="9525" cap="flat" cmpd="sng">
                   <a:solidFill>
                     <a:srgbClr val="262626"/>
                   </a:solidFill>
                   <a:prstDash val="solid"/>
                   <a:miter lim="800000"/>
-                  <a:headEnd len="sm" w="sm" type="none"/>
-                  <a:tailEnd len="sm" w="sm" type="none"/>
+                  <a:headEnd type="none" w="sm" len="sm"/>
+                  <a:tailEnd type="none" w="sm" len="sm"/>
                 </a:ln>
               </p:spPr>
             </p:cxnSp>
@@ -11221,14 +11470,14 @@
                   <a:avLst/>
                 </a:prstGeom>
                 <a:noFill/>
-                <a:ln cap="flat" cmpd="sng" w="9525">
+                <a:ln w="9525" cap="flat" cmpd="sng">
                   <a:solidFill>
                     <a:srgbClr val="A5A5A5"/>
                   </a:solidFill>
                   <a:prstDash val="solid"/>
                   <a:miter lim="800000"/>
-                  <a:headEnd len="sm" w="sm" type="none"/>
-                  <a:tailEnd len="sm" w="sm" type="none"/>
+                  <a:headEnd type="none" w="sm" len="sm"/>
+                  <a:tailEnd type="none" w="sm" len="sm"/>
                 </a:ln>
               </p:spPr>
             </p:cxnSp>
@@ -11247,14 +11496,14 @@
                   <a:avLst/>
                 </a:prstGeom>
                 <a:noFill/>
-                <a:ln cap="flat" cmpd="sng" w="9525">
+                <a:ln w="9525" cap="flat" cmpd="sng">
                   <a:solidFill>
                     <a:srgbClr val="A5A5A5"/>
                   </a:solidFill>
                   <a:prstDash val="solid"/>
                   <a:miter lim="800000"/>
-                  <a:headEnd len="sm" w="sm" type="none"/>
-                  <a:tailEnd len="sm" w="sm" type="none"/>
+                  <a:headEnd type="none" w="sm" len="sm"/>
+                  <a:tailEnd type="none" w="sm" len="sm"/>
                 </a:ln>
               </p:spPr>
             </p:cxnSp>
@@ -11273,14 +11522,14 @@
                   <a:avLst/>
                 </a:prstGeom>
                 <a:noFill/>
-                <a:ln cap="flat" cmpd="sng" w="9525">
+                <a:ln w="9525" cap="flat" cmpd="sng">
                   <a:solidFill>
                     <a:srgbClr val="A5A5A5"/>
                   </a:solidFill>
                   <a:prstDash val="solid"/>
                   <a:miter lim="800000"/>
-                  <a:headEnd len="sm" w="sm" type="none"/>
-                  <a:tailEnd len="sm" w="sm" type="none"/>
+                  <a:headEnd type="none" w="sm" len="sm"/>
+                  <a:tailEnd type="none" w="sm" len="sm"/>
                 </a:ln>
               </p:spPr>
             </p:cxnSp>
@@ -11299,14 +11548,14 @@
                   <a:avLst/>
                 </a:prstGeom>
                 <a:noFill/>
-                <a:ln cap="flat" cmpd="sng" w="9525">
+                <a:ln w="9525" cap="flat" cmpd="sng">
                   <a:solidFill>
                     <a:srgbClr val="262626"/>
                   </a:solidFill>
                   <a:prstDash val="solid"/>
                   <a:miter lim="800000"/>
-                  <a:headEnd len="sm" w="sm" type="none"/>
-                  <a:tailEnd len="sm" w="sm" type="none"/>
+                  <a:headEnd type="none" w="sm" len="sm"/>
+                  <a:tailEnd type="none" w="sm" len="sm"/>
                 </a:ln>
               </p:spPr>
             </p:cxnSp>
@@ -11325,14 +11574,14 @@
                   <a:avLst/>
                 </a:prstGeom>
                 <a:noFill/>
-                <a:ln cap="flat" cmpd="sng" w="9525">
+                <a:ln w="9525" cap="flat" cmpd="sng">
                   <a:solidFill>
                     <a:srgbClr val="262626"/>
                   </a:solidFill>
                   <a:prstDash val="solid"/>
                   <a:miter lim="800000"/>
-                  <a:headEnd len="sm" w="sm" type="none"/>
-                  <a:tailEnd len="sm" w="sm" type="none"/>
+                  <a:headEnd type="none" w="sm" len="sm"/>
+                  <a:tailEnd type="none" w="sm" len="sm"/>
                 </a:ln>
               </p:spPr>
             </p:cxnSp>
@@ -11351,14 +11600,14 @@
                   <a:avLst/>
                 </a:prstGeom>
                 <a:noFill/>
-                <a:ln cap="flat" cmpd="sng" w="9525">
+                <a:ln w="9525" cap="flat" cmpd="sng">
                   <a:solidFill>
                     <a:srgbClr val="262626"/>
                   </a:solidFill>
                   <a:prstDash val="solid"/>
                   <a:miter lim="800000"/>
-                  <a:headEnd len="sm" w="sm" type="none"/>
-                  <a:tailEnd len="sm" w="sm" type="none"/>
+                  <a:headEnd type="none" w="sm" len="sm"/>
+                  <a:tailEnd type="none" w="sm" len="sm"/>
                 </a:ln>
               </p:spPr>
             </p:cxnSp>
@@ -11378,23 +11627,23 @@
                 <a:avLst/>
               </a:prstGeom>
               <a:noFill/>
-              <a:ln cap="flat" cmpd="sng" w="12700">
+              <a:ln w="12700" cap="flat" cmpd="sng">
                 <a:solidFill>
                   <a:srgbClr val="262626"/>
                 </a:solidFill>
                 <a:prstDash val="solid"/>
                 <a:miter lim="800000"/>
-                <a:headEnd len="sm" w="sm" type="none"/>
-                <a:tailEnd len="sm" w="sm" type="none"/>
+                <a:headEnd type="none" w="sm" len="sm"/>
+                <a:tailEnd type="none" w="sm" len="sm"/>
               </a:ln>
             </p:spPr>
             <p:txBody>
-              <a:bodyPr anchorCtr="0" anchor="ctr" bIns="45700" lIns="91425" spcFirstLastPara="1" rIns="91425" wrap="square" tIns="45700">
+              <a:bodyPr spcFirstLastPara="1" wrap="square" lIns="91425" tIns="45700" rIns="91425" bIns="45700" anchor="ctr" anchorCtr="0">
                 <a:noAutofit/>
               </a:bodyPr>
               <a:lstStyle/>
               <a:p>
-                <a:pPr indent="0" lvl="0" marL="0" marR="0" rtl="0" algn="ctr">
+                <a:pPr marL="0" marR="0" lvl="0" indent="0" algn="ctr" rtl="0">
                   <a:spcBef>
                     <a:spcPts val="0"/>
                   </a:spcBef>
@@ -11403,9 +11652,6 @@
                   </a:spcAft>
                   <a:buNone/>
                 </a:pPr>
-                <a:r>
-                  <a:t/>
-                </a:r>
                 <a:endParaRPr sz="1800">
                   <a:solidFill>
                     <a:schemeClr val="lt1"/>
@@ -11439,12 +11685,12 @@
             </a:ln>
           </p:spPr>
           <p:txBody>
-            <a:bodyPr anchorCtr="0" anchor="t" bIns="45700" lIns="91425" spcFirstLastPara="1" rIns="91425" wrap="square" tIns="45700">
+            <a:bodyPr spcFirstLastPara="1" wrap="square" lIns="91425" tIns="45700" rIns="91425" bIns="45700" anchor="t" anchorCtr="0">
               <a:spAutoFit/>
             </a:bodyPr>
             <a:lstStyle/>
             <a:p>
-              <a:pPr indent="0" lvl="0" marL="0" marR="0" rtl="0" algn="l">
+              <a:pPr marL="0" marR="0" lvl="0" indent="0" algn="l" rtl="0">
                 <a:spcBef>
                   <a:spcPts val="0"/>
                 </a:spcBef>
@@ -11468,7 +11714,7 @@
               <a:endParaRPr/>
             </a:p>
             <a:p>
-              <a:pPr indent="0" lvl="0" marL="0" marR="0" rtl="0" algn="l">
+              <a:pPr marL="0" marR="0" lvl="0" indent="0" algn="l" rtl="0">
                 <a:spcBef>
                   <a:spcPts val="0"/>
                 </a:spcBef>
@@ -11478,7 +11724,7 @@
                 <a:buNone/>
               </a:pPr>
               <a:r>
-                <a:rPr i="1" lang="en-GB" sz="1600">
+                <a:rPr lang="en-GB" sz="1600" i="1">
                   <a:solidFill>
                     <a:schemeClr val="dk1"/>
                   </a:solidFill>
@@ -11513,12 +11759,12 @@
             </a:ln>
           </p:spPr>
           <p:txBody>
-            <a:bodyPr anchorCtr="0" anchor="t" bIns="45700" lIns="91425" spcFirstLastPara="1" rIns="91425" wrap="square" tIns="45700">
+            <a:bodyPr spcFirstLastPara="1" wrap="square" lIns="91425" tIns="45700" rIns="91425" bIns="45700" anchor="t" anchorCtr="0">
               <a:spAutoFit/>
             </a:bodyPr>
             <a:lstStyle/>
             <a:p>
-              <a:pPr indent="0" lvl="0" marL="0" marR="0" rtl="0" algn="l">
+              <a:pPr marL="0" marR="0" lvl="0" indent="0" algn="l" rtl="0">
                 <a:spcBef>
                   <a:spcPts val="0"/>
                 </a:spcBef>
@@ -11542,7 +11788,7 @@
               <a:endParaRPr/>
             </a:p>
             <a:p>
-              <a:pPr indent="0" lvl="0" marL="0" marR="0" rtl="0" algn="l">
+              <a:pPr marL="0" marR="0" lvl="0" indent="0" algn="l" rtl="0">
                 <a:spcBef>
                   <a:spcPts val="0"/>
                 </a:spcBef>
@@ -11552,7 +11798,7 @@
                 <a:buNone/>
               </a:pPr>
               <a:r>
-                <a:rPr i="1" lang="en-GB" sz="1600">
+                <a:rPr lang="en-GB" sz="1600" i="1">
                   <a:solidFill>
                     <a:srgbClr val="000000"/>
                   </a:solidFill>
@@ -11566,7 +11812,7 @@
               <a:endParaRPr/>
             </a:p>
             <a:p>
-              <a:pPr indent="0" lvl="0" marL="0" marR="0" rtl="0" algn="l">
+              <a:pPr marL="0" marR="0" lvl="0" indent="0" algn="l" rtl="0">
                 <a:spcBef>
                   <a:spcPts val="0"/>
                 </a:spcBef>
@@ -11575,9 +11821,6 @@
                 </a:spcAft>
                 <a:buNone/>
               </a:pPr>
-              <a:r>
-                <a:t/>
-              </a:r>
               <a:endParaRPr sz="1800">
                 <a:solidFill>
                   <a:schemeClr val="dk1"/>
@@ -11610,12 +11853,12 @@
             </a:ln>
           </p:spPr>
           <p:txBody>
-            <a:bodyPr anchorCtr="0" anchor="t" bIns="45700" lIns="91425" spcFirstLastPara="1" rIns="91425" wrap="square" tIns="45700">
+            <a:bodyPr spcFirstLastPara="1" wrap="square" lIns="91425" tIns="45700" rIns="91425" bIns="45700" anchor="t" anchorCtr="0">
               <a:spAutoFit/>
             </a:bodyPr>
             <a:lstStyle/>
             <a:p>
-              <a:pPr indent="0" lvl="0" marL="0" marR="0" rtl="0" algn="l">
+              <a:pPr marL="0" marR="0" lvl="0" indent="0" algn="l" rtl="0">
                 <a:spcBef>
                   <a:spcPts val="0"/>
                 </a:spcBef>
@@ -11662,7 +11905,7 @@
               <a:endParaRPr/>
             </a:p>
             <a:p>
-              <a:pPr indent="0" lvl="0" marL="0" marR="0" rtl="0" algn="l">
+              <a:pPr marL="0" marR="0" lvl="0" indent="0" algn="l" rtl="0">
                 <a:spcBef>
                   <a:spcPts val="0"/>
                 </a:spcBef>
@@ -11672,7 +11915,7 @@
                 <a:buNone/>
               </a:pPr>
               <a:r>
-                <a:rPr i="1" lang="en-GB" sz="1600">
+                <a:rPr lang="en-GB" sz="1600" i="1">
                   <a:solidFill>
                     <a:srgbClr val="000000"/>
                   </a:solidFill>
@@ -11683,7 +11926,7 @@
                 </a:rPr>
                 <a:t>Goals: last, custom function</a:t>
               </a:r>
-              <a:endParaRPr i="1" sz="1600">
+              <a:endParaRPr sz="1600" i="1">
                 <a:solidFill>
                   <a:srgbClr val="000000"/>
                 </a:solidFill>
@@ -11694,7 +11937,7 @@
               </a:endParaRPr>
             </a:p>
             <a:p>
-              <a:pPr indent="0" lvl="0" marL="0" marR="0" rtl="0" algn="l">
+              <a:pPr marL="0" marR="0" lvl="0" indent="0" algn="l" rtl="0">
                 <a:spcBef>
                   <a:spcPts val="0"/>
                 </a:spcBef>
@@ -11703,9 +11946,6 @@
                 </a:spcAft>
                 <a:buNone/>
               </a:pPr>
-              <a:r>
-                <a:t/>
-              </a:r>
               <a:endParaRPr sz="1800">
                 <a:solidFill>
                   <a:schemeClr val="dk1"/>
@@ -11738,12 +11978,12 @@
             </a:ln>
           </p:spPr>
           <p:txBody>
-            <a:bodyPr anchorCtr="0" anchor="t" bIns="45700" lIns="91425" spcFirstLastPara="1" rIns="91425" wrap="square" tIns="45700">
+            <a:bodyPr spcFirstLastPara="1" wrap="square" lIns="91425" tIns="45700" rIns="91425" bIns="45700" anchor="t" anchorCtr="0">
               <a:spAutoFit/>
             </a:bodyPr>
             <a:lstStyle/>
             <a:p>
-              <a:pPr indent="0" lvl="0" marL="0" marR="0" rtl="0" algn="l">
+              <a:pPr marL="0" marR="0" lvl="0" indent="0" algn="l" rtl="0">
                 <a:spcBef>
                   <a:spcPts val="0"/>
                 </a:spcBef>
@@ -11767,7 +12007,7 @@
               <a:endParaRPr/>
             </a:p>
             <a:p>
-              <a:pPr indent="0" lvl="0" marL="0" marR="0" rtl="0" algn="l">
+              <a:pPr marL="0" marR="0" lvl="0" indent="0" algn="l" rtl="0">
                 <a:spcBef>
                   <a:spcPts val="0"/>
                 </a:spcBef>
@@ -11777,7 +12017,7 @@
                 <a:buNone/>
               </a:pPr>
               <a:r>
-                <a:rPr i="1" lang="en-GB" sz="1600">
+                <a:rPr lang="en-GB" sz="1600" i="1">
                   <a:solidFill>
                     <a:srgbClr val="000000"/>
                   </a:solidFill>
@@ -11788,7 +12028,7 @@
                 </a:rPr>
                 <a:t>Goals: aggregateWindow</a:t>
               </a:r>
-              <a:endParaRPr i="1" sz="1600">
+              <a:endParaRPr sz="1600" i="1">
                 <a:solidFill>
                   <a:srgbClr val="000000"/>
                 </a:solidFill>
@@ -11799,7 +12039,7 @@
               </a:endParaRPr>
             </a:p>
             <a:p>
-              <a:pPr indent="0" lvl="0" marL="0" marR="0" rtl="0" algn="l">
+              <a:pPr marL="0" marR="0" lvl="0" indent="0" algn="l" rtl="0">
                 <a:spcBef>
                   <a:spcPts val="0"/>
                 </a:spcBef>
@@ -11808,9 +12048,6 @@
                 </a:spcAft>
                 <a:buNone/>
               </a:pPr>
-              <a:r>
-                <a:t/>
-              </a:r>
               <a:endParaRPr sz="1800">
                 <a:solidFill>
                   <a:schemeClr val="dk1"/>
@@ -11843,12 +12080,12 @@
             </a:ln>
           </p:spPr>
           <p:txBody>
-            <a:bodyPr anchorCtr="0" anchor="t" bIns="45700" lIns="91425" spcFirstLastPara="1" rIns="91425" wrap="square" tIns="45700">
+            <a:bodyPr spcFirstLastPara="1" wrap="square" lIns="91425" tIns="45700" rIns="91425" bIns="45700" anchor="t" anchorCtr="0">
               <a:spAutoFit/>
             </a:bodyPr>
             <a:lstStyle/>
             <a:p>
-              <a:pPr indent="0" lvl="0" marL="0" marR="0" rtl="0" algn="l">
+              <a:pPr marL="0" marR="0" lvl="0" indent="0" algn="l" rtl="0">
                 <a:spcBef>
                   <a:spcPts val="0"/>
                 </a:spcBef>
@@ -11872,7 +12109,7 @@
               <a:endParaRPr/>
             </a:p>
             <a:p>
-              <a:pPr indent="0" lvl="0" marL="0" marR="0" rtl="0" algn="l">
+              <a:pPr marL="0" marR="0" lvl="0" indent="0" algn="l" rtl="0">
                 <a:spcBef>
                   <a:spcPts val="0"/>
                 </a:spcBef>
@@ -11882,7 +12119,7 @@
                 <a:buNone/>
               </a:pPr>
               <a:r>
-                <a:rPr i="1" lang="en-GB" sz="1600">
+                <a:rPr lang="en-GB" sz="1600" i="1">
                   <a:solidFill>
                     <a:srgbClr val="000000"/>
                   </a:solidFill>
@@ -11896,7 +12133,7 @@
               <a:endParaRPr/>
             </a:p>
             <a:p>
-              <a:pPr indent="0" lvl="0" marL="0" marR="0" rtl="0" algn="l">
+              <a:pPr marL="0" marR="0" lvl="0" indent="0" algn="l" rtl="0">
                 <a:spcBef>
                   <a:spcPts val="0"/>
                 </a:spcBef>
@@ -11905,9 +12142,6 @@
                 </a:spcAft>
                 <a:buNone/>
               </a:pPr>
-              <a:r>
-                <a:t/>
-              </a:r>
               <a:endParaRPr sz="1800">
                 <a:solidFill>
                   <a:schemeClr val="dk1"/>
@@ -11940,12 +12174,12 @@
             </a:ln>
           </p:spPr>
           <p:txBody>
-            <a:bodyPr anchorCtr="0" anchor="t" bIns="45700" lIns="91425" spcFirstLastPara="1" rIns="91425" wrap="square" tIns="45700">
+            <a:bodyPr spcFirstLastPara="1" wrap="square" lIns="91425" tIns="45700" rIns="91425" bIns="45700" anchor="t" anchorCtr="0">
               <a:spAutoFit/>
             </a:bodyPr>
             <a:lstStyle/>
             <a:p>
-              <a:pPr indent="0" lvl="0" marL="0" marR="0" rtl="0" algn="l">
+              <a:pPr marL="0" marR="0" lvl="0" indent="0" algn="l" rtl="0">
                 <a:spcBef>
                   <a:spcPts val="0"/>
                 </a:spcBef>
@@ -11969,7 +12203,7 @@
               <a:endParaRPr/>
             </a:p>
             <a:p>
-              <a:pPr indent="0" lvl="0" marL="0" marR="0" rtl="0" algn="l">
+              <a:pPr marL="0" marR="0" lvl="0" indent="0" algn="l" rtl="0">
                 <a:spcBef>
                   <a:spcPts val="0"/>
                 </a:spcBef>
@@ -11979,7 +12213,7 @@
                 <a:buNone/>
               </a:pPr>
               <a:r>
-                <a:rPr i="1" lang="en-GB" sz="1600">
+                <a:rPr lang="en-GB" sz="1600" i="1">
                   <a:solidFill>
                     <a:schemeClr val="dk1"/>
                   </a:solidFill>
@@ -11993,7 +12227,7 @@
               <a:endParaRPr/>
             </a:p>
             <a:p>
-              <a:pPr indent="0" lvl="0" marL="0" marR="0" rtl="0" algn="l">
+              <a:pPr marL="0" marR="0" lvl="0" indent="0" algn="l" rtl="0">
                 <a:spcBef>
                   <a:spcPts val="0"/>
                 </a:spcBef>
@@ -12003,7 +12237,7 @@
                 <a:buNone/>
               </a:pPr>
               <a:r>
-                <a:rPr i="1" lang="en-GB" sz="1600">
+                <a:rPr lang="en-GB" sz="1600" i="1">
                   <a:solidFill>
                     <a:schemeClr val="dk1"/>
                   </a:solidFill>
@@ -12017,7 +12251,7 @@
               <a:endParaRPr/>
             </a:p>
             <a:p>
-              <a:pPr indent="0" lvl="0" marL="0" marR="0" rtl="0" algn="l">
+              <a:pPr marL="0" marR="0" lvl="0" indent="0" algn="l" rtl="0">
                 <a:spcBef>
                   <a:spcPts val="0"/>
                 </a:spcBef>
@@ -12026,9 +12260,6 @@
                 </a:spcAft>
                 <a:buNone/>
               </a:pPr>
-              <a:r>
-                <a:t/>
-              </a:r>
               <a:endParaRPr sz="1800">
                 <a:solidFill>
                   <a:schemeClr val="dk1"/>
@@ -12061,12 +12292,12 @@
             </a:ln>
           </p:spPr>
           <p:txBody>
-            <a:bodyPr anchorCtr="0" anchor="t" bIns="45700" lIns="91425" spcFirstLastPara="1" rIns="91425" wrap="square" tIns="45700">
+            <a:bodyPr spcFirstLastPara="1" wrap="square" lIns="91425" tIns="45700" rIns="91425" bIns="45700" anchor="t" anchorCtr="0">
               <a:spAutoFit/>
             </a:bodyPr>
             <a:lstStyle/>
             <a:p>
-              <a:pPr indent="0" lvl="0" marL="0" marR="0" rtl="0" algn="l">
+              <a:pPr marL="0" marR="0" lvl="0" indent="0" algn="l" rtl="0">
                 <a:spcBef>
                   <a:spcPts val="0"/>
                 </a:spcBef>
@@ -12136,7 +12367,7 @@
               <a:endParaRPr/>
             </a:p>
             <a:p>
-              <a:pPr indent="0" lvl="0" marL="0" marR="0" rtl="0" algn="l">
+              <a:pPr marL="0" marR="0" lvl="0" indent="0" algn="l" rtl="0">
                 <a:spcBef>
                   <a:spcPts val="0"/>
                 </a:spcBef>
@@ -12146,7 +12377,7 @@
                 <a:buNone/>
               </a:pPr>
               <a:r>
-                <a:rPr i="1" lang="en-GB" sz="1600">
+                <a:rPr lang="en-GB" sz="1600" i="1">
                   <a:solidFill>
                     <a:srgbClr val="000000"/>
                   </a:solidFill>
@@ -12168,7 +12399,7 @@
               </a:endParaRPr>
             </a:p>
             <a:p>
-              <a:pPr indent="0" lvl="0" marL="0" marR="0" rtl="0" algn="l">
+              <a:pPr marL="0" marR="0" lvl="0" indent="0" algn="l" rtl="0">
                 <a:spcBef>
                   <a:spcPts val="0"/>
                 </a:spcBef>
@@ -12178,7 +12409,7 @@
                 <a:buNone/>
               </a:pPr>
               <a:r>
-                <a:rPr i="1" lang="en-GB" sz="1600">
+                <a:rPr lang="en-GB" sz="1600" i="1">
                   <a:solidFill>
                     <a:schemeClr val="dk1"/>
                   </a:solidFill>
@@ -12189,7 +12420,7 @@
                 </a:rPr>
                 <a:t>HINT: timeShift</a:t>
               </a:r>
-              <a:endParaRPr i="1" sz="1600">
+              <a:endParaRPr sz="1600" i="1">
                 <a:solidFill>
                   <a:schemeClr val="dk1"/>
                 </a:solidFill>
@@ -12223,12 +12454,12 @@
             </a:ln>
           </p:spPr>
           <p:txBody>
-            <a:bodyPr anchorCtr="0" anchor="t" bIns="45700" lIns="91425" spcFirstLastPara="1" rIns="91425" wrap="square" tIns="45700">
+            <a:bodyPr spcFirstLastPara="1" wrap="square" lIns="91425" tIns="45700" rIns="91425" bIns="45700" anchor="t" anchorCtr="0">
               <a:spAutoFit/>
             </a:bodyPr>
             <a:lstStyle/>
             <a:p>
-              <a:pPr indent="0" lvl="0" marL="0" marR="0" rtl="0" algn="ctr">
+              <a:pPr marL="0" marR="0" lvl="0" indent="0" algn="ctr" rtl="0">
                 <a:spcBef>
                   <a:spcPts val="0"/>
                 </a:spcBef>
@@ -12275,12 +12506,12 @@
             </a:ln>
           </p:spPr>
           <p:txBody>
-            <a:bodyPr anchorCtr="0" anchor="t" bIns="45700" lIns="91425" spcFirstLastPara="1" rIns="91425" wrap="square" tIns="45700">
+            <a:bodyPr spcFirstLastPara="1" wrap="square" lIns="91425" tIns="45700" rIns="91425" bIns="45700" anchor="t" anchorCtr="0">
               <a:spAutoFit/>
             </a:bodyPr>
             <a:lstStyle/>
             <a:p>
-              <a:pPr indent="0" lvl="0" marL="0" marR="0" rtl="0" algn="ctr">
+              <a:pPr marL="0" marR="0" lvl="0" indent="0" algn="ctr" rtl="0">
                 <a:spcBef>
                   <a:spcPts val="0"/>
                 </a:spcBef>
@@ -12327,12 +12558,12 @@
             </a:ln>
           </p:spPr>
           <p:txBody>
-            <a:bodyPr anchorCtr="0" anchor="t" bIns="45700" lIns="91425" spcFirstLastPara="1" rIns="91425" wrap="square" tIns="45700">
+            <a:bodyPr spcFirstLastPara="1" wrap="square" lIns="91425" tIns="45700" rIns="91425" bIns="45700" anchor="t" anchorCtr="0">
               <a:spAutoFit/>
             </a:bodyPr>
             <a:lstStyle/>
             <a:p>
-              <a:pPr indent="0" lvl="0" marL="0" marR="0" rtl="0" algn="ctr">
+              <a:pPr marL="0" marR="0" lvl="0" indent="0" algn="ctr" rtl="0">
                 <a:spcBef>
                   <a:spcPts val="0"/>
                 </a:spcBef>
@@ -12379,12 +12610,12 @@
             </a:ln>
           </p:spPr>
           <p:txBody>
-            <a:bodyPr anchorCtr="0" anchor="t" bIns="45700" lIns="91425" spcFirstLastPara="1" rIns="91425" wrap="square" tIns="45700">
+            <a:bodyPr spcFirstLastPara="1" wrap="square" lIns="91425" tIns="45700" rIns="91425" bIns="45700" anchor="t" anchorCtr="0">
               <a:spAutoFit/>
             </a:bodyPr>
             <a:lstStyle/>
             <a:p>
-              <a:pPr indent="0" lvl="0" marL="0" marR="0" rtl="0" algn="ctr">
+              <a:pPr marL="0" marR="0" lvl="0" indent="0" algn="ctr" rtl="0">
                 <a:spcBef>
                   <a:spcPts val="0"/>
                 </a:spcBef>
@@ -12431,12 +12662,12 @@
             </a:ln>
           </p:spPr>
           <p:txBody>
-            <a:bodyPr anchorCtr="0" anchor="t" bIns="45700" lIns="91425" spcFirstLastPara="1" rIns="91425" wrap="square" tIns="45700">
+            <a:bodyPr spcFirstLastPara="1" wrap="square" lIns="91425" tIns="45700" rIns="91425" bIns="45700" anchor="t" anchorCtr="0">
               <a:spAutoFit/>
             </a:bodyPr>
             <a:lstStyle/>
             <a:p>
-              <a:pPr indent="0" lvl="0" marL="0" marR="0" rtl="0" algn="ctr">
+              <a:pPr marL="0" marR="0" lvl="0" indent="0" algn="ctr" rtl="0">
                 <a:spcBef>
                   <a:spcPts val="0"/>
                 </a:spcBef>
@@ -12483,12 +12714,12 @@
             </a:ln>
           </p:spPr>
           <p:txBody>
-            <a:bodyPr anchorCtr="0" anchor="t" bIns="45700" lIns="91425" spcFirstLastPara="1" rIns="91425" wrap="square" tIns="45700">
+            <a:bodyPr spcFirstLastPara="1" wrap="square" lIns="91425" tIns="45700" rIns="91425" bIns="45700" anchor="t" anchorCtr="0">
               <a:spAutoFit/>
             </a:bodyPr>
             <a:lstStyle/>
             <a:p>
-              <a:pPr indent="0" lvl="0" marL="0" marR="0" rtl="0" algn="ctr">
+              <a:pPr marL="0" marR="0" lvl="0" indent="0" algn="ctr" rtl="0">
                 <a:spcBef>
                   <a:spcPts val="0"/>
                 </a:spcBef>
@@ -12535,12 +12766,12 @@
             </a:ln>
           </p:spPr>
           <p:txBody>
-            <a:bodyPr anchorCtr="0" anchor="t" bIns="45700" lIns="91425" spcFirstLastPara="1" rIns="91425" wrap="square" tIns="45700">
+            <a:bodyPr spcFirstLastPara="1" wrap="square" lIns="91425" tIns="45700" rIns="91425" bIns="45700" anchor="t" anchorCtr="0">
               <a:spAutoFit/>
             </a:bodyPr>
             <a:lstStyle/>
             <a:p>
-              <a:pPr indent="0" lvl="0" marL="0" marR="0" rtl="0" algn="ctr">
+              <a:pPr marL="0" marR="0" lvl="0" indent="0" algn="ctr" rtl="0">
                 <a:spcBef>
                   <a:spcPts val="0"/>
                 </a:spcBef>
@@ -12587,12 +12818,12 @@
             </a:ln>
           </p:spPr>
           <p:txBody>
-            <a:bodyPr anchorCtr="0" anchor="t" bIns="45700" lIns="91425" spcFirstLastPara="1" rIns="91425" wrap="square" tIns="45700">
+            <a:bodyPr spcFirstLastPara="1" wrap="square" lIns="91425" tIns="45700" rIns="91425" bIns="45700" anchor="t" anchorCtr="0">
               <a:spAutoFit/>
             </a:bodyPr>
             <a:lstStyle/>
             <a:p>
-              <a:pPr indent="0" lvl="0" marL="0" marR="0" rtl="0" algn="ctr">
+              <a:pPr marL="0" marR="0" lvl="0" indent="0" algn="ctr" rtl="0">
                 <a:spcBef>
                   <a:spcPts val="0"/>
                 </a:spcBef>
@@ -12637,12 +12868,12 @@
             </a:ln>
           </p:spPr>
           <p:txBody>
-            <a:bodyPr anchorCtr="0" anchor="t" bIns="45700" lIns="91425" spcFirstLastPara="1" rIns="91425" wrap="square" tIns="45700">
+            <a:bodyPr spcFirstLastPara="1" wrap="square" lIns="91425" tIns="45700" rIns="91425" bIns="45700" anchor="t" anchorCtr="0">
               <a:spAutoFit/>
             </a:bodyPr>
             <a:lstStyle/>
             <a:p>
-              <a:pPr indent="0" lvl="0" marL="0" marR="0" rtl="0" algn="l">
+              <a:pPr marL="0" marR="0" lvl="0" indent="0" algn="l" rtl="0">
                 <a:spcBef>
                   <a:spcPts val="0"/>
                 </a:spcBef>
@@ -12666,7 +12897,7 @@
               <a:endParaRPr/>
             </a:p>
             <a:p>
-              <a:pPr indent="0" lvl="0" marL="0" marR="0" rtl="0" algn="l">
+              <a:pPr marL="0" marR="0" lvl="0" indent="0" algn="l" rtl="0">
                 <a:spcBef>
                   <a:spcPts val="0"/>
                 </a:spcBef>
@@ -12675,10 +12906,7 @@
                 </a:spcAft>
                 <a:buNone/>
               </a:pPr>
-              <a:r>
-                <a:t/>
-              </a:r>
-              <a:endParaRPr i="1" sz="1600">
+              <a:endParaRPr sz="1600" i="1">
                 <a:solidFill>
                   <a:srgbClr val="000000"/>
                 </a:solidFill>
@@ -12689,7 +12917,7 @@
               </a:endParaRPr>
             </a:p>
             <a:p>
-              <a:pPr indent="0" lvl="0" marL="0" marR="0" rtl="0" algn="l">
+              <a:pPr marL="0" marR="0" lvl="0" indent="0" algn="l" rtl="0">
                 <a:spcBef>
                   <a:spcPts val="0"/>
                 </a:spcBef>
@@ -12699,7 +12927,7 @@
                 <a:buNone/>
               </a:pPr>
               <a:r>
-                <a:rPr i="1" lang="en-GB" sz="1600">
+                <a:rPr lang="en-GB" sz="1600" i="1">
                   <a:solidFill>
                     <a:srgbClr val="000000"/>
                   </a:solidFill>
@@ -12744,12 +12972,12 @@
             </a:ln>
           </p:spPr>
           <p:txBody>
-            <a:bodyPr anchorCtr="0" anchor="t" bIns="45700" lIns="91425" spcFirstLastPara="1" rIns="91425" wrap="square" tIns="45700">
+            <a:bodyPr spcFirstLastPara="1" wrap="square" lIns="91425" tIns="45700" rIns="91425" bIns="45700" anchor="t" anchorCtr="0">
               <a:spAutoFit/>
             </a:bodyPr>
             <a:lstStyle/>
             <a:p>
-              <a:pPr indent="0" lvl="0" marL="0" marR="0" rtl="0" algn="ctr">
+              <a:pPr marL="0" marR="0" lvl="0" indent="0" algn="ctr" rtl="0">
                 <a:spcBef>
                   <a:spcPts val="0"/>
                 </a:spcBef>
@@ -12784,11 +13012,11 @@
 </file>
 
 <file path=ppt/slides/slide2.xml><?xml version="1.0" encoding="utf-8"?>
-<p:sld xmlns:a="http://schemas.openxmlformats.org/drawingml/2006/main" xmlns:r="http://schemas.openxmlformats.org/officeDocument/2006/relationships" xmlns:mc="http://schemas.openxmlformats.org/markup-compatibility/2006" xmlns:mv="urn:schemas-microsoft-com:mac:vml" xmlns:p="http://schemas.openxmlformats.org/presentationml/2006/main" xmlns:c="http://schemas.openxmlformats.org/drawingml/2006/chart" xmlns:dgm="http://schemas.openxmlformats.org/drawingml/2006/diagram" xmlns:o="urn:schemas-microsoft-com:office:office" xmlns:v="urn:schemas-microsoft-com:vml" xmlns:pvml="urn:schemas-microsoft-com:office:powerpoint" xmlns:com="http://schemas.openxmlformats.org/drawingml/2006/compatibility" xmlns:p14="http://schemas.microsoft.com/office/powerpoint/2010/main" xmlns:p15="http://schemas.microsoft.com/office/powerpoint/2012/main" xmlns:ahyp="http://schemas.microsoft.com/office/drawing/2018/hyperlinkcolor">
+<p:sld xmlns:a="http://schemas.openxmlformats.org/drawingml/2006/main" xmlns:r="http://schemas.openxmlformats.org/officeDocument/2006/relationships" xmlns:p="http://schemas.openxmlformats.org/presentationml/2006/main">
   <p:cSld>
     <p:spTree>
       <p:nvGrpSpPr>
-        <p:cNvPr id="119" name="Shape 119"/>
+        <p:cNvPr id="1" name="Shape 119"/>
         <p:cNvGrpSpPr/>
         <p:nvPr/>
       </p:nvGrpSpPr>
@@ -12822,12 +13050,12 @@
           </a:ln>
         </p:spPr>
         <p:txBody>
-          <a:bodyPr anchorCtr="0" anchor="t" bIns="45700" lIns="91425" spcFirstLastPara="1" rIns="91425" wrap="square" tIns="45700">
+          <a:bodyPr spcFirstLastPara="1" wrap="square" lIns="91425" tIns="45700" rIns="91425" bIns="45700" anchor="t" anchorCtr="0">
             <a:spAutoFit/>
           </a:bodyPr>
           <a:lstStyle/>
           <a:p>
-            <a:pPr indent="0" lvl="0" marL="0" marR="0" rtl="0" algn="l">
+            <a:pPr marL="0" marR="0" lvl="0" indent="0" algn="l" rtl="0">
               <a:spcBef>
                 <a:spcPts val="0"/>
               </a:spcBef>
@@ -12862,7 +13090,7 @@
           <a:blip r:embed="rId3">
             <a:alphaModFix/>
           </a:blip>
-          <a:srcRect b="0" l="0" r="0" t="0"/>
+          <a:srcRect/>
           <a:stretch/>
         </p:blipFill>
         <p:spPr>
@@ -12889,7 +13117,7 @@
           <a:blip r:embed="rId4">
             <a:alphaModFix/>
           </a:blip>
-          <a:srcRect b="0" l="0" r="0" t="0"/>
+          <a:srcRect/>
           <a:stretch/>
         </p:blipFill>
         <p:spPr>
@@ -12926,22 +13154,14 @@
           </a:ln>
         </p:spPr>
         <p:txBody>
-          <a:bodyPr anchorCtr="0" anchor="t" bIns="45700" lIns="91425" spcFirstLastPara="1" rIns="91425" wrap="square" tIns="45700">
+          <a:bodyPr spcFirstLastPara="1" wrap="square" lIns="91425" tIns="45700" rIns="91425" bIns="45700" anchor="t" anchorCtr="0">
             <a:spAutoFit/>
           </a:bodyPr>
           <a:lstStyle/>
           <a:p>
-            <a:pPr indent="0" lvl="0" marL="0" marR="0" rtl="0" algn="l">
-              <a:spcBef>
-                <a:spcPts val="0"/>
-              </a:spcBef>
-              <a:spcAft>
-                <a:spcPts val="0"/>
-              </a:spcAft>
-              <a:buNone/>
-            </a:pPr>
+            <a:pPr lvl="0"/>
             <a:r>
-              <a:rPr b="1" lang="en-GB" sz="1600">
+              <a:rPr lang="en-GB" sz="1600" b="1" dirty="0">
                 <a:solidFill>
                   <a:schemeClr val="dk1"/>
                 </a:solidFill>
@@ -12953,7 +13173,7 @@
               <a:t>Start</a:t>
             </a:r>
             <a:r>
-              <a:rPr lang="en-GB" sz="1600">
+              <a:rPr lang="en-GB" sz="1600" dirty="0">
                 <a:solidFill>
                   <a:schemeClr val="dk1"/>
                 </a:solidFill>
@@ -12965,15 +13185,15 @@
               <a:t>: </a:t>
             </a:r>
             <a:r>
-              <a:rPr lang="en-GB" sz="1600">
+              <a:rPr lang="en-GB" sz="1600" dirty="0">
                 <a:solidFill>
                   <a:schemeClr val="dk1"/>
                 </a:solidFill>
               </a:rPr>
-              <a:t>2021-09-28</a:t>
+              <a:t>2021-10-11</a:t>
             </a:r>
             <a:r>
-              <a:rPr lang="en-GB" sz="1600">
+              <a:rPr lang="en-GB" sz="1600" dirty="0">
                 <a:solidFill>
                   <a:schemeClr val="dk1"/>
                 </a:solidFill>
@@ -12985,7 +13205,149 @@
               <a:t> 12:00:00.000 (UTC) - </a:t>
             </a:r>
             <a:r>
-              <a:rPr b="1" lang="en-GB" sz="1600">
+              <a:rPr lang="en-GB" sz="1600" b="1" dirty="0">
+                <a:solidFill>
+                  <a:schemeClr val="dk1"/>
+                </a:solidFill>
+                <a:latin typeface="Arial"/>
+                <a:ea typeface="Arial"/>
+                <a:cs typeface="Arial"/>
+                <a:sym typeface="Arial"/>
+              </a:rPr>
+              <a:t>Stop</a:t>
+            </a:r>
+            <a:r>
+              <a:rPr lang="en-GB" sz="1600" dirty="0">
+                <a:solidFill>
+                  <a:schemeClr val="dk1"/>
+                </a:solidFill>
+                <a:latin typeface="Arial"/>
+                <a:ea typeface="Arial"/>
+                <a:cs typeface="Arial"/>
+                <a:sym typeface="Arial"/>
+              </a:rPr>
+              <a:t>: </a:t>
+            </a:r>
+            <a:r>
+              <a:rPr lang="en-GB" sz="1600" dirty="0">
+                <a:solidFill>
+                  <a:schemeClr val="dk1"/>
+                </a:solidFill>
+              </a:rPr>
+              <a:t>2021-10-11</a:t>
+            </a:r>
+            <a:r>
+              <a:rPr lang="en-GB" sz="1600" dirty="0">
+                <a:solidFill>
+                  <a:schemeClr val="dk1"/>
+                </a:solidFill>
+                <a:latin typeface="Arial"/>
+                <a:ea typeface="Arial"/>
+                <a:cs typeface="Arial"/>
+                <a:sym typeface="Arial"/>
+              </a:rPr>
+              <a:t> 13:</a:t>
+            </a:r>
+            <a:r>
+              <a:rPr lang="en-GB" sz="1600" b="1" dirty="0">
+                <a:solidFill>
+                  <a:schemeClr val="dk1"/>
+                </a:solidFill>
+                <a:latin typeface="Arial"/>
+                <a:ea typeface="Arial"/>
+                <a:cs typeface="Arial"/>
+                <a:sym typeface="Arial"/>
+              </a:rPr>
+              <a:t>30</a:t>
+            </a:r>
+            <a:r>
+              <a:rPr lang="en-GB" sz="1600" dirty="0">
+                <a:solidFill>
+                  <a:schemeClr val="dk1"/>
+                </a:solidFill>
+                <a:latin typeface="Arial"/>
+                <a:ea typeface="Arial"/>
+                <a:cs typeface="Arial"/>
+                <a:sym typeface="Arial"/>
+              </a:rPr>
+              <a:t>:00.000 (UTC)</a:t>
+            </a:r>
+            <a:endParaRPr dirty="0"/>
+          </a:p>
+        </p:txBody>
+      </p:sp>
+      <p:sp>
+        <p:nvSpPr>
+          <p:cNvPr id="124" name="Google Shape;124;p2"/>
+          <p:cNvSpPr txBox="1"/>
+          <p:nvPr/>
+        </p:nvSpPr>
+        <p:spPr>
+          <a:xfrm>
+            <a:off x="802715" y="3422578"/>
+            <a:ext cx="7756492" cy="338554"/>
+          </a:xfrm>
+          <a:prstGeom prst="rect">
+            <a:avLst/>
+          </a:prstGeom>
+          <a:noFill/>
+          <a:ln>
+            <a:noFill/>
+          </a:ln>
+        </p:spPr>
+        <p:txBody>
+          <a:bodyPr spcFirstLastPara="1" wrap="square" lIns="91425" tIns="45700" rIns="91425" bIns="45700" anchor="t" anchorCtr="0">
+            <a:spAutoFit/>
+          </a:bodyPr>
+          <a:lstStyle/>
+          <a:p>
+            <a:pPr lvl="0"/>
+            <a:r>
+              <a:rPr lang="en-GB" sz="1600" b="1" dirty="0">
+                <a:solidFill>
+                  <a:schemeClr val="dk1"/>
+                </a:solidFill>
+                <a:latin typeface="Arial"/>
+                <a:ea typeface="Arial"/>
+                <a:cs typeface="Arial"/>
+                <a:sym typeface="Arial"/>
+              </a:rPr>
+              <a:t>Start</a:t>
+            </a:r>
+            <a:r>
+              <a:rPr lang="en-GB" sz="1600" dirty="0">
+                <a:solidFill>
+                  <a:schemeClr val="dk1"/>
+                </a:solidFill>
+                <a:latin typeface="Arial"/>
+                <a:ea typeface="Arial"/>
+                <a:cs typeface="Arial"/>
+                <a:sym typeface="Arial"/>
+              </a:rPr>
+              <a:t>: </a:t>
+            </a:r>
+            <a:r>
+              <a:rPr lang="en-GB" sz="1600" dirty="0">
+                <a:solidFill>
+                  <a:schemeClr val="dk1"/>
+                </a:solidFill>
+              </a:rPr>
+              <a:t>2021-10-11</a:t>
+            </a:r>
+            <a:r>
+              <a:rPr lang="en-GB" sz="1600" dirty="0">
+                <a:solidFill>
+                  <a:schemeClr val="dk1"/>
+                </a:solidFill>
+                <a:latin typeface="Arial"/>
+                <a:ea typeface="Arial"/>
+                <a:cs typeface="Arial"/>
+                <a:sym typeface="Arial"/>
+              </a:rPr>
+              <a:t> 12:00:00.000 (UTC) - </a:t>
+            </a:r>
+            <a:r>
+              <a:rPr lang="en-GB" sz="1600" b="1" dirty="0">
                 <a:solidFill>
                   <a:schemeClr val="dk1"/>
                 </a:solidFill>
@@ -13014,7 +13376,7 @@
                   <a:schemeClr val="dk1"/>
                 </a:solidFill>
               </a:rPr>
-              <a:t>2021-09-28</a:t>
+              <a:t>2021-10-11</a:t>
             </a:r>
             <a:r>
               <a:rPr lang="en-GB" sz="1600">
@@ -13026,10 +13388,10 @@
                 <a:cs typeface="Arial"/>
                 <a:sym typeface="Arial"/>
               </a:rPr>
-              <a:t> 13:</a:t>
+              <a:t> </a:t>
             </a:r>
             <a:r>
-              <a:rPr b="1" lang="en-GB" sz="1600">
+              <a:rPr lang="en-GB" sz="1600" dirty="0">
                 <a:solidFill>
                   <a:schemeClr val="dk1"/>
                 </a:solidFill>
@@ -13038,148 +13400,10 @@
                 <a:cs typeface="Arial"/>
                 <a:sym typeface="Arial"/>
               </a:rPr>
-              <a:t>30</a:t>
+              <a:t>13:</a:t>
             </a:r>
             <a:r>
-              <a:rPr lang="en-GB" sz="1600">
-                <a:solidFill>
-                  <a:schemeClr val="dk1"/>
-                </a:solidFill>
-                <a:latin typeface="Arial"/>
-                <a:ea typeface="Arial"/>
-                <a:cs typeface="Arial"/>
-                <a:sym typeface="Arial"/>
-              </a:rPr>
-              <a:t>:00.000 (UTC)</a:t>
-            </a:r>
-            <a:endParaRPr/>
-          </a:p>
-        </p:txBody>
-      </p:sp>
-      <p:sp>
-        <p:nvSpPr>
-          <p:cNvPr id="124" name="Google Shape;124;p2"/>
-          <p:cNvSpPr txBox="1"/>
-          <p:nvPr/>
-        </p:nvSpPr>
-        <p:spPr>
-          <a:xfrm>
-            <a:off x="802715" y="3422578"/>
-            <a:ext cx="7756492" cy="338554"/>
-          </a:xfrm>
-          <a:prstGeom prst="rect">
-            <a:avLst/>
-          </a:prstGeom>
-          <a:noFill/>
-          <a:ln>
-            <a:noFill/>
-          </a:ln>
-        </p:spPr>
-        <p:txBody>
-          <a:bodyPr anchorCtr="0" anchor="t" bIns="45700" lIns="91425" spcFirstLastPara="1" rIns="91425" wrap="square" tIns="45700">
-            <a:spAutoFit/>
-          </a:bodyPr>
-          <a:lstStyle/>
-          <a:p>
-            <a:pPr indent="0" lvl="0" marL="0" marR="0" rtl="0" algn="l">
-              <a:spcBef>
-                <a:spcPts val="0"/>
-              </a:spcBef>
-              <a:spcAft>
-                <a:spcPts val="0"/>
-              </a:spcAft>
-              <a:buNone/>
-            </a:pPr>
-            <a:r>
-              <a:rPr b="1" lang="en-GB" sz="1600">
-                <a:solidFill>
-                  <a:schemeClr val="dk1"/>
-                </a:solidFill>
-                <a:latin typeface="Arial"/>
-                <a:ea typeface="Arial"/>
-                <a:cs typeface="Arial"/>
-                <a:sym typeface="Arial"/>
-              </a:rPr>
-              <a:t>Start</a:t>
-            </a:r>
-            <a:r>
-              <a:rPr lang="en-GB" sz="1600">
-                <a:solidFill>
-                  <a:schemeClr val="dk1"/>
-                </a:solidFill>
-                <a:latin typeface="Arial"/>
-                <a:ea typeface="Arial"/>
-                <a:cs typeface="Arial"/>
-                <a:sym typeface="Arial"/>
-              </a:rPr>
-              <a:t>: </a:t>
-            </a:r>
-            <a:r>
-              <a:rPr lang="en-GB" sz="1600">
-                <a:solidFill>
-                  <a:schemeClr val="dk1"/>
-                </a:solidFill>
-              </a:rPr>
-              <a:t>2021-09-28</a:t>
-            </a:r>
-            <a:r>
-              <a:rPr lang="en-GB" sz="1600">
-                <a:solidFill>
-                  <a:schemeClr val="dk1"/>
-                </a:solidFill>
-                <a:latin typeface="Arial"/>
-                <a:ea typeface="Arial"/>
-                <a:cs typeface="Arial"/>
-                <a:sym typeface="Arial"/>
-              </a:rPr>
-              <a:t> 12:00:00.000 (UTC) - </a:t>
-            </a:r>
-            <a:r>
-              <a:rPr b="1" lang="en-GB" sz="1600">
-                <a:solidFill>
-                  <a:schemeClr val="dk1"/>
-                </a:solidFill>
-                <a:latin typeface="Arial"/>
-                <a:ea typeface="Arial"/>
-                <a:cs typeface="Arial"/>
-                <a:sym typeface="Arial"/>
-              </a:rPr>
-              <a:t>Stop</a:t>
-            </a:r>
-            <a:r>
-              <a:rPr lang="en-GB" sz="1600">
-                <a:solidFill>
-                  <a:schemeClr val="dk1"/>
-                </a:solidFill>
-                <a:latin typeface="Arial"/>
-                <a:ea typeface="Arial"/>
-                <a:cs typeface="Arial"/>
-                <a:sym typeface="Arial"/>
-              </a:rPr>
-              <a:t>: </a:t>
-            </a:r>
-            <a:r>
-              <a:rPr lang="en-GB" sz="1600">
-                <a:solidFill>
-                  <a:schemeClr val="dk1"/>
-                </a:solidFill>
-              </a:rPr>
-              <a:t>2021-09-28</a:t>
-            </a:r>
-            <a:r>
-              <a:rPr lang="en-GB" sz="1600">
-                <a:solidFill>
-                  <a:schemeClr val="dk1"/>
-                </a:solidFill>
-                <a:latin typeface="Arial"/>
-                <a:ea typeface="Arial"/>
-                <a:cs typeface="Arial"/>
-                <a:sym typeface="Arial"/>
-              </a:rPr>
-              <a:t> 13:</a:t>
-            </a:r>
-            <a:r>
-              <a:rPr b="1" lang="en-GB" sz="1600">
+              <a:rPr lang="en-GB" sz="1600" b="1" dirty="0">
                 <a:solidFill>
                   <a:schemeClr val="dk1"/>
                 </a:solidFill>
@@ -13191,7 +13415,7 @@
               <a:t>40</a:t>
             </a:r>
             <a:r>
-              <a:rPr lang="en-GB" sz="1600">
+              <a:rPr lang="en-GB" sz="1600" dirty="0">
                 <a:solidFill>
                   <a:schemeClr val="dk1"/>
                 </a:solidFill>
@@ -13202,7 +13426,7 @@
               </a:rPr>
               <a:t>:00.000 (UTC)</a:t>
             </a:r>
-            <a:endParaRPr/>
+            <a:endParaRPr dirty="0"/>
           </a:p>
         </p:txBody>
       </p:sp>
@@ -13215,7 +13439,7 @@
 </file>
 
 <file path=ppt/theme/theme1.xml><?xml version="1.0" encoding="utf-8"?>
-<a:theme xmlns:a="http://schemas.openxmlformats.org/drawingml/2006/main" xmlns:r="http://schemas.openxmlformats.org/officeDocument/2006/relationships" name="Office Theme">
+<a:theme xmlns:a="http://schemas.openxmlformats.org/drawingml/2006/main" name="Office Theme">
   <a:themeElements>
     <a:clrScheme name="Office Theme">
       <a:dk1>
@@ -13490,11 +13714,13 @@
       </a:bgFillStyleLst>
     </a:fmtScheme>
   </a:themeElements>
+  <a:objectDefaults/>
+  <a:extraClrSchemeLst/>
 </a:theme>
 </file>
 
 <file path=ppt/theme/theme2.xml><?xml version="1.0" encoding="utf-8"?>
-<a:theme xmlns:a="http://schemas.openxmlformats.org/drawingml/2006/main" xmlns:r="http://schemas.openxmlformats.org/officeDocument/2006/relationships">
+<a:theme xmlns:a="http://schemas.openxmlformats.org/drawingml/2006/main">
   <a:themeElements>
     <a:clrScheme name="Default">
       <a:dk1>
@@ -13769,5 +13995,7 @@
       </a:bgFillStyleLst>
     </a:fmtScheme>
   </a:themeElements>
+  <a:objectDefaults/>
+  <a:extraClrSchemeLst/>
 </a:theme>
 </file>